--- a/week4_5/week_04_Control Flow-for Statement.pptx
+++ b/week4_5/week_04_Control Flow-for Statement.pptx
@@ -5,10 +5,10 @@
     <p:sldMasterId id="2147483705" r:id="rId1"/>
   </p:sldMasterIdLst>
   <p:notesMasterIdLst>
-    <p:notesMasterId r:id="rId157"/>
+    <p:notesMasterId r:id="rId152"/>
   </p:notesMasterIdLst>
   <p:handoutMasterIdLst>
-    <p:handoutMasterId r:id="rId158"/>
+    <p:handoutMasterId r:id="rId153"/>
   </p:handoutMasterIdLst>
   <p:sldIdLst>
     <p:sldId id="259" r:id="rId2"/>
@@ -155,17 +155,12 @@
     <p:sldId id="854" r:id="rId143"/>
     <p:sldId id="855" r:id="rId144"/>
     <p:sldId id="733" r:id="rId145"/>
-    <p:sldId id="734" r:id="rId146"/>
-    <p:sldId id="735" r:id="rId147"/>
-    <p:sldId id="736" r:id="rId148"/>
-    <p:sldId id="740" r:id="rId149"/>
-    <p:sldId id="741" r:id="rId150"/>
-    <p:sldId id="568" r:id="rId151"/>
-    <p:sldId id="737" r:id="rId152"/>
-    <p:sldId id="738" r:id="rId153"/>
-    <p:sldId id="739" r:id="rId154"/>
-    <p:sldId id="542" r:id="rId155"/>
-    <p:sldId id="574" r:id="rId156"/>
+    <p:sldId id="735" r:id="rId146"/>
+    <p:sldId id="736" r:id="rId147"/>
+    <p:sldId id="740" r:id="rId148"/>
+    <p:sldId id="741" r:id="rId149"/>
+    <p:sldId id="542" r:id="rId150"/>
+    <p:sldId id="574" r:id="rId151"/>
   </p:sldIdLst>
   <p:sldSz cx="12192000" cy="6858000"/>
   <p:notesSz cx="6858000" cy="9144000"/>
@@ -359,7 +354,7 @@
             <a:pPr rtl="0"/>
             <a:fld id="{82AE8BF5-CB93-44E5-9404-15AF760C38FD}" type="datetime1">
               <a:rPr lang="ko-KR" altLang="en-US" smtClean="0"/>
-              <a:t>2024-04-23</a:t>
+              <a:t>2024-04-24</a:t>
             </a:fld>
             <a:endParaRPr lang="en-US"/>
           </a:p>
@@ -529,7 +524,7 @@
             <a:pPr rtl="0"/>
             <a:fld id="{1420DF4F-28CD-42CA-8484-F6571F4C08CC}" type="datetime1">
               <a:rPr lang="ko-KR" altLang="en-US" smtClean="0"/>
-              <a:t>2024-04-23</a:t>
+              <a:t>2024-04-24</a:t>
             </a:fld>
             <a:endParaRPr lang="en-US"/>
           </a:p>
@@ -1006,7 +1001,7 @@
           <a:p>
             <a:fld id="{28A3BAFB-7A40-4072-A7FD-FB0EDC55F13F}" type="datetime1">
               <a:rPr lang="ko-KR" altLang="en-US" smtClean="0"/>
-              <a:t>2024-04-23</a:t>
+              <a:t>2024-04-24</a:t>
             </a:fld>
             <a:endParaRPr lang="en-US" dirty="0"/>
           </a:p>
@@ -1383,7 +1378,7 @@
           <a:p>
             <a:fld id="{F12F07B2-E074-4649-9142-6F1D9AE0DBBB}" type="datetime1">
               <a:rPr lang="ko-KR" altLang="en-US" smtClean="0"/>
-              <a:t>2024-04-23</a:t>
+              <a:t>2024-04-24</a:t>
             </a:fld>
             <a:endParaRPr lang="en-US" dirty="0"/>
           </a:p>
@@ -1606,7 +1601,7 @@
           <a:p>
             <a:fld id="{1B93F205-BE1D-41B6-903E-38A12CD6A70F}" type="datetime1">
               <a:rPr lang="ko-KR" altLang="en-US" smtClean="0"/>
-              <a:t>2024-04-23</a:t>
+              <a:t>2024-04-24</a:t>
             </a:fld>
             <a:endParaRPr lang="en-US" dirty="0"/>
           </a:p>
@@ -1901,7 +1896,7 @@
           <a:p>
             <a:fld id="{88763DE7-7630-4C1C-B39F-731F1889F7F8}" type="datetime1">
               <a:rPr lang="ko-KR" altLang="en-US" smtClean="0"/>
-              <a:t>2024-04-23</a:t>
+              <a:t>2024-04-24</a:t>
             </a:fld>
             <a:endParaRPr lang="en-US" dirty="0"/>
           </a:p>
@@ -2370,7 +2365,7 @@
           <a:p>
             <a:fld id="{4E29F7F6-2AF8-4123-80EB-C26BF25051CC}" type="datetime1">
               <a:rPr lang="ko-KR" altLang="en-US" smtClean="0"/>
-              <a:t>2024-04-23</a:t>
+              <a:t>2024-04-24</a:t>
             </a:fld>
             <a:endParaRPr lang="en-US" dirty="0"/>
           </a:p>
@@ -2952,7 +2947,7 @@
           <a:p>
             <a:fld id="{2000F91A-87BC-4A65-9DD7-026C4653A996}" type="datetime1">
               <a:rPr lang="ko-KR" altLang="en-US" smtClean="0"/>
-              <a:t>2024-04-23</a:t>
+              <a:t>2024-04-24</a:t>
             </a:fld>
             <a:endParaRPr lang="en-US" dirty="0"/>
           </a:p>
@@ -3891,7 +3886,7 @@
           <a:p>
             <a:fld id="{60EBF092-97E8-48BF-A63A-FD32F38B1B9F}" type="datetime1">
               <a:rPr lang="ko-KR" altLang="en-US" smtClean="0"/>
-              <a:t>2024-04-23</a:t>
+              <a:t>2024-04-24</a:t>
             </a:fld>
             <a:endParaRPr lang="en-US" dirty="0"/>
           </a:p>
@@ -4122,7 +4117,7 @@
           <a:p>
             <a:fld id="{FA74C2CD-135C-429A-BF2F-8941132EB275}" type="datetime1">
               <a:rPr lang="ko-KR" altLang="en-US" smtClean="0"/>
-              <a:t>2024-04-23</a:t>
+              <a:t>2024-04-24</a:t>
             </a:fld>
             <a:endParaRPr lang="en-US" dirty="0"/>
           </a:p>
@@ -4363,7 +4358,7 @@
           <a:p>
             <a:fld id="{409A2853-D5CB-4085-8B68-FA9665D9382A}" type="datetime1">
               <a:rPr lang="ko-KR" altLang="en-US" smtClean="0"/>
-              <a:t>2024-04-23</a:t>
+              <a:t>2024-04-24</a:t>
             </a:fld>
             <a:endParaRPr lang="en-US" dirty="0"/>
           </a:p>
@@ -4647,7 +4642,7 @@
           <a:p>
             <a:fld id="{28A3BAFB-7A40-4072-A7FD-FB0EDC55F13F}" type="datetime1">
               <a:rPr lang="ko-KR" altLang="en-US" smtClean="0"/>
-              <a:t>2024-04-23</a:t>
+              <a:t>2024-04-24</a:t>
             </a:fld>
             <a:endParaRPr lang="en-US" dirty="0"/>
           </a:p>
@@ -4982,7 +4977,7 @@
           <a:p>
             <a:fld id="{28A3BAFB-7A40-4072-A7FD-FB0EDC55F13F}" type="datetime1">
               <a:rPr lang="ko-KR" altLang="en-US" smtClean="0"/>
-              <a:t>2024-04-23</a:t>
+              <a:t>2024-04-24</a:t>
             </a:fld>
             <a:endParaRPr lang="en-US" dirty="0"/>
           </a:p>
@@ -5378,7 +5373,7 @@
           <a:p>
             <a:fld id="{28A3BAFB-7A40-4072-A7FD-FB0EDC55F13F}" type="datetime1">
               <a:rPr lang="ko-KR" altLang="en-US" smtClean="0"/>
-              <a:t>2024-04-23</a:t>
+              <a:t>2024-04-24</a:t>
             </a:fld>
             <a:endParaRPr lang="en-US" dirty="0"/>
           </a:p>
@@ -5986,7 +5981,7 @@
           <a:p>
             <a:fld id="{28A3BAFB-7A40-4072-A7FD-FB0EDC55F13F}" type="datetime1">
               <a:rPr lang="ko-KR" altLang="en-US" smtClean="0"/>
-              <a:t>2024-04-23</a:t>
+              <a:t>2024-04-24</a:t>
             </a:fld>
             <a:endParaRPr lang="en-US" dirty="0"/>
           </a:p>
@@ -6197,7 +6192,7 @@
           <a:p>
             <a:fld id="{28A3BAFB-7A40-4072-A7FD-FB0EDC55F13F}" type="datetime1">
               <a:rPr lang="ko-KR" altLang="en-US" smtClean="0"/>
-              <a:t>2024-04-23</a:t>
+              <a:t>2024-04-24</a:t>
             </a:fld>
             <a:endParaRPr lang="en-US" dirty="0"/>
           </a:p>
@@ -6377,7 +6372,7 @@
           <a:p>
             <a:fld id="{28A3BAFB-7A40-4072-A7FD-FB0EDC55F13F}" type="datetime1">
               <a:rPr lang="ko-KR" altLang="en-US" smtClean="0"/>
-              <a:t>2024-04-23</a:t>
+              <a:t>2024-04-24</a:t>
             </a:fld>
             <a:endParaRPr lang="en-US" dirty="0"/>
           </a:p>
@@ -6714,7 +6709,7 @@
           <a:p>
             <a:fld id="{43748954-E065-4054-8C66-392B4F063747}" type="datetime1">
               <a:rPr lang="ko-KR" altLang="en-US" smtClean="0"/>
-              <a:t>2024-04-23</a:t>
+              <a:t>2024-04-24</a:t>
             </a:fld>
             <a:endParaRPr lang="en-US" dirty="0"/>
           </a:p>
@@ -7053,7 +7048,7 @@
           <a:p>
             <a:fld id="{5A58C4A3-D82D-41C7-A18D-6414DD58B953}" type="datetime1">
               <a:rPr lang="ko-KR" altLang="en-US" smtClean="0"/>
-              <a:t>2024-04-23</a:t>
+              <a:t>2024-04-24</a:t>
             </a:fld>
             <a:endParaRPr lang="en-US" dirty="0"/>
           </a:p>
@@ -7305,7 +7300,7 @@
           <a:p>
             <a:fld id="{D41097D8-A3FF-4F04-9CFF-0B8EA7C26038}" type="datetime1">
               <a:rPr lang="ko-KR" altLang="en-US" smtClean="0"/>
-              <a:t>2024-04-23</a:t>
+              <a:t>2024-04-24</a:t>
             </a:fld>
             <a:endParaRPr lang="en-US" dirty="0"/>
           </a:p>
@@ -16604,14 +16599,13 @@
               <a:t>Example: </a:t>
             </a:r>
             <a:r>
-              <a:rPr lang="en-US" altLang="ko-KR" b="1" i="1" dirty="0" smtClean="0"/>
+              <a:rPr lang="en-US" altLang="ko-KR" b="1" i="1" dirty="0"/>
               <a:t>for-for, </a:t>
             </a:r>
             <a:r>
-              <a:rPr lang="ko-KR" altLang="en-US" b="1" i="1" dirty="0" smtClean="0"/>
+              <a:rPr lang="ko-KR" altLang="en-US" b="1" i="1" dirty="0"/>
               <a:t>구구단</a:t>
             </a:r>
-            <a:endParaRPr lang="ko-KR" altLang="en-US" b="1" i="1" dirty="0"/>
           </a:p>
         </p:txBody>
       </p:sp>
@@ -16662,16 +16656,6 @@
               <a:buNone/>
             </a:pPr>
             <a:r>
-              <a:rPr lang="en-US" altLang="ko-KR" sz="1600" dirty="0" smtClean="0">
-                <a:solidFill>
-                  <a:srgbClr val="FFFF00"/>
-                </a:solidFill>
-                <a:latin typeface="Courier New" panose="02070309020205020404" pitchFamily="49" charset="0"/>
-                <a:cs typeface="Courier New" panose="02070309020205020404" pitchFamily="49" charset="0"/>
-              </a:rPr>
-              <a:t>3x1=3</a:t>
-            </a:r>
-            <a:r>
               <a:rPr lang="en-US" altLang="ko-KR" sz="1600" dirty="0">
                 <a:solidFill>
                   <a:srgbClr val="FFFF00"/>
@@ -16679,7 +16663,7 @@
                 <a:latin typeface="Courier New" panose="02070309020205020404" pitchFamily="49" charset="0"/>
                 <a:cs typeface="Courier New" panose="02070309020205020404" pitchFamily="49" charset="0"/>
               </a:rPr>
-              <a:t>, 3x2=6, 3x3=9, 3x4=12, 3x5=15, 3x6=18, 3x7=21, 3x8=24, 3x9=27</a:t>
+              <a:t>3x1=3, 3x2=6, 3x3=9, 3x4=12, 3x5=15, 3x6=18, 3x7=21, 3x8=24, 3x9=27</a:t>
             </a:r>
           </a:p>
           <a:p>
@@ -16689,16 +16673,6 @@
               </a:lnSpc>
               <a:buNone/>
             </a:pPr>
-            <a:r>
-              <a:rPr lang="en-US" altLang="ko-KR" sz="1600" dirty="0" smtClean="0">
-                <a:solidFill>
-                  <a:srgbClr val="FFFF00"/>
-                </a:solidFill>
-                <a:latin typeface="Courier New" panose="02070309020205020404" pitchFamily="49" charset="0"/>
-                <a:cs typeface="Courier New" panose="02070309020205020404" pitchFamily="49" charset="0"/>
-              </a:rPr>
-              <a:t>4x1=4</a:t>
-            </a:r>
             <a:r>
               <a:rPr lang="en-US" altLang="ko-KR" sz="1600" dirty="0">
                 <a:solidFill>
@@ -16707,7 +16681,7 @@
                 <a:latin typeface="Courier New" panose="02070309020205020404" pitchFamily="49" charset="0"/>
                 <a:cs typeface="Courier New" panose="02070309020205020404" pitchFamily="49" charset="0"/>
               </a:rPr>
-              <a:t>, 4x2=8, 4x3=12, 4x4=16, 4x5=20, 4x6=24, 4x7=28, 4x8=32, 4x9=36</a:t>
+              <a:t>4x1=4, 4x2=8, 4x3=12, 4x4=16, 4x5=20, 4x6=24, 4x7=28, 4x8=32, 4x9=36</a:t>
             </a:r>
           </a:p>
           <a:p>
@@ -16717,16 +16691,6 @@
               </a:lnSpc>
               <a:buNone/>
             </a:pPr>
-            <a:r>
-              <a:rPr lang="en-US" altLang="ko-KR" sz="1600" dirty="0" smtClean="0">
-                <a:solidFill>
-                  <a:srgbClr val="FFFF00"/>
-                </a:solidFill>
-                <a:latin typeface="Courier New" panose="02070309020205020404" pitchFamily="49" charset="0"/>
-                <a:cs typeface="Courier New" panose="02070309020205020404" pitchFamily="49" charset="0"/>
-              </a:rPr>
-              <a:t>5x1=5</a:t>
-            </a:r>
             <a:r>
               <a:rPr lang="en-US" altLang="ko-KR" sz="1600" dirty="0">
                 <a:solidFill>
@@ -16735,7 +16699,7 @@
                 <a:latin typeface="Courier New" panose="02070309020205020404" pitchFamily="49" charset="0"/>
                 <a:cs typeface="Courier New" panose="02070309020205020404" pitchFamily="49" charset="0"/>
               </a:rPr>
-              <a:t>, 5x2=10, 5x3=15, 5x4=20, 5x5=25, 5x6=30, 5x7=35, 5x8=40, 5x9=45</a:t>
+              <a:t>5x1=5, 5x2=10, 5x3=15, 5x4=20, 5x5=25, 5x6=30, 5x7=35, 5x8=40, 5x9=45</a:t>
             </a:r>
           </a:p>
           <a:p>
@@ -16745,16 +16709,6 @@
               </a:lnSpc>
               <a:buNone/>
             </a:pPr>
-            <a:r>
-              <a:rPr lang="en-US" altLang="ko-KR" sz="1600" dirty="0" smtClean="0">
-                <a:solidFill>
-                  <a:srgbClr val="FFFF00"/>
-                </a:solidFill>
-                <a:latin typeface="Courier New" panose="02070309020205020404" pitchFamily="49" charset="0"/>
-                <a:cs typeface="Courier New" panose="02070309020205020404" pitchFamily="49" charset="0"/>
-              </a:rPr>
-              <a:t>6x1=6</a:t>
-            </a:r>
             <a:r>
               <a:rPr lang="en-US" altLang="ko-KR" sz="1600" dirty="0">
                 <a:solidFill>
@@ -16763,7 +16717,7 @@
                 <a:latin typeface="Courier New" panose="02070309020205020404" pitchFamily="49" charset="0"/>
                 <a:cs typeface="Courier New" panose="02070309020205020404" pitchFamily="49" charset="0"/>
               </a:rPr>
-              <a:t>, 6x2=12, 6x3=18, 6x4=24, 6x5=30, 6x6=36, 6x7=42, 6x8=48, 6x9=54</a:t>
+              <a:t>6x1=6, 6x2=12, 6x3=18, 6x4=24, 6x5=30, 6x6=36, 6x7=42, 6x8=48, 6x9=54</a:t>
             </a:r>
           </a:p>
           <a:p>
@@ -16773,16 +16727,6 @@
               </a:lnSpc>
               <a:buNone/>
             </a:pPr>
-            <a:r>
-              <a:rPr lang="en-US" altLang="ko-KR" sz="1600" dirty="0" smtClean="0">
-                <a:solidFill>
-                  <a:srgbClr val="FFFF00"/>
-                </a:solidFill>
-                <a:latin typeface="Courier New" panose="02070309020205020404" pitchFamily="49" charset="0"/>
-                <a:cs typeface="Courier New" panose="02070309020205020404" pitchFamily="49" charset="0"/>
-              </a:rPr>
-              <a:t>7x1=7</a:t>
-            </a:r>
             <a:r>
               <a:rPr lang="en-US" altLang="ko-KR" sz="1600" dirty="0">
                 <a:solidFill>
@@ -16791,7 +16735,7 @@
                 <a:latin typeface="Courier New" panose="02070309020205020404" pitchFamily="49" charset="0"/>
                 <a:cs typeface="Courier New" panose="02070309020205020404" pitchFamily="49" charset="0"/>
               </a:rPr>
-              <a:t>, 7x2=14, 7x3=21, 7x4=28, 7x5=35, 7x6=42, 7x7=49, 7x8=56, 7x9=63</a:t>
+              <a:t>7x1=7, 7x2=14, 7x3=21, 7x4=28, 7x5=35, 7x6=42, 7x7=49, 7x8=56, 7x9=63</a:t>
             </a:r>
           </a:p>
           <a:p>
@@ -16801,16 +16745,6 @@
               </a:lnSpc>
               <a:buNone/>
             </a:pPr>
-            <a:r>
-              <a:rPr lang="en-US" altLang="ko-KR" sz="1600" dirty="0" smtClean="0">
-                <a:solidFill>
-                  <a:srgbClr val="FFFF00"/>
-                </a:solidFill>
-                <a:latin typeface="Courier New" panose="02070309020205020404" pitchFamily="49" charset="0"/>
-                <a:cs typeface="Courier New" panose="02070309020205020404" pitchFamily="49" charset="0"/>
-              </a:rPr>
-              <a:t>8x1=8</a:t>
-            </a:r>
             <a:r>
               <a:rPr lang="en-US" altLang="ko-KR" sz="1600" dirty="0">
                 <a:solidFill>
@@ -16819,7 +16753,7 @@
                 <a:latin typeface="Courier New" panose="02070309020205020404" pitchFamily="49" charset="0"/>
                 <a:cs typeface="Courier New" panose="02070309020205020404" pitchFamily="49" charset="0"/>
               </a:rPr>
-              <a:t>, 8x2=16, 8x3=24, 8x4=32, 8x5=40, 8x6=48, 8x7=56, 8x8=64, 8x9=72</a:t>
+              <a:t>8x1=8, 8x2=16, 8x3=24, 8x4=32, 8x5=40, 8x6=48, 8x7=56, 8x8=64, 8x9=72</a:t>
             </a:r>
           </a:p>
           <a:p>
@@ -16829,16 +16763,6 @@
               </a:lnSpc>
               <a:buNone/>
             </a:pPr>
-            <a:r>
-              <a:rPr lang="en-US" altLang="ko-KR" sz="1600" dirty="0" smtClean="0">
-                <a:solidFill>
-                  <a:srgbClr val="FFFF00"/>
-                </a:solidFill>
-                <a:latin typeface="Courier New" panose="02070309020205020404" pitchFamily="49" charset="0"/>
-                <a:cs typeface="Courier New" panose="02070309020205020404" pitchFamily="49" charset="0"/>
-              </a:rPr>
-              <a:t>9x1=9</a:t>
-            </a:r>
             <a:r>
               <a:rPr lang="en-US" altLang="ko-KR" sz="1600" dirty="0">
                 <a:solidFill>
@@ -16847,7 +16771,7 @@
                 <a:latin typeface="Courier New" panose="02070309020205020404" pitchFamily="49" charset="0"/>
                 <a:cs typeface="Courier New" panose="02070309020205020404" pitchFamily="49" charset="0"/>
               </a:rPr>
-              <a:t>, 9x2=18, 9x3=27, 9x4=36, 9x5=45, 9x6=54, 9x7=63, 9x8=72, 9x9=81</a:t>
+              <a:t>9x1=9, 9x2=18, 9x3=27, 9x4=36, 9x5=45, 9x6=54, 9x7=63, 9x8=72, 9x9=81</a:t>
             </a:r>
             <a:endParaRPr lang="ko-KR" altLang="en-US" sz="1600" dirty="0">
               <a:solidFill>
@@ -16933,14 +16857,13 @@
               <a:t>Example: </a:t>
             </a:r>
             <a:r>
-              <a:rPr lang="en-US" altLang="ko-KR" b="1" i="1" dirty="0" smtClean="0"/>
+              <a:rPr lang="en-US" altLang="ko-KR" b="1" i="1" dirty="0"/>
               <a:t>for-for, </a:t>
             </a:r>
             <a:r>
-              <a:rPr lang="ko-KR" altLang="en-US" b="1" i="1" dirty="0" smtClean="0"/>
+              <a:rPr lang="ko-KR" altLang="en-US" b="1" i="1" dirty="0"/>
               <a:t>구구단</a:t>
             </a:r>
-            <a:endParaRPr lang="ko-KR" altLang="en-US" b="1" i="1" dirty="0"/>
           </a:p>
         </p:txBody>
       </p:sp>
@@ -17606,15 +17529,15 @@
               <a:t>Example: </a:t>
             </a:r>
             <a:r>
-              <a:rPr lang="en-US" altLang="ko-KR" b="1" i="1" dirty="0" smtClean="0"/>
+              <a:rPr lang="en-US" altLang="ko-KR" b="1" i="1" dirty="0"/>
               <a:t>for-for, </a:t>
             </a:r>
             <a:r>
-              <a:rPr lang="ko-KR" altLang="en-US" b="1" i="1" dirty="0" smtClean="0"/>
+              <a:rPr lang="ko-KR" altLang="en-US" b="1" i="1" dirty="0"/>
               <a:t>구구단 </a:t>
             </a:r>
             <a:r>
-              <a:rPr lang="en-US" altLang="ko-KR" b="1" i="1" dirty="0" smtClean="0"/>
+              <a:rPr lang="en-US" altLang="ko-KR" b="1" i="1" dirty="0"/>
               <a:t>Excel</a:t>
             </a:r>
             <a:endParaRPr lang="ko-KR" altLang="en-US" b="1" i="1" dirty="0"/>
@@ -17692,10 +17615,9 @@
           <a:lstStyle/>
           <a:p>
             <a:r>
-              <a:rPr lang="ko-KR" altLang="en-US" dirty="0" smtClean="0"/>
+              <a:rPr lang="ko-KR" altLang="en-US" dirty="0"/>
               <a:t>상대 주소와 절대 주소</a:t>
             </a:r>
-            <a:endParaRPr lang="ko-KR" altLang="en-US" dirty="0"/>
           </a:p>
         </p:txBody>
       </p:sp>
@@ -17749,10 +17671,9 @@
               <a:t>Example: </a:t>
             </a:r>
             <a:r>
-              <a:rPr lang="ko-KR" altLang="en-US" b="1" i="1" dirty="0" smtClean="0"/>
+              <a:rPr lang="ko-KR" altLang="en-US" b="1" i="1" dirty="0"/>
               <a:t>별 그리기</a:t>
             </a:r>
-            <a:endParaRPr lang="ko-KR" altLang="en-US" b="1" i="1" dirty="0"/>
           </a:p>
         </p:txBody>
       </p:sp>
@@ -17902,10 +17823,9 @@
               <a:t>Example: </a:t>
             </a:r>
             <a:r>
-              <a:rPr lang="ko-KR" altLang="en-US" b="1" i="1" dirty="0" smtClean="0"/>
+              <a:rPr lang="ko-KR" altLang="en-US" b="1" i="1" dirty="0"/>
               <a:t>별 그리기</a:t>
             </a:r>
-            <a:endParaRPr lang="ko-KR" altLang="en-US" b="1" i="1" dirty="0"/>
           </a:p>
         </p:txBody>
       </p:sp>
@@ -18152,7 +18072,7 @@
               <a:t>i</a:t>
             </a:r>
             <a:r>
-              <a:rPr lang="en-US" altLang="ko-KR" dirty="0" smtClean="0">
+              <a:rPr lang="en-US" altLang="ko-KR" dirty="0">
                 <a:ln>
                   <a:solidFill>
                     <a:schemeClr val="bg1">
@@ -18178,25 +18098,6 @@
               </a:lnSpc>
             </a:pPr>
             <a:r>
-              <a:rPr lang="en-US" altLang="ko-KR" dirty="0" smtClean="0">
-                <a:ln>
-                  <a:solidFill>
-                    <a:schemeClr val="bg1">
-                      <a:lumMod val="75000"/>
-                      <a:lumOff val="25000"/>
-                      <a:alpha val="10000"/>
-                    </a:schemeClr>
-                  </a:solidFill>
-                </a:ln>
-                <a:solidFill>
-                  <a:schemeClr val="tx2"/>
-                </a:solidFill>
-                <a:latin typeface="Batang" panose="02030600000101010101" pitchFamily="18" charset="-127"/>
-                <a:ea typeface="Batang" panose="02030600000101010101" pitchFamily="18" charset="-127"/>
-              </a:rPr>
-              <a:t>            # print(f</a:t>
-            </a:r>
-            <a:r>
               <a:rPr lang="en-US" altLang="ko-KR" dirty="0">
                 <a:ln>
                   <a:solidFill>
@@ -18213,7 +18114,7 @@
                 <a:latin typeface="Batang" panose="02030600000101010101" pitchFamily="18" charset="-127"/>
                 <a:ea typeface="Batang" panose="02030600000101010101" pitchFamily="18" charset="-127"/>
               </a:rPr>
-              <a:t>"{'*'*</a:t>
+              <a:t>            # print(f"{'*'*</a:t>
             </a:r>
             <a:r>
               <a:rPr lang="en-US" altLang="ko-KR" dirty="0" err="1">
@@ -18251,43 +18152,8 @@
                 <a:latin typeface="Batang" panose="02030600000101010101" pitchFamily="18" charset="-127"/>
                 <a:ea typeface="Batang" panose="02030600000101010101" pitchFamily="18" charset="-127"/>
               </a:rPr>
-              <a:t>:^10s</a:t>
-            </a:r>
-            <a:r>
-              <a:rPr lang="en-US" altLang="ko-KR" dirty="0" smtClean="0">
-                <a:ln>
-                  <a:solidFill>
-                    <a:schemeClr val="bg1">
-                      <a:lumMod val="75000"/>
-                      <a:lumOff val="25000"/>
-                      <a:alpha val="10000"/>
-                    </a:schemeClr>
-                  </a:solidFill>
-                </a:ln>
-                <a:solidFill>
-                  <a:schemeClr val="tx2"/>
-                </a:solidFill>
-                <a:latin typeface="Batang" panose="02030600000101010101" pitchFamily="18" charset="-127"/>
-                <a:ea typeface="Batang" panose="02030600000101010101" pitchFamily="18" charset="-127"/>
-              </a:rPr>
-              <a:t>}")          # center</a:t>
-            </a:r>
-            <a:endParaRPr lang="en-US" altLang="ko-KR" dirty="0">
-              <a:ln>
-                <a:solidFill>
-                  <a:schemeClr val="bg1">
-                    <a:lumMod val="75000"/>
-                    <a:lumOff val="25000"/>
-                    <a:alpha val="10000"/>
-                  </a:schemeClr>
-                </a:solidFill>
-              </a:ln>
-              <a:solidFill>
-                <a:schemeClr val="tx2"/>
-              </a:solidFill>
-              <a:latin typeface="Batang" panose="02030600000101010101" pitchFamily="18" charset="-127"/>
-              <a:ea typeface="Batang" panose="02030600000101010101" pitchFamily="18" charset="-127"/>
-            </a:endParaRPr>
+              <a:t>:^10s}")          # center</a:t>
+            </a:r>
           </a:p>
           <a:p>
             <a:pPr>
@@ -18312,10 +18178,10 @@
                 <a:latin typeface="Batang" panose="02030600000101010101" pitchFamily="18" charset="-127"/>
                 <a:ea typeface="Batang" panose="02030600000101010101" pitchFamily="18" charset="-127"/>
               </a:rPr>
-              <a:t> </a:t>
-            </a:r>
-            <a:r>
-              <a:rPr lang="en-US" altLang="ko-KR" dirty="0" smtClean="0">
+              <a:t>            # print(f"{'*'*</a:t>
+            </a:r>
+            <a:r>
+              <a:rPr lang="en-US" altLang="ko-KR" dirty="0" err="1">
                 <a:ln>
                   <a:solidFill>
                     <a:schemeClr val="bg1">
@@ -18331,7 +18197,7 @@
                 <a:latin typeface="Batang" panose="02030600000101010101" pitchFamily="18" charset="-127"/>
                 <a:ea typeface="Batang" panose="02030600000101010101" pitchFamily="18" charset="-127"/>
               </a:rPr>
-              <a:t>           # </a:t>
+              <a:t>i</a:t>
             </a:r>
             <a:r>
               <a:rPr lang="en-US" altLang="ko-KR" dirty="0">
@@ -18350,100 +18216,8 @@
                 <a:latin typeface="Batang" panose="02030600000101010101" pitchFamily="18" charset="-127"/>
                 <a:ea typeface="Batang" panose="02030600000101010101" pitchFamily="18" charset="-127"/>
               </a:rPr>
-              <a:t>print(f"{'*'*</a:t>
-            </a:r>
-            <a:r>
-              <a:rPr lang="en-US" altLang="ko-KR" dirty="0" err="1" smtClean="0">
-                <a:ln>
-                  <a:solidFill>
-                    <a:schemeClr val="bg1">
-                      <a:lumMod val="75000"/>
-                      <a:lumOff val="25000"/>
-                      <a:alpha val="10000"/>
-                    </a:schemeClr>
-                  </a:solidFill>
-                </a:ln>
-                <a:solidFill>
-                  <a:schemeClr val="tx2"/>
-                </a:solidFill>
-                <a:latin typeface="Batang" panose="02030600000101010101" pitchFamily="18" charset="-127"/>
-                <a:ea typeface="Batang" panose="02030600000101010101" pitchFamily="18" charset="-127"/>
-              </a:rPr>
-              <a:t>i</a:t>
-            </a:r>
-            <a:r>
-              <a:rPr lang="en-US" altLang="ko-KR" dirty="0" smtClean="0">
-                <a:ln>
-                  <a:solidFill>
-                    <a:schemeClr val="bg1">
-                      <a:lumMod val="75000"/>
-                      <a:lumOff val="25000"/>
-                      <a:alpha val="10000"/>
-                    </a:schemeClr>
-                  </a:solidFill>
-                </a:ln>
-                <a:solidFill>
-                  <a:schemeClr val="tx2"/>
-                </a:solidFill>
-                <a:latin typeface="Batang" panose="02030600000101010101" pitchFamily="18" charset="-127"/>
-                <a:ea typeface="Batang" panose="02030600000101010101" pitchFamily="18" charset="-127"/>
-              </a:rPr>
-              <a:t>:&lt;10s</a:t>
-            </a:r>
-            <a:r>
-              <a:rPr lang="en-US" altLang="ko-KR" dirty="0">
-                <a:ln>
-                  <a:solidFill>
-                    <a:schemeClr val="bg1">
-                      <a:lumMod val="75000"/>
-                      <a:lumOff val="25000"/>
-                      <a:alpha val="10000"/>
-                    </a:schemeClr>
-                  </a:solidFill>
-                </a:ln>
-                <a:solidFill>
-                  <a:schemeClr val="tx2"/>
-                </a:solidFill>
-                <a:latin typeface="Batang" panose="02030600000101010101" pitchFamily="18" charset="-127"/>
-                <a:ea typeface="Batang" panose="02030600000101010101" pitchFamily="18" charset="-127"/>
-              </a:rPr>
-              <a:t>}")          # </a:t>
-            </a:r>
-            <a:r>
-              <a:rPr lang="en-US" altLang="ko-KR" dirty="0" smtClean="0">
-                <a:ln>
-                  <a:solidFill>
-                    <a:schemeClr val="bg1">
-                      <a:lumMod val="75000"/>
-                      <a:lumOff val="25000"/>
-                      <a:alpha val="10000"/>
-                    </a:schemeClr>
-                  </a:solidFill>
-                </a:ln>
-                <a:solidFill>
-                  <a:schemeClr val="tx2"/>
-                </a:solidFill>
-                <a:latin typeface="Batang" panose="02030600000101010101" pitchFamily="18" charset="-127"/>
-                <a:ea typeface="Batang" panose="02030600000101010101" pitchFamily="18" charset="-127"/>
-              </a:rPr>
-              <a:t>left</a:t>
-            </a:r>
-            <a:endParaRPr lang="en-US" altLang="ko-KR" dirty="0">
-              <a:ln>
-                <a:solidFill>
-                  <a:schemeClr val="bg1">
-                    <a:lumMod val="75000"/>
-                    <a:lumOff val="25000"/>
-                    <a:alpha val="10000"/>
-                  </a:schemeClr>
-                </a:solidFill>
-              </a:ln>
-              <a:solidFill>
-                <a:schemeClr val="tx2"/>
-              </a:solidFill>
-              <a:latin typeface="Batang" panose="02030600000101010101" pitchFamily="18" charset="-127"/>
-              <a:ea typeface="Batang" panose="02030600000101010101" pitchFamily="18" charset="-127"/>
-            </a:endParaRPr>
+              <a:t>:&lt;10s}")          # left</a:t>
+            </a:r>
           </a:p>
           <a:p>
             <a:pPr>
@@ -18494,45 +18268,7 @@
                 <a:latin typeface="Batang" panose="02030600000101010101" pitchFamily="18" charset="-127"/>
                 <a:ea typeface="Batang" panose="02030600000101010101" pitchFamily="18" charset="-127"/>
               </a:rPr>
-              <a:t>    </a:t>
-            </a:r>
-            <a:r>
-              <a:rPr lang="en-US" altLang="ko-KR" dirty="0" smtClean="0">
-                <a:ln>
-                  <a:solidFill>
-                    <a:schemeClr val="bg1">
-                      <a:lumMod val="75000"/>
-                      <a:lumOff val="25000"/>
-                      <a:alpha val="10000"/>
-                    </a:schemeClr>
-                  </a:solidFill>
-                </a:ln>
-                <a:solidFill>
-                  <a:schemeClr val="tx2"/>
-                </a:solidFill>
-                <a:latin typeface="Batang" panose="02030600000101010101" pitchFamily="18" charset="-127"/>
-                <a:ea typeface="Batang" panose="02030600000101010101" pitchFamily="18" charset="-127"/>
-              </a:rPr>
-              <a:t># print(r</a:t>
-            </a:r>
-            <a:r>
-              <a:rPr lang="en-US" altLang="ko-KR" dirty="0">
-                <a:ln>
-                  <a:solidFill>
-                    <a:schemeClr val="bg1">
-                      <a:lumMod val="75000"/>
-                      <a:lumOff val="25000"/>
-                      <a:alpha val="10000"/>
-                    </a:schemeClr>
-                  </a:solidFill>
-                </a:ln>
-                <a:solidFill>
-                  <a:schemeClr val="tx2"/>
-                </a:solidFill>
-                <a:latin typeface="Batang" panose="02030600000101010101" pitchFamily="18" charset="-127"/>
-                <a:ea typeface="Batang" panose="02030600000101010101" pitchFamily="18" charset="-127"/>
-              </a:rPr>
-              <a:t>'\n')</a:t>
+              <a:t>    # print(r'\n')</a:t>
             </a:r>
           </a:p>
         </p:txBody>
@@ -18670,26 +18406,7 @@
                 <a:latin typeface="Batang" panose="02030600000101010101" pitchFamily="18" charset="-127"/>
                 <a:ea typeface="Batang" panose="02030600000101010101" pitchFamily="18" charset="-127"/>
               </a:rPr>
-              <a:t>    print(f"{'*'*(i+1):&gt;10s</a:t>
-            </a:r>
-            <a:r>
-              <a:rPr lang="en-US" altLang="ko-KR" dirty="0" smtClean="0">
-                <a:ln>
-                  <a:solidFill>
-                    <a:schemeClr val="bg1">
-                      <a:lumMod val="75000"/>
-                      <a:lumOff val="25000"/>
-                      <a:alpha val="10000"/>
-                    </a:schemeClr>
-                  </a:solidFill>
-                </a:ln>
-                <a:solidFill>
-                  <a:schemeClr val="tx2"/>
-                </a:solidFill>
-                <a:latin typeface="Batang" panose="02030600000101010101" pitchFamily="18" charset="-127"/>
-                <a:ea typeface="Batang" panose="02030600000101010101" pitchFamily="18" charset="-127"/>
-              </a:rPr>
-              <a:t>}")</a:t>
+              <a:t>    print(f"{'*'*(i+1):&gt;10s}")</a:t>
             </a:r>
           </a:p>
           <a:p>
@@ -18715,45 +18432,7 @@
                 <a:latin typeface="Batang" panose="02030600000101010101" pitchFamily="18" charset="-127"/>
                 <a:ea typeface="Batang" panose="02030600000101010101" pitchFamily="18" charset="-127"/>
               </a:rPr>
-              <a:t> </a:t>
-            </a:r>
-            <a:r>
-              <a:rPr lang="en-US" altLang="ko-KR" dirty="0" smtClean="0">
-                <a:ln>
-                  <a:solidFill>
-                    <a:schemeClr val="bg1">
-                      <a:lumMod val="75000"/>
-                      <a:lumOff val="25000"/>
-                      <a:alpha val="10000"/>
-                    </a:schemeClr>
-                  </a:solidFill>
-                </a:ln>
-                <a:solidFill>
-                  <a:schemeClr val="tx2"/>
-                </a:solidFill>
-                <a:latin typeface="Batang" panose="02030600000101010101" pitchFamily="18" charset="-127"/>
-                <a:ea typeface="Batang" panose="02030600000101010101" pitchFamily="18" charset="-127"/>
-              </a:rPr>
-              <a:t> # </a:t>
-            </a:r>
-            <a:r>
-              <a:rPr lang="en-US" altLang="ko-KR" dirty="0">
-                <a:ln>
-                  <a:solidFill>
-                    <a:schemeClr val="bg1">
-                      <a:lumMod val="75000"/>
-                      <a:lumOff val="25000"/>
-                      <a:alpha val="10000"/>
-                    </a:schemeClr>
-                  </a:solidFill>
-                </a:ln>
-                <a:solidFill>
-                  <a:schemeClr val="tx2"/>
-                </a:solidFill>
-                <a:latin typeface="Batang" panose="02030600000101010101" pitchFamily="18" charset="-127"/>
-                <a:ea typeface="Batang" panose="02030600000101010101" pitchFamily="18" charset="-127"/>
-              </a:rPr>
-              <a:t>print(f"{'*'*</a:t>
+              <a:t>  # print(f"{'*'*</a:t>
             </a:r>
             <a:r>
               <a:rPr lang="en-US" altLang="ko-KR" dirty="0" err="1">
@@ -18817,45 +18496,7 @@
                 <a:latin typeface="Batang" panose="02030600000101010101" pitchFamily="18" charset="-127"/>
                 <a:ea typeface="Batang" panose="02030600000101010101" pitchFamily="18" charset="-127"/>
               </a:rPr>
-              <a:t> </a:t>
-            </a:r>
-            <a:r>
-              <a:rPr lang="en-US" altLang="ko-KR" dirty="0" smtClean="0">
-                <a:ln>
-                  <a:solidFill>
-                    <a:schemeClr val="bg1">
-                      <a:lumMod val="75000"/>
-                      <a:lumOff val="25000"/>
-                      <a:alpha val="10000"/>
-                    </a:schemeClr>
-                  </a:solidFill>
-                </a:ln>
-                <a:solidFill>
-                  <a:schemeClr val="tx2"/>
-                </a:solidFill>
-                <a:latin typeface="Batang" panose="02030600000101010101" pitchFamily="18" charset="-127"/>
-                <a:ea typeface="Batang" panose="02030600000101010101" pitchFamily="18" charset="-127"/>
-              </a:rPr>
-              <a:t> </a:t>
-            </a:r>
-            <a:r>
-              <a:rPr lang="en-US" altLang="ko-KR" dirty="0">
-                <a:ln>
-                  <a:solidFill>
-                    <a:schemeClr val="bg1">
-                      <a:lumMod val="75000"/>
-                      <a:lumOff val="25000"/>
-                      <a:alpha val="10000"/>
-                    </a:schemeClr>
-                  </a:solidFill>
-                </a:ln>
-                <a:solidFill>
-                  <a:schemeClr val="tx2"/>
-                </a:solidFill>
-                <a:latin typeface="Batang" panose="02030600000101010101" pitchFamily="18" charset="-127"/>
-                <a:ea typeface="Batang" panose="02030600000101010101" pitchFamily="18" charset="-127"/>
-              </a:rPr>
-              <a:t># print(f"{'*'*</a:t>
+              <a:t>  # print(f"{'*'*</a:t>
             </a:r>
             <a:r>
               <a:rPr lang="en-US" altLang="ko-KR" dirty="0" err="1">
@@ -25934,7 +25575,7 @@
         </p:spPr>
         <p:txBody>
           <a:bodyPr>
-            <a:normAutofit fontScale="70000" lnSpcReduction="20000"/>
+            <a:normAutofit lnSpcReduction="10000"/>
           </a:bodyPr>
           <a:lstStyle/>
           <a:p>
@@ -25942,23 +25583,11 @@
               <a:buNone/>
             </a:pPr>
             <a:r>
-              <a:rPr lang="en-US" altLang="ko-KR" b="0" dirty="0">
-                <a:solidFill>
-                  <a:schemeClr val="tx1"/>
-                </a:solidFill>
-                <a:effectLst/>
-                <a:latin typeface="Consolas" panose="020B0609020204030204" pitchFamily="49" charset="0"/>
-              </a:rPr>
+              <a:rPr lang="en-US" altLang="ko-KR" sz="1600" dirty="0"/>
               <a:t># </a:t>
             </a:r>
             <a:r>
-              <a:rPr lang="ko-KR" altLang="en-US" b="0" dirty="0">
-                <a:solidFill>
-                  <a:schemeClr val="tx1"/>
-                </a:solidFill>
-                <a:effectLst/>
-                <a:latin typeface="Consolas" panose="020B0609020204030204" pitchFamily="49" charset="0"/>
-              </a:rPr>
+              <a:rPr lang="ko-KR" altLang="en-US" sz="1600" dirty="0"/>
               <a:t>주어진 리스트</a:t>
             </a:r>
           </a:p>
@@ -25967,13 +25596,7 @@
               <a:buNone/>
             </a:pPr>
             <a:r>
-              <a:rPr lang="en-US" altLang="ko-KR" b="0" dirty="0">
-                <a:solidFill>
-                  <a:schemeClr val="tx1"/>
-                </a:solidFill>
-                <a:effectLst/>
-                <a:latin typeface="Consolas" panose="020B0609020204030204" pitchFamily="49" charset="0"/>
-              </a:rPr>
+              <a:rPr lang="en-US" altLang="ko-KR" sz="1600" dirty="0"/>
               <a:t>numbers = [1, 2, 3, 4, 5, 6, 7, 8, 9, 10]</a:t>
             </a:r>
           </a:p>
@@ -25981,43 +25604,15 @@
             <a:pPr marL="36900" indent="0">
               <a:buNone/>
             </a:pPr>
-            <a:r>
-              <a:rPr lang="en-US" altLang="ko-KR" b="0" dirty="0">
-                <a:solidFill>
-                  <a:schemeClr val="tx1"/>
-                </a:solidFill>
-                <a:effectLst/>
-                <a:latin typeface="Consolas" panose="020B0609020204030204" pitchFamily="49" charset="0"/>
-              </a:rPr>
-              <a:t/>
-            </a:r>
             <a:br>
-              <a:rPr lang="en-US" altLang="ko-KR" b="0" dirty="0">
-                <a:solidFill>
-                  <a:schemeClr val="tx1"/>
-                </a:solidFill>
-                <a:effectLst/>
-                <a:latin typeface="Consolas" panose="020B0609020204030204" pitchFamily="49" charset="0"/>
-              </a:rPr>
+              <a:rPr lang="en-US" altLang="ko-KR" sz="1600" dirty="0"/>
             </a:br>
             <a:r>
-              <a:rPr lang="en-US" altLang="ko-KR" b="0" dirty="0">
-                <a:solidFill>
-                  <a:schemeClr val="tx1"/>
-                </a:solidFill>
-                <a:effectLst/>
-                <a:latin typeface="Consolas" panose="020B0609020204030204" pitchFamily="49" charset="0"/>
-              </a:rPr>
+              <a:rPr lang="en-US" altLang="ko-KR" sz="1600" dirty="0"/>
               <a:t># </a:t>
             </a:r>
             <a:r>
-              <a:rPr lang="ko-KR" altLang="en-US" b="0" dirty="0">
-                <a:solidFill>
-                  <a:schemeClr val="tx1"/>
-                </a:solidFill>
-                <a:effectLst/>
-                <a:latin typeface="Consolas" panose="020B0609020204030204" pitchFamily="49" charset="0"/>
-              </a:rPr>
+              <a:rPr lang="ko-KR" altLang="en-US" sz="1600" dirty="0"/>
               <a:t>리스트에서 짝수만 출력하고자 함</a:t>
             </a:r>
           </a:p>
@@ -26026,53 +25621,23 @@
               <a:buNone/>
             </a:pPr>
             <a:r>
-              <a:rPr lang="en-US" altLang="ko-KR" b="0" dirty="0">
-                <a:solidFill>
-                  <a:schemeClr val="tx1"/>
-                </a:solidFill>
-                <a:effectLst/>
-                <a:latin typeface="Consolas" panose="020B0609020204030204" pitchFamily="49" charset="0"/>
-              </a:rPr>
+              <a:rPr lang="en-US" altLang="ko-KR" sz="1600" dirty="0"/>
               <a:t>for</a:t>
             </a:r>
             <a:r>
-              <a:rPr lang="ko-KR" altLang="en-US" b="0" dirty="0">
-                <a:solidFill>
-                  <a:schemeClr val="tx1"/>
-                </a:solidFill>
-                <a:effectLst/>
-                <a:latin typeface="Consolas" panose="020B0609020204030204" pitchFamily="49" charset="0"/>
-              </a:rPr>
+              <a:rPr lang="ko-KR" altLang="en-US" sz="1600" dirty="0"/>
               <a:t> </a:t>
             </a:r>
             <a:r>
-              <a:rPr lang="en-US" altLang="ko-KR" b="0" dirty="0">
-                <a:solidFill>
-                  <a:schemeClr val="tx1"/>
-                </a:solidFill>
-                <a:effectLst/>
-                <a:latin typeface="Consolas" panose="020B0609020204030204" pitchFamily="49" charset="0"/>
-              </a:rPr>
+              <a:rPr lang="en-US" altLang="ko-KR" sz="1600" dirty="0"/>
               <a:t>num in</a:t>
             </a:r>
             <a:r>
-              <a:rPr lang="ko-KR" altLang="en-US" b="0" dirty="0">
-                <a:solidFill>
-                  <a:schemeClr val="tx1"/>
-                </a:solidFill>
-                <a:effectLst/>
-                <a:latin typeface="Consolas" panose="020B0609020204030204" pitchFamily="49" charset="0"/>
-              </a:rPr>
+              <a:rPr lang="ko-KR" altLang="en-US" sz="1600" dirty="0"/>
               <a:t> </a:t>
             </a:r>
             <a:r>
-              <a:rPr lang="en-US" altLang="ko-KR" b="0" dirty="0">
-                <a:solidFill>
-                  <a:schemeClr val="tx1"/>
-                </a:solidFill>
-                <a:effectLst/>
-                <a:latin typeface="Consolas" panose="020B0609020204030204" pitchFamily="49" charset="0"/>
-              </a:rPr>
+              <a:rPr lang="en-US" altLang="ko-KR" sz="1600" dirty="0"/>
               <a:t>numbers:</a:t>
             </a:r>
           </a:p>
@@ -26081,73 +25646,27 @@
               <a:buNone/>
             </a:pPr>
             <a:r>
-              <a:rPr lang="en-US" altLang="ko-KR" b="0" dirty="0">
-                <a:solidFill>
-                  <a:schemeClr val="tx1"/>
-                </a:solidFill>
-                <a:effectLst/>
-                <a:latin typeface="Consolas" panose="020B0609020204030204" pitchFamily="49" charset="0"/>
-              </a:rPr>
+              <a:rPr lang="en-US" altLang="ko-KR" sz="1600" dirty="0"/>
               <a:t>    if</a:t>
             </a:r>
             <a:r>
-              <a:rPr lang="ko-KR" altLang="en-US" b="0" dirty="0">
-                <a:solidFill>
-                  <a:schemeClr val="tx1"/>
-                </a:solidFill>
-                <a:effectLst/>
-                <a:latin typeface="Consolas" panose="020B0609020204030204" pitchFamily="49" charset="0"/>
-              </a:rPr>
+              <a:rPr lang="ko-KR" altLang="en-US" sz="1600" dirty="0"/>
               <a:t> </a:t>
             </a:r>
             <a:r>
-              <a:rPr lang="en-US" altLang="ko-KR" b="0" dirty="0">
-                <a:solidFill>
-                  <a:schemeClr val="tx1"/>
-                </a:solidFill>
-                <a:effectLst/>
-                <a:latin typeface="Consolas" panose="020B0609020204030204" pitchFamily="49" charset="0"/>
-              </a:rPr>
+              <a:rPr lang="en-US" altLang="ko-KR" sz="1600" dirty="0"/>
               <a:t>num % 2</a:t>
             </a:r>
             <a:r>
-              <a:rPr lang="ko-KR" altLang="en-US" b="0" dirty="0">
-                <a:solidFill>
-                  <a:schemeClr val="tx1"/>
-                </a:solidFill>
-                <a:effectLst/>
-                <a:latin typeface="Consolas" panose="020B0609020204030204" pitchFamily="49" charset="0"/>
-              </a:rPr>
+              <a:rPr lang="ko-KR" altLang="en-US" sz="1600" dirty="0"/>
               <a:t> </a:t>
             </a:r>
             <a:r>
-              <a:rPr lang="en-US" altLang="ko-KR" dirty="0">
-                <a:solidFill>
-                  <a:schemeClr val="tx1"/>
-                </a:solidFill>
-                <a:effectLst/>
-                <a:latin typeface="Consolas" panose="020B0609020204030204" pitchFamily="49" charset="0"/>
-              </a:rPr>
-              <a:t>!</a:t>
-            </a:r>
-            <a:r>
-              <a:rPr lang="en-US" altLang="ko-KR" b="0" dirty="0">
-                <a:solidFill>
-                  <a:schemeClr val="tx1"/>
-                </a:solidFill>
-                <a:effectLst/>
-                <a:latin typeface="Consolas" panose="020B0609020204030204" pitchFamily="49" charset="0"/>
-              </a:rPr>
-              <a:t>= 0:  # </a:t>
-            </a:r>
-            <a:r>
-              <a:rPr lang="ko-KR" altLang="en-US" b="0" dirty="0">
-                <a:solidFill>
-                  <a:schemeClr val="tx1"/>
-                </a:solidFill>
-                <a:effectLst/>
-                <a:latin typeface="Consolas" panose="020B0609020204030204" pitchFamily="49" charset="0"/>
-              </a:rPr>
+              <a:rPr lang="en-US" altLang="ko-KR" sz="1600" dirty="0"/>
+              <a:t>!= 0:  # </a:t>
+            </a:r>
+            <a:r>
+              <a:rPr lang="ko-KR" altLang="en-US" sz="1600" dirty="0"/>
               <a:t>홀수인 경우</a:t>
             </a:r>
           </a:p>
@@ -26156,105 +25675,45 @@
               <a:buNone/>
             </a:pPr>
             <a:r>
-              <a:rPr lang="ko-KR" altLang="en-US" b="0" dirty="0">
-                <a:solidFill>
-                  <a:schemeClr val="tx1"/>
-                </a:solidFill>
-                <a:effectLst/>
-                <a:latin typeface="Consolas" panose="020B0609020204030204" pitchFamily="49" charset="0"/>
-              </a:rPr>
+              <a:rPr lang="ko-KR" altLang="en-US" sz="1600" dirty="0"/>
               <a:t>        </a:t>
             </a:r>
             <a:r>
-              <a:rPr lang="en-US" altLang="ko-KR" b="0" dirty="0">
-                <a:solidFill>
-                  <a:schemeClr val="tx1"/>
-                </a:solidFill>
-                <a:effectLst/>
-                <a:latin typeface="Consolas" panose="020B0609020204030204" pitchFamily="49" charset="0"/>
-              </a:rPr>
+              <a:rPr lang="en-US" altLang="ko-KR" sz="1600" dirty="0"/>
               <a:t>continue</a:t>
             </a:r>
             <a:r>
-              <a:rPr lang="ko-KR" altLang="en-US" b="0" dirty="0">
-                <a:solidFill>
-                  <a:schemeClr val="tx1"/>
-                </a:solidFill>
-                <a:effectLst/>
-                <a:latin typeface="Consolas" panose="020B0609020204030204" pitchFamily="49" charset="0"/>
-              </a:rPr>
+              <a:rPr lang="ko-KR" altLang="en-US" sz="1600" dirty="0"/>
               <a:t>  </a:t>
             </a:r>
             <a:r>
-              <a:rPr lang="en-US" altLang="ko-KR" b="0" dirty="0">
-                <a:solidFill>
-                  <a:schemeClr val="tx1"/>
-                </a:solidFill>
-                <a:effectLst/>
-                <a:latin typeface="Consolas" panose="020B0609020204030204" pitchFamily="49" charset="0"/>
-              </a:rPr>
+              <a:rPr lang="en-US" altLang="ko-KR" sz="1600" dirty="0"/>
               <a:t># </a:t>
             </a:r>
             <a:r>
-              <a:rPr lang="ko-KR" altLang="en-US" b="0" dirty="0">
-                <a:solidFill>
-                  <a:schemeClr val="tx1"/>
-                </a:solidFill>
-                <a:effectLst/>
-                <a:latin typeface="Consolas" panose="020B0609020204030204" pitchFamily="49" charset="0"/>
-              </a:rPr>
+              <a:rPr lang="ko-KR" altLang="en-US" sz="1600" dirty="0"/>
               <a:t>다음 반복으로 </a:t>
             </a:r>
             <a:r>
-              <a:rPr lang="ko-KR" altLang="en-US" b="0" dirty="0" err="1">
-                <a:solidFill>
-                  <a:schemeClr val="tx1"/>
-                </a:solidFill>
-                <a:effectLst/>
-                <a:latin typeface="Consolas" panose="020B0609020204030204" pitchFamily="49" charset="0"/>
-              </a:rPr>
+              <a:rPr lang="ko-KR" altLang="en-US" sz="1600" dirty="0" err="1"/>
               <a:t>넘어감</a:t>
             </a:r>
-            <a:endParaRPr lang="ko-KR" altLang="en-US" b="0" dirty="0">
-              <a:solidFill>
-                <a:schemeClr val="tx1"/>
-              </a:solidFill>
-              <a:effectLst/>
-              <a:latin typeface="Consolas" panose="020B0609020204030204" pitchFamily="49" charset="0"/>
-            </a:endParaRPr>
+            <a:endParaRPr lang="ko-KR" altLang="en-US" sz="1600" dirty="0"/>
           </a:p>
           <a:p>
             <a:pPr marL="36900" indent="0">
               <a:buNone/>
             </a:pPr>
             <a:r>
-              <a:rPr lang="ko-KR" altLang="en-US" b="0" dirty="0">
-                <a:solidFill>
-                  <a:schemeClr val="tx1"/>
-                </a:solidFill>
-                <a:effectLst/>
-                <a:latin typeface="Consolas" panose="020B0609020204030204" pitchFamily="49" charset="0"/>
-              </a:rPr>
+              <a:rPr lang="ko-KR" altLang="en-US" sz="1600" dirty="0"/>
               <a:t>    </a:t>
             </a:r>
             <a:r>
-              <a:rPr lang="en-US" altLang="ko-KR" b="0" dirty="0">
-                <a:solidFill>
-                  <a:schemeClr val="tx1"/>
-                </a:solidFill>
-                <a:effectLst/>
-                <a:latin typeface="Consolas" panose="020B0609020204030204" pitchFamily="49" charset="0"/>
-              </a:rPr>
+              <a:rPr lang="en-US" altLang="ko-KR" sz="1600" dirty="0"/>
               <a:t>print(num, end =‘/’)  # </a:t>
             </a:r>
             <a:r>
-              <a:rPr lang="ko-KR" altLang="en-US" b="0" dirty="0">
-                <a:solidFill>
-                  <a:schemeClr val="tx1"/>
-                </a:solidFill>
-                <a:effectLst/>
-                <a:latin typeface="Consolas" panose="020B0609020204030204" pitchFamily="49" charset="0"/>
-              </a:rPr>
+              <a:rPr lang="ko-KR" altLang="en-US" sz="1600" dirty="0"/>
               <a:t>짝수인 경우에만 출력</a:t>
             </a:r>
           </a:p>
@@ -26365,7 +25824,7 @@
         <p:spPr>
           <a:xfrm>
             <a:off x="6325444" y="1418272"/>
-            <a:ext cx="5750015" cy="4262705"/>
+            <a:ext cx="5750015" cy="4842351"/>
           </a:xfrm>
           <a:prstGeom prst="rect">
             <a:avLst/>
@@ -26380,7 +25839,7 @@
           <a:p>
             <a:pPr marL="36900" defTabSz="457200" latinLnBrk="1">
               <a:lnSpc>
-                <a:spcPct val="90000"/>
+                <a:spcPct val="110000"/>
               </a:lnSpc>
               <a:spcBef>
                 <a:spcPct val="20000"/>
@@ -26404,7 +25863,17 @@
                     </a:schemeClr>
                   </a:solidFill>
                 </a:ln>
-                <a:latin typeface="Consolas" panose="020B0609020204030204" pitchFamily="49" charset="0"/>
+                <a:solidFill>
+                  <a:schemeClr val="tx2"/>
+                </a:solidFill>
+                <a:effectLst>
+                  <a:outerShdw blurRad="9525" dist="25400" dir="14640000" algn="tl" rotWithShape="0">
+                    <a:schemeClr val="bg1">
+                      <a:alpha val="30000"/>
+                    </a:schemeClr>
+                  </a:outerShdw>
+                </a:effectLst>
+                <a:latin typeface="Batang" panose="02030600000101010101" pitchFamily="18" charset="-127"/>
                 <a:ea typeface="Batang" panose="02030600000101010101" pitchFamily="18" charset="-127"/>
               </a:rPr>
               <a:t># </a:t>
@@ -26420,7 +25889,17 @@
                     </a:schemeClr>
                   </a:solidFill>
                 </a:ln>
-                <a:latin typeface="Consolas" panose="020B0609020204030204" pitchFamily="49" charset="0"/>
+                <a:solidFill>
+                  <a:schemeClr val="tx2"/>
+                </a:solidFill>
+                <a:effectLst>
+                  <a:outerShdw blurRad="9525" dist="25400" dir="14640000" algn="tl" rotWithShape="0">
+                    <a:schemeClr val="bg1">
+                      <a:alpha val="30000"/>
+                    </a:schemeClr>
+                  </a:outerShdw>
+                </a:effectLst>
+                <a:latin typeface="Batang" panose="02030600000101010101" pitchFamily="18" charset="-127"/>
                 <a:ea typeface="Batang" panose="02030600000101010101" pitchFamily="18" charset="-127"/>
               </a:rPr>
               <a:t>주어진 리스트</a:t>
@@ -26429,7 +25908,7 @@
           <a:p>
             <a:pPr marL="36900" defTabSz="457200" latinLnBrk="1">
               <a:lnSpc>
-                <a:spcPct val="90000"/>
+                <a:spcPct val="110000"/>
               </a:lnSpc>
               <a:spcBef>
                 <a:spcPct val="20000"/>
@@ -26453,7 +25932,17 @@
                     </a:schemeClr>
                   </a:solidFill>
                 </a:ln>
-                <a:latin typeface="Consolas" panose="020B0609020204030204" pitchFamily="49" charset="0"/>
+                <a:solidFill>
+                  <a:schemeClr val="tx2"/>
+                </a:solidFill>
+                <a:effectLst>
+                  <a:outerShdw blurRad="9525" dist="25400" dir="14640000" algn="tl" rotWithShape="0">
+                    <a:schemeClr val="bg1">
+                      <a:alpha val="30000"/>
+                    </a:schemeClr>
+                  </a:outerShdw>
+                </a:effectLst>
+                <a:latin typeface="Batang" panose="02030600000101010101" pitchFamily="18" charset="-127"/>
                 <a:ea typeface="Batang" panose="02030600000101010101" pitchFamily="18" charset="-127"/>
               </a:rPr>
               <a:t>numbers = [1, 2, 3, 4, 5, 6, 7, 8, 9, 10]</a:t>
@@ -26462,7 +25951,7 @@
           <a:p>
             <a:pPr marL="36900" defTabSz="457200" latinLnBrk="1">
               <a:lnSpc>
-                <a:spcPct val="90000"/>
+                <a:spcPct val="110000"/>
               </a:lnSpc>
               <a:spcBef>
                 <a:spcPct val="20000"/>
@@ -26475,22 +25964,6 @@
               </a:buClr>
               <a:buSzPct val="70000"/>
             </a:pPr>
-            <a:r>
-              <a:rPr lang="en-US" altLang="ko-KR" sz="1600" dirty="0">
-                <a:ln>
-                  <a:solidFill>
-                    <a:schemeClr val="bg1">
-                      <a:lumMod val="75000"/>
-                      <a:lumOff val="25000"/>
-                      <a:alpha val="10000"/>
-                    </a:schemeClr>
-                  </a:solidFill>
-                </a:ln>
-                <a:latin typeface="Consolas" panose="020B0609020204030204" pitchFamily="49" charset="0"/>
-                <a:ea typeface="Batang" panose="02030600000101010101" pitchFamily="18" charset="-127"/>
-              </a:rPr>
-              <a:t/>
-            </a:r>
             <a:br>
               <a:rPr lang="en-US" altLang="ko-KR" sz="1600" dirty="0">
                 <a:ln>
@@ -26502,7 +25975,17 @@
                     </a:schemeClr>
                   </a:solidFill>
                 </a:ln>
-                <a:latin typeface="Consolas" panose="020B0609020204030204" pitchFamily="49" charset="0"/>
+                <a:solidFill>
+                  <a:schemeClr val="tx2"/>
+                </a:solidFill>
+                <a:effectLst>
+                  <a:outerShdw blurRad="9525" dist="25400" dir="14640000" algn="tl" rotWithShape="0">
+                    <a:schemeClr val="bg1">
+                      <a:alpha val="30000"/>
+                    </a:schemeClr>
+                  </a:outerShdw>
+                </a:effectLst>
+                <a:latin typeface="Batang" panose="02030600000101010101" pitchFamily="18" charset="-127"/>
                 <a:ea typeface="Batang" panose="02030600000101010101" pitchFamily="18" charset="-127"/>
               </a:rPr>
             </a:br>
@@ -26518,9 +26001,16 @@
                   </a:solidFill>
                 </a:ln>
                 <a:solidFill>
-                  <a:srgbClr val="FFFF00"/>
+                  <a:schemeClr val="tx2"/>
                 </a:solidFill>
-                <a:latin typeface="Consolas" panose="020B0609020204030204" pitchFamily="49" charset="0"/>
+                <a:effectLst>
+                  <a:outerShdw blurRad="9525" dist="25400" dir="14640000" algn="tl" rotWithShape="0">
+                    <a:schemeClr val="bg1">
+                      <a:alpha val="30000"/>
+                    </a:schemeClr>
+                  </a:outerShdw>
+                </a:effectLst>
+                <a:latin typeface="Batang" panose="02030600000101010101" pitchFamily="18" charset="-127"/>
                 <a:ea typeface="Batang" panose="02030600000101010101" pitchFamily="18" charset="-127"/>
               </a:rPr>
               <a:t>sum =0</a:t>
@@ -26529,7 +26019,7 @@
           <a:p>
             <a:pPr marL="36900" defTabSz="457200" latinLnBrk="1">
               <a:lnSpc>
-                <a:spcPct val="90000"/>
+                <a:spcPct val="110000"/>
               </a:lnSpc>
               <a:spcBef>
                 <a:spcPct val="20000"/>
@@ -26542,22 +26032,6 @@
               </a:buClr>
               <a:buSzPct val="70000"/>
             </a:pPr>
-            <a:r>
-              <a:rPr lang="en-US" altLang="ko-KR" sz="1600" dirty="0">
-                <a:ln>
-                  <a:solidFill>
-                    <a:schemeClr val="bg1">
-                      <a:lumMod val="75000"/>
-                      <a:lumOff val="25000"/>
-                      <a:alpha val="10000"/>
-                    </a:schemeClr>
-                  </a:solidFill>
-                </a:ln>
-                <a:latin typeface="Consolas" panose="020B0609020204030204" pitchFamily="49" charset="0"/>
-                <a:ea typeface="Batang" panose="02030600000101010101" pitchFamily="18" charset="-127"/>
-              </a:rPr>
-              <a:t/>
-            </a:r>
             <a:br>
               <a:rPr lang="en-US" altLang="ko-KR" sz="1600" dirty="0">
                 <a:ln>
@@ -26569,7 +26043,17 @@
                     </a:schemeClr>
                   </a:solidFill>
                 </a:ln>
-                <a:latin typeface="Consolas" panose="020B0609020204030204" pitchFamily="49" charset="0"/>
+                <a:solidFill>
+                  <a:schemeClr val="tx2"/>
+                </a:solidFill>
+                <a:effectLst>
+                  <a:outerShdw blurRad="9525" dist="25400" dir="14640000" algn="tl" rotWithShape="0">
+                    <a:schemeClr val="bg1">
+                      <a:alpha val="30000"/>
+                    </a:schemeClr>
+                  </a:outerShdw>
+                </a:effectLst>
+                <a:latin typeface="Batang" panose="02030600000101010101" pitchFamily="18" charset="-127"/>
                 <a:ea typeface="Batang" panose="02030600000101010101" pitchFamily="18" charset="-127"/>
               </a:rPr>
             </a:br>
@@ -26584,7 +26068,17 @@
                     </a:schemeClr>
                   </a:solidFill>
                 </a:ln>
-                <a:latin typeface="Consolas" panose="020B0609020204030204" pitchFamily="49" charset="0"/>
+                <a:solidFill>
+                  <a:schemeClr val="tx2"/>
+                </a:solidFill>
+                <a:effectLst>
+                  <a:outerShdw blurRad="9525" dist="25400" dir="14640000" algn="tl" rotWithShape="0">
+                    <a:schemeClr val="bg1">
+                      <a:alpha val="30000"/>
+                    </a:schemeClr>
+                  </a:outerShdw>
+                </a:effectLst>
+                <a:latin typeface="Batang" panose="02030600000101010101" pitchFamily="18" charset="-127"/>
                 <a:ea typeface="Batang" panose="02030600000101010101" pitchFamily="18" charset="-127"/>
               </a:rPr>
               <a:t># </a:t>
@@ -26600,7 +26094,17 @@
                     </a:schemeClr>
                   </a:solidFill>
                 </a:ln>
-                <a:latin typeface="Consolas" panose="020B0609020204030204" pitchFamily="49" charset="0"/>
+                <a:solidFill>
+                  <a:schemeClr val="tx2"/>
+                </a:solidFill>
+                <a:effectLst>
+                  <a:outerShdw blurRad="9525" dist="25400" dir="14640000" algn="tl" rotWithShape="0">
+                    <a:schemeClr val="bg1">
+                      <a:alpha val="30000"/>
+                    </a:schemeClr>
+                  </a:outerShdw>
+                </a:effectLst>
+                <a:latin typeface="Batang" panose="02030600000101010101" pitchFamily="18" charset="-127"/>
                 <a:ea typeface="Batang" panose="02030600000101010101" pitchFamily="18" charset="-127"/>
               </a:rPr>
               <a:t>리스트에서 짝수만 출력하고자 함</a:t>
@@ -26609,7 +26113,7 @@
           <a:p>
             <a:pPr marL="36900" defTabSz="457200" latinLnBrk="1">
               <a:lnSpc>
-                <a:spcPct val="90000"/>
+                <a:spcPct val="110000"/>
               </a:lnSpc>
               <a:spcBef>
                 <a:spcPct val="20000"/>
@@ -26633,7 +26137,17 @@
                     </a:schemeClr>
                   </a:solidFill>
                 </a:ln>
-                <a:latin typeface="Consolas" panose="020B0609020204030204" pitchFamily="49" charset="0"/>
+                <a:solidFill>
+                  <a:schemeClr val="tx2"/>
+                </a:solidFill>
+                <a:effectLst>
+                  <a:outerShdw blurRad="9525" dist="25400" dir="14640000" algn="tl" rotWithShape="0">
+                    <a:schemeClr val="bg1">
+                      <a:alpha val="30000"/>
+                    </a:schemeClr>
+                  </a:outerShdw>
+                </a:effectLst>
+                <a:latin typeface="Batang" panose="02030600000101010101" pitchFamily="18" charset="-127"/>
                 <a:ea typeface="Batang" panose="02030600000101010101" pitchFamily="18" charset="-127"/>
               </a:rPr>
               <a:t>for num in numbers:</a:t>
@@ -26642,7 +26156,7 @@
           <a:p>
             <a:pPr marL="36900" defTabSz="457200" latinLnBrk="1">
               <a:lnSpc>
-                <a:spcPct val="90000"/>
+                <a:spcPct val="110000"/>
               </a:lnSpc>
               <a:spcBef>
                 <a:spcPct val="20000"/>
@@ -26666,7 +26180,17 @@
                     </a:schemeClr>
                   </a:solidFill>
                 </a:ln>
-                <a:latin typeface="Consolas" panose="020B0609020204030204" pitchFamily="49" charset="0"/>
+                <a:solidFill>
+                  <a:schemeClr val="tx2"/>
+                </a:solidFill>
+                <a:effectLst>
+                  <a:outerShdw blurRad="9525" dist="25400" dir="14640000" algn="tl" rotWithShape="0">
+                    <a:schemeClr val="bg1">
+                      <a:alpha val="30000"/>
+                    </a:schemeClr>
+                  </a:outerShdw>
+                </a:effectLst>
+                <a:latin typeface="Batang" panose="02030600000101010101" pitchFamily="18" charset="-127"/>
                 <a:ea typeface="Batang" panose="02030600000101010101" pitchFamily="18" charset="-127"/>
               </a:rPr>
               <a:t>    if num % 2 != 0: # </a:t>
@@ -26682,7 +26206,17 @@
                     </a:schemeClr>
                   </a:solidFill>
                 </a:ln>
-                <a:latin typeface="Consolas" panose="020B0609020204030204" pitchFamily="49" charset="0"/>
+                <a:solidFill>
+                  <a:schemeClr val="tx2"/>
+                </a:solidFill>
+                <a:effectLst>
+                  <a:outerShdw blurRad="9525" dist="25400" dir="14640000" algn="tl" rotWithShape="0">
+                    <a:schemeClr val="bg1">
+                      <a:alpha val="30000"/>
+                    </a:schemeClr>
+                  </a:outerShdw>
+                </a:effectLst>
+                <a:latin typeface="Batang" panose="02030600000101010101" pitchFamily="18" charset="-127"/>
                 <a:ea typeface="Batang" panose="02030600000101010101" pitchFamily="18" charset="-127"/>
               </a:rPr>
               <a:t>홀수인 경우</a:t>
@@ -26691,7 +26225,7 @@
           <a:p>
             <a:pPr marL="36900" defTabSz="457200" latinLnBrk="1">
               <a:lnSpc>
-                <a:spcPct val="90000"/>
+                <a:spcPct val="110000"/>
               </a:lnSpc>
               <a:spcBef>
                 <a:spcPct val="20000"/>
@@ -26715,7 +26249,17 @@
                     </a:schemeClr>
                   </a:solidFill>
                 </a:ln>
-                <a:latin typeface="Consolas" panose="020B0609020204030204" pitchFamily="49" charset="0"/>
+                <a:solidFill>
+                  <a:schemeClr val="tx2"/>
+                </a:solidFill>
+                <a:effectLst>
+                  <a:outerShdw blurRad="9525" dist="25400" dir="14640000" algn="tl" rotWithShape="0">
+                    <a:schemeClr val="bg1">
+                      <a:alpha val="30000"/>
+                    </a:schemeClr>
+                  </a:outerShdw>
+                </a:effectLst>
+                <a:latin typeface="Batang" panose="02030600000101010101" pitchFamily="18" charset="-127"/>
                 <a:ea typeface="Batang" panose="02030600000101010101" pitchFamily="18" charset="-127"/>
               </a:rPr>
               <a:t>        </a:t>
@@ -26731,7 +26275,17 @@
                     </a:schemeClr>
                   </a:solidFill>
                 </a:ln>
-                <a:latin typeface="Consolas" panose="020B0609020204030204" pitchFamily="49" charset="0"/>
+                <a:solidFill>
+                  <a:schemeClr val="tx2"/>
+                </a:solidFill>
+                <a:effectLst>
+                  <a:outerShdw blurRad="9525" dist="25400" dir="14640000" algn="tl" rotWithShape="0">
+                    <a:schemeClr val="bg1">
+                      <a:alpha val="30000"/>
+                    </a:schemeClr>
+                  </a:outerShdw>
+                </a:effectLst>
+                <a:latin typeface="Batang" panose="02030600000101010101" pitchFamily="18" charset="-127"/>
                 <a:ea typeface="Batang" panose="02030600000101010101" pitchFamily="18" charset="-127"/>
               </a:rPr>
               <a:t>continue # </a:t>
@@ -26747,7 +26301,17 @@
                     </a:schemeClr>
                   </a:solidFill>
                 </a:ln>
-                <a:latin typeface="Consolas" panose="020B0609020204030204" pitchFamily="49" charset="0"/>
+                <a:solidFill>
+                  <a:schemeClr val="tx2"/>
+                </a:solidFill>
+                <a:effectLst>
+                  <a:outerShdw blurRad="9525" dist="25400" dir="14640000" algn="tl" rotWithShape="0">
+                    <a:schemeClr val="bg1">
+                      <a:alpha val="30000"/>
+                    </a:schemeClr>
+                  </a:outerShdw>
+                </a:effectLst>
+                <a:latin typeface="Batang" panose="02030600000101010101" pitchFamily="18" charset="-127"/>
                 <a:ea typeface="Batang" panose="02030600000101010101" pitchFamily="18" charset="-127"/>
               </a:rPr>
               <a:t>다음 반복으로 </a:t>
@@ -26763,7 +26327,17 @@
                     </a:schemeClr>
                   </a:solidFill>
                 </a:ln>
-                <a:latin typeface="Consolas" panose="020B0609020204030204" pitchFamily="49" charset="0"/>
+                <a:solidFill>
+                  <a:schemeClr val="tx2"/>
+                </a:solidFill>
+                <a:effectLst>
+                  <a:outerShdw blurRad="9525" dist="25400" dir="14640000" algn="tl" rotWithShape="0">
+                    <a:schemeClr val="bg1">
+                      <a:alpha val="30000"/>
+                    </a:schemeClr>
+                  </a:outerShdw>
+                </a:effectLst>
+                <a:latin typeface="Batang" panose="02030600000101010101" pitchFamily="18" charset="-127"/>
                 <a:ea typeface="Batang" panose="02030600000101010101" pitchFamily="18" charset="-127"/>
               </a:rPr>
               <a:t>넘어감</a:t>
@@ -26778,14 +26352,24 @@
                   </a:schemeClr>
                 </a:solidFill>
               </a:ln>
-              <a:latin typeface="Consolas" panose="020B0609020204030204" pitchFamily="49" charset="0"/>
+              <a:solidFill>
+                <a:schemeClr val="tx2"/>
+              </a:solidFill>
+              <a:effectLst>
+                <a:outerShdw blurRad="9525" dist="25400" dir="14640000" algn="tl" rotWithShape="0">
+                  <a:schemeClr val="bg1">
+                    <a:alpha val="30000"/>
+                  </a:schemeClr>
+                </a:outerShdw>
+              </a:effectLst>
+              <a:latin typeface="Batang" panose="02030600000101010101" pitchFamily="18" charset="-127"/>
               <a:ea typeface="Batang" panose="02030600000101010101" pitchFamily="18" charset="-127"/>
             </a:endParaRPr>
           </a:p>
           <a:p>
             <a:pPr marL="36900" defTabSz="457200" latinLnBrk="1">
               <a:lnSpc>
-                <a:spcPct val="90000"/>
+                <a:spcPct val="110000"/>
               </a:lnSpc>
               <a:spcBef>
                 <a:spcPct val="20000"/>
@@ -26809,7 +26393,17 @@
                     </a:schemeClr>
                   </a:solidFill>
                 </a:ln>
-                <a:latin typeface="Consolas" panose="020B0609020204030204" pitchFamily="49" charset="0"/>
+                <a:solidFill>
+                  <a:schemeClr val="tx2"/>
+                </a:solidFill>
+                <a:effectLst>
+                  <a:outerShdw blurRad="9525" dist="25400" dir="14640000" algn="tl" rotWithShape="0">
+                    <a:schemeClr val="bg1">
+                      <a:alpha val="30000"/>
+                    </a:schemeClr>
+                  </a:outerShdw>
+                </a:effectLst>
+                <a:latin typeface="Batang" panose="02030600000101010101" pitchFamily="18" charset="-127"/>
                 <a:ea typeface="Batang" panose="02030600000101010101" pitchFamily="18" charset="-127"/>
               </a:rPr>
               <a:t>    </a:t>
@@ -26826,9 +26420,16 @@
                   </a:solidFill>
                 </a:ln>
                 <a:solidFill>
-                  <a:srgbClr val="FFFF00"/>
+                  <a:schemeClr val="tx2"/>
                 </a:solidFill>
-                <a:latin typeface="Consolas" panose="020B0609020204030204" pitchFamily="49" charset="0"/>
+                <a:effectLst>
+                  <a:outerShdw blurRad="9525" dist="25400" dir="14640000" algn="tl" rotWithShape="0">
+                    <a:schemeClr val="bg1">
+                      <a:alpha val="30000"/>
+                    </a:schemeClr>
+                  </a:outerShdw>
+                </a:effectLst>
+                <a:latin typeface="Batang" panose="02030600000101010101" pitchFamily="18" charset="-127"/>
                 <a:ea typeface="Batang" panose="02030600000101010101" pitchFamily="18" charset="-127"/>
               </a:rPr>
               <a:t>sum += num</a:t>
@@ -26837,7 +26438,7 @@
           <a:p>
             <a:pPr marL="36900" defTabSz="457200" latinLnBrk="1">
               <a:lnSpc>
-                <a:spcPct val="90000"/>
+                <a:spcPct val="110000"/>
               </a:lnSpc>
               <a:spcBef>
                 <a:spcPct val="20000"/>
@@ -26861,7 +26462,17 @@
                     </a:schemeClr>
                   </a:solidFill>
                 </a:ln>
-                <a:latin typeface="Consolas" panose="020B0609020204030204" pitchFamily="49" charset="0"/>
+                <a:solidFill>
+                  <a:schemeClr val="tx2"/>
+                </a:solidFill>
+                <a:effectLst>
+                  <a:outerShdw blurRad="9525" dist="25400" dir="14640000" algn="tl" rotWithShape="0">
+                    <a:schemeClr val="bg1">
+                      <a:alpha val="30000"/>
+                    </a:schemeClr>
+                  </a:outerShdw>
+                </a:effectLst>
+                <a:latin typeface="Batang" panose="02030600000101010101" pitchFamily="18" charset="-127"/>
                 <a:ea typeface="Batang" panose="02030600000101010101" pitchFamily="18" charset="-127"/>
               </a:rPr>
               <a:t>    print(num,  end='/') # </a:t>
@@ -26877,7 +26488,17 @@
                     </a:schemeClr>
                   </a:solidFill>
                 </a:ln>
-                <a:latin typeface="Consolas" panose="020B0609020204030204" pitchFamily="49" charset="0"/>
+                <a:solidFill>
+                  <a:schemeClr val="tx2"/>
+                </a:solidFill>
+                <a:effectLst>
+                  <a:outerShdw blurRad="9525" dist="25400" dir="14640000" algn="tl" rotWithShape="0">
+                    <a:schemeClr val="bg1">
+                      <a:alpha val="30000"/>
+                    </a:schemeClr>
+                  </a:outerShdw>
+                </a:effectLst>
+                <a:latin typeface="Batang" panose="02030600000101010101" pitchFamily="18" charset="-127"/>
                 <a:ea typeface="Batang" panose="02030600000101010101" pitchFamily="18" charset="-127"/>
               </a:rPr>
               <a:t>짝수인 경우에만 출력</a:t>
@@ -26886,7 +26507,7 @@
           <a:p>
             <a:pPr marL="36900" defTabSz="457200" latinLnBrk="1">
               <a:lnSpc>
-                <a:spcPct val="90000"/>
+                <a:spcPct val="110000"/>
               </a:lnSpc>
               <a:spcBef>
                 <a:spcPct val="20000"/>
@@ -26910,7 +26531,17 @@
                     </a:schemeClr>
                   </a:solidFill>
                 </a:ln>
-                <a:latin typeface="Consolas" panose="020B0609020204030204" pitchFamily="49" charset="0"/>
+                <a:solidFill>
+                  <a:schemeClr val="tx2"/>
+                </a:solidFill>
+                <a:effectLst>
+                  <a:outerShdw blurRad="9525" dist="25400" dir="14640000" algn="tl" rotWithShape="0">
+                    <a:schemeClr val="bg1">
+                      <a:alpha val="30000"/>
+                    </a:schemeClr>
+                  </a:outerShdw>
+                </a:effectLst>
+                <a:latin typeface="Batang" panose="02030600000101010101" pitchFamily="18" charset="-127"/>
                 <a:ea typeface="Batang" panose="02030600000101010101" pitchFamily="18" charset="-127"/>
               </a:rPr>
               <a:t>    </a:t>
@@ -26919,7 +26550,7 @@
           <a:p>
             <a:pPr marL="36900" defTabSz="457200" latinLnBrk="1">
               <a:lnSpc>
-                <a:spcPct val="90000"/>
+                <a:spcPct val="110000"/>
               </a:lnSpc>
               <a:spcBef>
                 <a:spcPct val="20000"/>
@@ -26943,7 +26574,17 @@
                     </a:schemeClr>
                   </a:solidFill>
                 </a:ln>
-                <a:latin typeface="Consolas" panose="020B0609020204030204" pitchFamily="49" charset="0"/>
+                <a:solidFill>
+                  <a:schemeClr val="tx2"/>
+                </a:solidFill>
+                <a:effectLst>
+                  <a:outerShdw blurRad="9525" dist="25400" dir="14640000" algn="tl" rotWithShape="0">
+                    <a:schemeClr val="bg1">
+                      <a:alpha val="30000"/>
+                    </a:schemeClr>
+                  </a:outerShdw>
+                </a:effectLst>
+                <a:latin typeface="Batang" panose="02030600000101010101" pitchFamily="18" charset="-127"/>
                 <a:ea typeface="Batang" panose="02030600000101010101" pitchFamily="18" charset="-127"/>
               </a:rPr>
               <a:t>print(f'\</a:t>
@@ -26959,7 +26600,17 @@
                     </a:schemeClr>
                   </a:solidFill>
                 </a:ln>
-                <a:latin typeface="Consolas" panose="020B0609020204030204" pitchFamily="49" charset="0"/>
+                <a:solidFill>
+                  <a:schemeClr val="tx2"/>
+                </a:solidFill>
+                <a:effectLst>
+                  <a:outerShdw blurRad="9525" dist="25400" dir="14640000" algn="tl" rotWithShape="0">
+                    <a:schemeClr val="bg1">
+                      <a:alpha val="30000"/>
+                    </a:schemeClr>
+                  </a:outerShdw>
+                </a:effectLst>
+                <a:latin typeface="Batang" panose="02030600000101010101" pitchFamily="18" charset="-127"/>
                 <a:ea typeface="Batang" panose="02030600000101010101" pitchFamily="18" charset="-127"/>
               </a:rPr>
               <a:t>nTotal</a:t>
@@ -26975,7 +26626,17 @@
                     </a:schemeClr>
                   </a:solidFill>
                 </a:ln>
-                <a:latin typeface="Consolas" panose="020B0609020204030204" pitchFamily="49" charset="0"/>
+                <a:solidFill>
+                  <a:schemeClr val="tx2"/>
+                </a:solidFill>
+                <a:effectLst>
+                  <a:outerShdw blurRad="9525" dist="25400" dir="14640000" algn="tl" rotWithShape="0">
+                    <a:schemeClr val="bg1">
+                      <a:alpha val="30000"/>
+                    </a:schemeClr>
+                  </a:outerShdw>
+                </a:effectLst>
+                <a:latin typeface="Batang" panose="02030600000101010101" pitchFamily="18" charset="-127"/>
                 <a:ea typeface="Batang" panose="02030600000101010101" pitchFamily="18" charset="-127"/>
               </a:rPr>
               <a:t> sum is {sum}')</a:t>
@@ -27122,7 +26783,17 @@
                     </a:schemeClr>
                   </a:solidFill>
                 </a:ln>
-                <a:latin typeface="Consolas" panose="020B0609020204030204" pitchFamily="49" charset="0"/>
+                <a:solidFill>
+                  <a:schemeClr val="tx2"/>
+                </a:solidFill>
+                <a:effectLst>
+                  <a:outerShdw blurRad="9525" dist="25400" dir="14640000" algn="tl" rotWithShape="0">
+                    <a:schemeClr val="bg1">
+                      <a:alpha val="30000"/>
+                    </a:schemeClr>
+                  </a:outerShdw>
+                </a:effectLst>
+                <a:latin typeface="Batang" panose="02030600000101010101" pitchFamily="18" charset="-127"/>
                 <a:ea typeface="Batang" panose="02030600000101010101" pitchFamily="18" charset="-127"/>
               </a:rPr>
               <a:t># </a:t>
@@ -27138,7 +26809,17 @@
                     </a:schemeClr>
                   </a:solidFill>
                 </a:ln>
-                <a:latin typeface="Consolas" panose="020B0609020204030204" pitchFamily="49" charset="0"/>
+                <a:solidFill>
+                  <a:schemeClr val="tx2"/>
+                </a:solidFill>
+                <a:effectLst>
+                  <a:outerShdw blurRad="9525" dist="25400" dir="14640000" algn="tl" rotWithShape="0">
+                    <a:schemeClr val="bg1">
+                      <a:alpha val="30000"/>
+                    </a:schemeClr>
+                  </a:outerShdw>
+                </a:effectLst>
+                <a:latin typeface="Batang" panose="02030600000101010101" pitchFamily="18" charset="-127"/>
                 <a:ea typeface="Batang" panose="02030600000101010101" pitchFamily="18" charset="-127"/>
               </a:rPr>
               <a:t>주어진 리스트</a:t>
@@ -27171,7 +26852,17 @@
                     </a:schemeClr>
                   </a:solidFill>
                 </a:ln>
-                <a:latin typeface="Consolas" panose="020B0609020204030204" pitchFamily="49" charset="0"/>
+                <a:solidFill>
+                  <a:schemeClr val="tx2"/>
+                </a:solidFill>
+                <a:effectLst>
+                  <a:outerShdw blurRad="9525" dist="25400" dir="14640000" algn="tl" rotWithShape="0">
+                    <a:schemeClr val="bg1">
+                      <a:alpha val="30000"/>
+                    </a:schemeClr>
+                  </a:outerShdw>
+                </a:effectLst>
+                <a:latin typeface="Batang" panose="02030600000101010101" pitchFamily="18" charset="-127"/>
                 <a:ea typeface="Batang" panose="02030600000101010101" pitchFamily="18" charset="-127"/>
               </a:rPr>
               <a:t>numbers = [1, 2, 3, 4, 5, 6, 7, 8, 9, 10]</a:t>
@@ -27193,22 +26884,6 @@
               </a:buClr>
               <a:buSzPct val="70000"/>
             </a:pPr>
-            <a:r>
-              <a:rPr lang="en-US" altLang="ko-KR" sz="1600" dirty="0">
-                <a:ln>
-                  <a:solidFill>
-                    <a:schemeClr val="bg1">
-                      <a:lumMod val="75000"/>
-                      <a:lumOff val="25000"/>
-                      <a:alpha val="10000"/>
-                    </a:schemeClr>
-                  </a:solidFill>
-                </a:ln>
-                <a:latin typeface="Consolas" panose="020B0609020204030204" pitchFamily="49" charset="0"/>
-                <a:ea typeface="Batang" panose="02030600000101010101" pitchFamily="18" charset="-127"/>
-              </a:rPr>
-              <a:t/>
-            </a:r>
             <a:br>
               <a:rPr lang="en-US" altLang="ko-KR" sz="1600" dirty="0">
                 <a:ln>
@@ -27220,7 +26895,17 @@
                     </a:schemeClr>
                   </a:solidFill>
                 </a:ln>
-                <a:latin typeface="Consolas" panose="020B0609020204030204" pitchFamily="49" charset="0"/>
+                <a:solidFill>
+                  <a:schemeClr val="tx2"/>
+                </a:solidFill>
+                <a:effectLst>
+                  <a:outerShdw blurRad="9525" dist="25400" dir="14640000" algn="tl" rotWithShape="0">
+                    <a:schemeClr val="bg1">
+                      <a:alpha val="30000"/>
+                    </a:schemeClr>
+                  </a:outerShdw>
+                </a:effectLst>
+                <a:latin typeface="Batang" panose="02030600000101010101" pitchFamily="18" charset="-127"/>
                 <a:ea typeface="Batang" panose="02030600000101010101" pitchFamily="18" charset="-127"/>
               </a:rPr>
             </a:br>
@@ -27235,7 +26920,17 @@
                     </a:schemeClr>
                   </a:solidFill>
                 </a:ln>
-                <a:latin typeface="Consolas" panose="020B0609020204030204" pitchFamily="49" charset="0"/>
+                <a:solidFill>
+                  <a:schemeClr val="tx2"/>
+                </a:solidFill>
+                <a:effectLst>
+                  <a:outerShdw blurRad="9525" dist="25400" dir="14640000" algn="tl" rotWithShape="0">
+                    <a:schemeClr val="bg1">
+                      <a:alpha val="30000"/>
+                    </a:schemeClr>
+                  </a:outerShdw>
+                </a:effectLst>
+                <a:latin typeface="Batang" panose="02030600000101010101" pitchFamily="18" charset="-127"/>
                 <a:ea typeface="Batang" panose="02030600000101010101" pitchFamily="18" charset="-127"/>
               </a:rPr>
               <a:t>sum =0</a:t>
@@ -27257,22 +26952,6 @@
               </a:buClr>
               <a:buSzPct val="70000"/>
             </a:pPr>
-            <a:r>
-              <a:rPr lang="en-US" altLang="ko-KR" sz="1600" dirty="0">
-                <a:ln>
-                  <a:solidFill>
-                    <a:schemeClr val="bg1">
-                      <a:lumMod val="75000"/>
-                      <a:lumOff val="25000"/>
-                      <a:alpha val="10000"/>
-                    </a:schemeClr>
-                  </a:solidFill>
-                </a:ln>
-                <a:latin typeface="Consolas" panose="020B0609020204030204" pitchFamily="49" charset="0"/>
-                <a:ea typeface="Batang" panose="02030600000101010101" pitchFamily="18" charset="-127"/>
-              </a:rPr>
-              <a:t/>
-            </a:r>
             <a:br>
               <a:rPr lang="en-US" altLang="ko-KR" sz="1600" dirty="0">
                 <a:ln>
@@ -27284,7 +26963,17 @@
                     </a:schemeClr>
                   </a:solidFill>
                 </a:ln>
-                <a:latin typeface="Consolas" panose="020B0609020204030204" pitchFamily="49" charset="0"/>
+                <a:solidFill>
+                  <a:schemeClr val="tx2"/>
+                </a:solidFill>
+                <a:effectLst>
+                  <a:outerShdw blurRad="9525" dist="25400" dir="14640000" algn="tl" rotWithShape="0">
+                    <a:schemeClr val="bg1">
+                      <a:alpha val="30000"/>
+                    </a:schemeClr>
+                  </a:outerShdw>
+                </a:effectLst>
+                <a:latin typeface="Batang" panose="02030600000101010101" pitchFamily="18" charset="-127"/>
                 <a:ea typeface="Batang" panose="02030600000101010101" pitchFamily="18" charset="-127"/>
               </a:rPr>
             </a:br>
@@ -27299,7 +26988,17 @@
                     </a:schemeClr>
                   </a:solidFill>
                 </a:ln>
-                <a:latin typeface="Consolas" panose="020B0609020204030204" pitchFamily="49" charset="0"/>
+                <a:solidFill>
+                  <a:schemeClr val="tx2"/>
+                </a:solidFill>
+                <a:effectLst>
+                  <a:outerShdw blurRad="9525" dist="25400" dir="14640000" algn="tl" rotWithShape="0">
+                    <a:schemeClr val="bg1">
+                      <a:alpha val="30000"/>
+                    </a:schemeClr>
+                  </a:outerShdw>
+                </a:effectLst>
+                <a:latin typeface="Batang" panose="02030600000101010101" pitchFamily="18" charset="-127"/>
                 <a:ea typeface="Batang" panose="02030600000101010101" pitchFamily="18" charset="-127"/>
               </a:rPr>
               <a:t># </a:t>
@@ -27315,7 +27014,17 @@
                     </a:schemeClr>
                   </a:solidFill>
                 </a:ln>
-                <a:latin typeface="Consolas" panose="020B0609020204030204" pitchFamily="49" charset="0"/>
+                <a:solidFill>
+                  <a:schemeClr val="tx2"/>
+                </a:solidFill>
+                <a:effectLst>
+                  <a:outerShdw blurRad="9525" dist="25400" dir="14640000" algn="tl" rotWithShape="0">
+                    <a:schemeClr val="bg1">
+                      <a:alpha val="30000"/>
+                    </a:schemeClr>
+                  </a:outerShdw>
+                </a:effectLst>
+                <a:latin typeface="Batang" panose="02030600000101010101" pitchFamily="18" charset="-127"/>
                 <a:ea typeface="Batang" panose="02030600000101010101" pitchFamily="18" charset="-127"/>
               </a:rPr>
               <a:t>리스트에서 짝수만 출력하고자 함</a:t>
@@ -27348,7 +27057,17 @@
                     </a:schemeClr>
                   </a:solidFill>
                 </a:ln>
-                <a:latin typeface="Consolas" panose="020B0609020204030204" pitchFamily="49" charset="0"/>
+                <a:solidFill>
+                  <a:schemeClr val="tx2"/>
+                </a:solidFill>
+                <a:effectLst>
+                  <a:outerShdw blurRad="9525" dist="25400" dir="14640000" algn="tl" rotWithShape="0">
+                    <a:schemeClr val="bg1">
+                      <a:alpha val="30000"/>
+                    </a:schemeClr>
+                  </a:outerShdw>
+                </a:effectLst>
+                <a:latin typeface="Batang" panose="02030600000101010101" pitchFamily="18" charset="-127"/>
                 <a:ea typeface="Batang" panose="02030600000101010101" pitchFamily="18" charset="-127"/>
               </a:rPr>
               <a:t>for num in numbers:</a:t>
@@ -27381,7 +27100,17 @@
                     </a:schemeClr>
                   </a:solidFill>
                 </a:ln>
-                <a:latin typeface="Consolas" panose="020B0609020204030204" pitchFamily="49" charset="0"/>
+                <a:solidFill>
+                  <a:schemeClr val="tx2"/>
+                </a:solidFill>
+                <a:effectLst>
+                  <a:outerShdw blurRad="9525" dist="25400" dir="14640000" algn="tl" rotWithShape="0">
+                    <a:schemeClr val="bg1">
+                      <a:alpha val="30000"/>
+                    </a:schemeClr>
+                  </a:outerShdw>
+                </a:effectLst>
+                <a:latin typeface="Batang" panose="02030600000101010101" pitchFamily="18" charset="-127"/>
                 <a:ea typeface="Batang" panose="02030600000101010101" pitchFamily="18" charset="-127"/>
               </a:rPr>
               <a:t>    if num % 3 == 0: # 3</a:t>
@@ -27397,7 +27126,17 @@
                     </a:schemeClr>
                   </a:solidFill>
                 </a:ln>
-                <a:latin typeface="Consolas" panose="020B0609020204030204" pitchFamily="49" charset="0"/>
+                <a:solidFill>
+                  <a:schemeClr val="tx2"/>
+                </a:solidFill>
+                <a:effectLst>
+                  <a:outerShdw blurRad="9525" dist="25400" dir="14640000" algn="tl" rotWithShape="0">
+                    <a:schemeClr val="bg1">
+                      <a:alpha val="30000"/>
+                    </a:schemeClr>
+                  </a:outerShdw>
+                </a:effectLst>
+                <a:latin typeface="Batang" panose="02030600000101010101" pitchFamily="18" charset="-127"/>
                 <a:ea typeface="Batang" panose="02030600000101010101" pitchFamily="18" charset="-127"/>
               </a:rPr>
               <a:t>의 배수인 경우</a:t>
@@ -27430,7 +27169,17 @@
                     </a:schemeClr>
                   </a:solidFill>
                 </a:ln>
-                <a:latin typeface="Consolas" panose="020B0609020204030204" pitchFamily="49" charset="0"/>
+                <a:solidFill>
+                  <a:schemeClr val="tx2"/>
+                </a:solidFill>
+                <a:effectLst>
+                  <a:outerShdw blurRad="9525" dist="25400" dir="14640000" algn="tl" rotWithShape="0">
+                    <a:schemeClr val="bg1">
+                      <a:alpha val="30000"/>
+                    </a:schemeClr>
+                  </a:outerShdw>
+                </a:effectLst>
+                <a:latin typeface="Batang" panose="02030600000101010101" pitchFamily="18" charset="-127"/>
                 <a:ea typeface="Batang" panose="02030600000101010101" pitchFamily="18" charset="-127"/>
               </a:rPr>
               <a:t>        </a:t>
@@ -27446,7 +27195,17 @@
                     </a:schemeClr>
                   </a:solidFill>
                 </a:ln>
-                <a:latin typeface="Consolas" panose="020B0609020204030204" pitchFamily="49" charset="0"/>
+                <a:solidFill>
+                  <a:schemeClr val="tx2"/>
+                </a:solidFill>
+                <a:effectLst>
+                  <a:outerShdw blurRad="9525" dist="25400" dir="14640000" algn="tl" rotWithShape="0">
+                    <a:schemeClr val="bg1">
+                      <a:alpha val="30000"/>
+                    </a:schemeClr>
+                  </a:outerShdw>
+                </a:effectLst>
+                <a:latin typeface="Batang" panose="02030600000101010101" pitchFamily="18" charset="-127"/>
                 <a:ea typeface="Batang" panose="02030600000101010101" pitchFamily="18" charset="-127"/>
               </a:rPr>
               <a:t>break # </a:t>
@@ -27462,7 +27221,17 @@
                     </a:schemeClr>
                   </a:solidFill>
                 </a:ln>
-                <a:latin typeface="Consolas" panose="020B0609020204030204" pitchFamily="49" charset="0"/>
+                <a:solidFill>
+                  <a:schemeClr val="tx2"/>
+                </a:solidFill>
+                <a:effectLst>
+                  <a:outerShdw blurRad="9525" dist="25400" dir="14640000" algn="tl" rotWithShape="0">
+                    <a:schemeClr val="bg1">
+                      <a:alpha val="30000"/>
+                    </a:schemeClr>
+                  </a:outerShdw>
+                </a:effectLst>
+                <a:latin typeface="Batang" panose="02030600000101010101" pitchFamily="18" charset="-127"/>
                 <a:ea typeface="Batang" panose="02030600000101010101" pitchFamily="18" charset="-127"/>
               </a:rPr>
               <a:t>프로그램 </a:t>
@@ -27478,7 +27247,17 @@
                     </a:schemeClr>
                   </a:solidFill>
                 </a:ln>
-                <a:latin typeface="Consolas" panose="020B0609020204030204" pitchFamily="49" charset="0"/>
+                <a:solidFill>
+                  <a:schemeClr val="tx2"/>
+                </a:solidFill>
+                <a:effectLst>
+                  <a:outerShdw blurRad="9525" dist="25400" dir="14640000" algn="tl" rotWithShape="0">
+                    <a:schemeClr val="bg1">
+                      <a:alpha val="30000"/>
+                    </a:schemeClr>
+                  </a:outerShdw>
+                </a:effectLst>
+                <a:latin typeface="Batang" panose="02030600000101010101" pitchFamily="18" charset="-127"/>
                 <a:ea typeface="Batang" panose="02030600000101010101" pitchFamily="18" charset="-127"/>
               </a:rPr>
               <a:t>Stop</a:t>
@@ -27511,7 +27290,17 @@
                     </a:schemeClr>
                   </a:solidFill>
                 </a:ln>
-                <a:latin typeface="Consolas" panose="020B0609020204030204" pitchFamily="49" charset="0"/>
+                <a:solidFill>
+                  <a:schemeClr val="tx2"/>
+                </a:solidFill>
+                <a:effectLst>
+                  <a:outerShdw blurRad="9525" dist="25400" dir="14640000" algn="tl" rotWithShape="0">
+                    <a:schemeClr val="bg1">
+                      <a:alpha val="30000"/>
+                    </a:schemeClr>
+                  </a:outerShdw>
+                </a:effectLst>
+                <a:latin typeface="Batang" panose="02030600000101010101" pitchFamily="18" charset="-127"/>
                 <a:ea typeface="Batang" panose="02030600000101010101" pitchFamily="18" charset="-127"/>
               </a:rPr>
               <a:t>    sum += num</a:t>
@@ -27544,7 +27333,17 @@
                     </a:schemeClr>
                   </a:solidFill>
                 </a:ln>
-                <a:latin typeface="Consolas" panose="020B0609020204030204" pitchFamily="49" charset="0"/>
+                <a:solidFill>
+                  <a:schemeClr val="tx2"/>
+                </a:solidFill>
+                <a:effectLst>
+                  <a:outerShdw blurRad="9525" dist="25400" dir="14640000" algn="tl" rotWithShape="0">
+                    <a:schemeClr val="bg1">
+                      <a:alpha val="30000"/>
+                    </a:schemeClr>
+                  </a:outerShdw>
+                </a:effectLst>
+                <a:latin typeface="Batang" panose="02030600000101010101" pitchFamily="18" charset="-127"/>
                 <a:ea typeface="Batang" panose="02030600000101010101" pitchFamily="18" charset="-127"/>
               </a:rPr>
               <a:t>    print(num,  end='/') # 3</a:t>
@@ -27560,7 +27359,17 @@
                     </a:schemeClr>
                   </a:solidFill>
                 </a:ln>
-                <a:latin typeface="Consolas" panose="020B0609020204030204" pitchFamily="49" charset="0"/>
+                <a:solidFill>
+                  <a:schemeClr val="tx2"/>
+                </a:solidFill>
+                <a:effectLst>
+                  <a:outerShdw blurRad="9525" dist="25400" dir="14640000" algn="tl" rotWithShape="0">
+                    <a:schemeClr val="bg1">
+                      <a:alpha val="30000"/>
+                    </a:schemeClr>
+                  </a:outerShdw>
+                </a:effectLst>
+                <a:latin typeface="Batang" panose="02030600000101010101" pitchFamily="18" charset="-127"/>
                 <a:ea typeface="Batang" panose="02030600000101010101" pitchFamily="18" charset="-127"/>
               </a:rPr>
               <a:t>의배수가 나오기 전까지 출력</a:t>
@@ -27593,7 +27402,17 @@
                     </a:schemeClr>
                   </a:solidFill>
                 </a:ln>
-                <a:latin typeface="Consolas" panose="020B0609020204030204" pitchFamily="49" charset="0"/>
+                <a:solidFill>
+                  <a:schemeClr val="tx2"/>
+                </a:solidFill>
+                <a:effectLst>
+                  <a:outerShdw blurRad="9525" dist="25400" dir="14640000" algn="tl" rotWithShape="0">
+                    <a:schemeClr val="bg1">
+                      <a:alpha val="30000"/>
+                    </a:schemeClr>
+                  </a:outerShdw>
+                </a:effectLst>
+                <a:latin typeface="Batang" panose="02030600000101010101" pitchFamily="18" charset="-127"/>
                 <a:ea typeface="Batang" panose="02030600000101010101" pitchFamily="18" charset="-127"/>
               </a:rPr>
               <a:t>    </a:t>
@@ -27626,7 +27445,17 @@
                     </a:schemeClr>
                   </a:solidFill>
                 </a:ln>
-                <a:latin typeface="Consolas" panose="020B0609020204030204" pitchFamily="49" charset="0"/>
+                <a:solidFill>
+                  <a:schemeClr val="tx2"/>
+                </a:solidFill>
+                <a:effectLst>
+                  <a:outerShdw blurRad="9525" dist="25400" dir="14640000" algn="tl" rotWithShape="0">
+                    <a:schemeClr val="bg1">
+                      <a:alpha val="30000"/>
+                    </a:schemeClr>
+                  </a:outerShdw>
+                </a:effectLst>
+                <a:latin typeface="Batang" panose="02030600000101010101" pitchFamily="18" charset="-127"/>
                 <a:ea typeface="Batang" panose="02030600000101010101" pitchFamily="18" charset="-127"/>
               </a:rPr>
               <a:t>print(f'\</a:t>
@@ -27642,7 +27471,17 @@
                     </a:schemeClr>
                   </a:solidFill>
                 </a:ln>
-                <a:latin typeface="Consolas" panose="020B0609020204030204" pitchFamily="49" charset="0"/>
+                <a:solidFill>
+                  <a:schemeClr val="tx2"/>
+                </a:solidFill>
+                <a:effectLst>
+                  <a:outerShdw blurRad="9525" dist="25400" dir="14640000" algn="tl" rotWithShape="0">
+                    <a:schemeClr val="bg1">
+                      <a:alpha val="30000"/>
+                    </a:schemeClr>
+                  </a:outerShdw>
+                </a:effectLst>
+                <a:latin typeface="Batang" panose="02030600000101010101" pitchFamily="18" charset="-127"/>
                 <a:ea typeface="Batang" panose="02030600000101010101" pitchFamily="18" charset="-127"/>
               </a:rPr>
               <a:t>nTotal</a:t>
@@ -27658,7 +27497,17 @@
                     </a:schemeClr>
                   </a:solidFill>
                 </a:ln>
-                <a:latin typeface="Consolas" panose="020B0609020204030204" pitchFamily="49" charset="0"/>
+                <a:solidFill>
+                  <a:schemeClr val="tx2"/>
+                </a:solidFill>
+                <a:effectLst>
+                  <a:outerShdw blurRad="9525" dist="25400" dir="14640000" algn="tl" rotWithShape="0">
+                    <a:schemeClr val="bg1">
+                      <a:alpha val="30000"/>
+                    </a:schemeClr>
+                  </a:outerShdw>
+                </a:effectLst>
+                <a:latin typeface="Batang" panose="02030600000101010101" pitchFamily="18" charset="-127"/>
                 <a:ea typeface="Batang" panose="02030600000101010101" pitchFamily="18" charset="-127"/>
               </a:rPr>
               <a:t> sum is {sum}')</a:t>
@@ -27766,7 +27615,7 @@
         <p:spPr>
           <a:xfrm>
             <a:off x="812150" y="1507920"/>
-            <a:ext cx="5732086" cy="1332673"/>
+            <a:ext cx="5732086" cy="1458861"/>
           </a:xfrm>
           <a:prstGeom prst="rect">
             <a:avLst/>
@@ -27795,7 +27644,7 @@
               <a:buSzPct val="70000"/>
             </a:pPr>
             <a:r>
-              <a:rPr lang="en-US" altLang="ko-KR" sz="1600" dirty="0">
+              <a:rPr lang="en-US" altLang="ko-KR" dirty="0">
                 <a:ln>
                   <a:solidFill>
                     <a:schemeClr val="bg1">
@@ -27805,13 +27654,23 @@
                     </a:schemeClr>
                   </a:solidFill>
                 </a:ln>
-                <a:latin typeface="Consolas" panose="020B0609020204030204" pitchFamily="49" charset="0"/>
+                <a:solidFill>
+                  <a:schemeClr val="tx2"/>
+                </a:solidFill>
+                <a:effectLst>
+                  <a:outerShdw blurRad="9525" dist="25400" dir="14640000" algn="tl" rotWithShape="0">
+                    <a:schemeClr val="bg1">
+                      <a:alpha val="30000"/>
+                    </a:schemeClr>
+                  </a:outerShdw>
+                </a:effectLst>
+                <a:latin typeface="Batang" panose="02030600000101010101" pitchFamily="18" charset="-127"/>
                 <a:ea typeface="Batang" panose="02030600000101010101" pitchFamily="18" charset="-127"/>
               </a:rPr>
               <a:t># </a:t>
             </a:r>
             <a:r>
-              <a:rPr lang="ko-KR" altLang="en-US" sz="1600" dirty="0">
+              <a:rPr lang="ko-KR" altLang="en-US" dirty="0">
                 <a:ln>
                   <a:solidFill>
                     <a:schemeClr val="bg1">
@@ -27821,7 +27680,17 @@
                     </a:schemeClr>
                   </a:solidFill>
                 </a:ln>
-                <a:latin typeface="Consolas" panose="020B0609020204030204" pitchFamily="49" charset="0"/>
+                <a:solidFill>
+                  <a:schemeClr val="tx2"/>
+                </a:solidFill>
+                <a:effectLst>
+                  <a:outerShdw blurRad="9525" dist="25400" dir="14640000" algn="tl" rotWithShape="0">
+                    <a:schemeClr val="bg1">
+                      <a:alpha val="30000"/>
+                    </a:schemeClr>
+                  </a:outerShdw>
+                </a:effectLst>
+                <a:latin typeface="Batang" panose="02030600000101010101" pitchFamily="18" charset="-127"/>
                 <a:ea typeface="Batang" panose="02030600000101010101" pitchFamily="18" charset="-127"/>
               </a:rPr>
               <a:t>주어진 리스트</a:t>
@@ -27844,7 +27713,7 @@
               <a:buSzPct val="70000"/>
             </a:pPr>
             <a:r>
-              <a:rPr lang="en-US" altLang="ko-KR" sz="1600" dirty="0">
+              <a:rPr lang="en-US" altLang="ko-KR" dirty="0">
                 <a:ln>
                   <a:solidFill>
                     <a:schemeClr val="bg1">
@@ -27854,7 +27723,17 @@
                     </a:schemeClr>
                   </a:solidFill>
                 </a:ln>
-                <a:latin typeface="Consolas" panose="020B0609020204030204" pitchFamily="49" charset="0"/>
+                <a:solidFill>
+                  <a:schemeClr val="tx2"/>
+                </a:solidFill>
+                <a:effectLst>
+                  <a:outerShdw blurRad="9525" dist="25400" dir="14640000" algn="tl" rotWithShape="0">
+                    <a:schemeClr val="bg1">
+                      <a:alpha val="30000"/>
+                    </a:schemeClr>
+                  </a:outerShdw>
+                </a:effectLst>
+                <a:latin typeface="Batang" panose="02030600000101010101" pitchFamily="18" charset="-127"/>
                 <a:ea typeface="Batang" panose="02030600000101010101" pitchFamily="18" charset="-127"/>
               </a:rPr>
               <a:t>numbers = [1, 2, 3, 4, 5, 6, 7, 8, 9, 10]</a:t>
@@ -27876,7 +27755,7 @@
               </a:buClr>
               <a:buSzPct val="70000"/>
             </a:pPr>
-            <a:endParaRPr lang="en-US" altLang="ko-KR" sz="1600" dirty="0">
+            <a:endParaRPr lang="en-US" altLang="ko-KR" dirty="0">
               <a:ln>
                 <a:solidFill>
                   <a:schemeClr val="bg1">
@@ -27886,13 +27765,23 @@
                   </a:schemeClr>
                 </a:solidFill>
               </a:ln>
-              <a:latin typeface="Consolas" panose="020B0609020204030204" pitchFamily="49" charset="0"/>
+              <a:solidFill>
+                <a:schemeClr val="tx2"/>
+              </a:solidFill>
+              <a:effectLst>
+                <a:outerShdw blurRad="9525" dist="25400" dir="14640000" algn="tl" rotWithShape="0">
+                  <a:schemeClr val="bg1">
+                    <a:alpha val="30000"/>
+                  </a:schemeClr>
+                </a:outerShdw>
+              </a:effectLst>
+              <a:latin typeface="Batang" panose="02030600000101010101" pitchFamily="18" charset="-127"/>
               <a:ea typeface="Batang" panose="02030600000101010101" pitchFamily="18" charset="-127"/>
             </a:endParaRPr>
           </a:p>
           <a:p>
             <a:r>
-              <a:rPr lang="en-US" altLang="ko-KR" sz="1600" dirty="0">
+              <a:rPr lang="en-US" altLang="ko-KR" dirty="0">
                 <a:ln>
                   <a:solidFill>
                     <a:schemeClr val="bg1">
@@ -27902,7 +27791,17 @@
                     </a:schemeClr>
                   </a:solidFill>
                 </a:ln>
-                <a:latin typeface="Consolas" panose="020B0609020204030204" pitchFamily="49" charset="0"/>
+                <a:solidFill>
+                  <a:schemeClr val="tx2"/>
+                </a:solidFill>
+                <a:effectLst>
+                  <a:outerShdw blurRad="9525" dist="25400" dir="14640000" algn="tl" rotWithShape="0">
+                    <a:schemeClr val="bg1">
+                      <a:alpha val="30000"/>
+                    </a:schemeClr>
+                  </a:outerShdw>
+                </a:effectLst>
+                <a:latin typeface="Batang" panose="02030600000101010101" pitchFamily="18" charset="-127"/>
                 <a:ea typeface="Batang" panose="02030600000101010101" pitchFamily="18" charset="-127"/>
               </a:rPr>
               <a:t>for num in numbers:</a:t>
@@ -27925,7 +27824,7 @@
         <p:spPr>
           <a:xfrm>
             <a:off x="812150" y="3186411"/>
-            <a:ext cx="6096000" cy="830997"/>
+            <a:ext cx="6096000" cy="923330"/>
           </a:xfrm>
           <a:prstGeom prst="rect">
             <a:avLst/>
@@ -27939,7 +27838,7 @@
           <a:lstStyle/>
           <a:p>
             <a:r>
-              <a:rPr lang="en-US" altLang="ko-KR" sz="1600" dirty="0">
+              <a:rPr lang="en-US" altLang="ko-KR" dirty="0">
                 <a:ln>
                   <a:solidFill>
                     <a:schemeClr val="bg1">
@@ -27959,7 +27858,7 @@
             </a:r>
           </a:p>
           <a:p>
-            <a:endParaRPr lang="en-US" altLang="ko-KR" sz="1600" dirty="0">
+            <a:endParaRPr lang="en-US" altLang="ko-KR" dirty="0">
               <a:ln>
                 <a:solidFill>
                   <a:schemeClr val="bg1">
@@ -27978,7 +27877,7 @@
           </a:p>
           <a:p>
             <a:r>
-              <a:rPr lang="en-US" altLang="ko-KR" sz="1600" dirty="0">
+              <a:rPr lang="en-US" altLang="ko-KR" dirty="0">
                 <a:ln>
                   <a:solidFill>
                     <a:schemeClr val="bg1">
@@ -27997,7 +27896,7 @@
               <a:t>^ </a:t>
             </a:r>
             <a:r>
-              <a:rPr lang="en-US" altLang="ko-KR" sz="1600" dirty="0" err="1">
+              <a:rPr lang="en-US" altLang="ko-KR" dirty="0" err="1">
                 <a:ln>
                   <a:solidFill>
                     <a:schemeClr val="bg1">
@@ -28016,7 +27915,7 @@
               <a:t>SyntaxError</a:t>
             </a:r>
             <a:r>
-              <a:rPr lang="en-US" altLang="ko-KR" sz="1600" dirty="0">
+              <a:rPr lang="en-US" altLang="ko-KR" dirty="0">
                 <a:ln>
                   <a:solidFill>
                     <a:schemeClr val="bg1">
@@ -28034,7 +27933,7 @@
               </a:rPr>
               <a:t>: unexpected EOF while parsing</a:t>
             </a:r>
-            <a:endParaRPr lang="ko-KR" altLang="en-US" sz="1600" dirty="0">
+            <a:endParaRPr lang="ko-KR" altLang="en-US" dirty="0">
               <a:ln>
                 <a:solidFill>
                   <a:schemeClr val="bg1">
@@ -28068,7 +27967,7 @@
         <p:spPr>
           <a:xfrm>
             <a:off x="6750424" y="1507920"/>
-            <a:ext cx="5253316" cy="1323439"/>
+            <a:ext cx="5253316" cy="1477328"/>
           </a:xfrm>
           <a:prstGeom prst="rect">
             <a:avLst/>
@@ -28082,7 +27981,7 @@
           <a:lstStyle/>
           <a:p>
             <a:r>
-              <a:rPr lang="en-US" altLang="ko-KR" sz="1600" dirty="0">
+              <a:rPr lang="en-US" altLang="ko-KR" dirty="0">
                 <a:ln>
                   <a:solidFill>
                     <a:schemeClr val="bg1">
@@ -28092,13 +27991,23 @@
                     </a:schemeClr>
                   </a:solidFill>
                 </a:ln>
-                <a:latin typeface="Consolas" panose="020B0609020204030204" pitchFamily="49" charset="0"/>
+                <a:solidFill>
+                  <a:schemeClr val="tx2"/>
+                </a:solidFill>
+                <a:effectLst>
+                  <a:outerShdw blurRad="9525" dist="25400" dir="14640000" algn="tl" rotWithShape="0">
+                    <a:schemeClr val="bg1">
+                      <a:alpha val="30000"/>
+                    </a:schemeClr>
+                  </a:outerShdw>
+                </a:effectLst>
+                <a:latin typeface="Batang" panose="02030600000101010101" pitchFamily="18" charset="-127"/>
                 <a:ea typeface="Batang" panose="02030600000101010101" pitchFamily="18" charset="-127"/>
               </a:rPr>
               <a:t># </a:t>
             </a:r>
             <a:r>
-              <a:rPr lang="ko-KR" altLang="en-US" sz="1600" dirty="0">
+              <a:rPr lang="ko-KR" altLang="en-US" dirty="0">
                 <a:ln>
                   <a:solidFill>
                     <a:schemeClr val="bg1">
@@ -28108,12 +28017,22 @@
                     </a:schemeClr>
                   </a:solidFill>
                 </a:ln>
-                <a:latin typeface="Consolas" panose="020B0609020204030204" pitchFamily="49" charset="0"/>
+                <a:solidFill>
+                  <a:schemeClr val="tx2"/>
+                </a:solidFill>
+                <a:effectLst>
+                  <a:outerShdw blurRad="9525" dist="25400" dir="14640000" algn="tl" rotWithShape="0">
+                    <a:schemeClr val="bg1">
+                      <a:alpha val="30000"/>
+                    </a:schemeClr>
+                  </a:outerShdw>
+                </a:effectLst>
+                <a:latin typeface="Batang" panose="02030600000101010101" pitchFamily="18" charset="-127"/>
                 <a:ea typeface="Batang" panose="02030600000101010101" pitchFamily="18" charset="-127"/>
               </a:rPr>
               <a:t>주어진 리스트</a:t>
             </a:r>
-            <a:endParaRPr lang="en-US" altLang="ko-KR" sz="1600" dirty="0">
+            <a:endParaRPr lang="en-US" altLang="ko-KR" dirty="0">
               <a:ln>
                 <a:solidFill>
                   <a:schemeClr val="bg1">
@@ -28123,13 +28042,23 @@
                   </a:schemeClr>
                 </a:solidFill>
               </a:ln>
-              <a:latin typeface="Consolas" panose="020B0609020204030204" pitchFamily="49" charset="0"/>
+              <a:solidFill>
+                <a:schemeClr val="tx2"/>
+              </a:solidFill>
+              <a:effectLst>
+                <a:outerShdw blurRad="9525" dist="25400" dir="14640000" algn="tl" rotWithShape="0">
+                  <a:schemeClr val="bg1">
+                    <a:alpha val="30000"/>
+                  </a:schemeClr>
+                </a:outerShdw>
+              </a:effectLst>
+              <a:latin typeface="Batang" panose="02030600000101010101" pitchFamily="18" charset="-127"/>
               <a:ea typeface="Batang" panose="02030600000101010101" pitchFamily="18" charset="-127"/>
             </a:endParaRPr>
           </a:p>
           <a:p>
             <a:r>
-              <a:rPr lang="en-US" altLang="ko-KR" sz="1600" dirty="0">
+              <a:rPr lang="en-US" altLang="ko-KR" dirty="0">
                 <a:ln>
                   <a:solidFill>
                     <a:schemeClr val="bg1">
@@ -28139,14 +28068,24 @@
                     </a:schemeClr>
                   </a:solidFill>
                 </a:ln>
-                <a:latin typeface="Consolas" panose="020B0609020204030204" pitchFamily="49" charset="0"/>
+                <a:solidFill>
+                  <a:schemeClr val="tx2"/>
+                </a:solidFill>
+                <a:effectLst>
+                  <a:outerShdw blurRad="9525" dist="25400" dir="14640000" algn="tl" rotWithShape="0">
+                    <a:schemeClr val="bg1">
+                      <a:alpha val="30000"/>
+                    </a:schemeClr>
+                  </a:outerShdw>
+                </a:effectLst>
+                <a:latin typeface="Batang" panose="02030600000101010101" pitchFamily="18" charset="-127"/>
                 <a:ea typeface="Batang" panose="02030600000101010101" pitchFamily="18" charset="-127"/>
               </a:rPr>
               <a:t>numbers = [1, 2, 3, 4, 5, 6, 7, 8, 9, 10]</a:t>
             </a:r>
           </a:p>
           <a:p>
-            <a:endParaRPr lang="en-US" altLang="ko-KR" sz="1600" dirty="0">
+            <a:endParaRPr lang="en-US" altLang="ko-KR" dirty="0">
               <a:ln>
                 <a:solidFill>
                   <a:schemeClr val="bg1">
@@ -28156,13 +28095,23 @@
                   </a:schemeClr>
                 </a:solidFill>
               </a:ln>
-              <a:latin typeface="Consolas" panose="020B0609020204030204" pitchFamily="49" charset="0"/>
+              <a:solidFill>
+                <a:schemeClr val="tx2"/>
+              </a:solidFill>
+              <a:effectLst>
+                <a:outerShdw blurRad="9525" dist="25400" dir="14640000" algn="tl" rotWithShape="0">
+                  <a:schemeClr val="bg1">
+                    <a:alpha val="30000"/>
+                  </a:schemeClr>
+                </a:outerShdw>
+              </a:effectLst>
+              <a:latin typeface="Batang" panose="02030600000101010101" pitchFamily="18" charset="-127"/>
               <a:ea typeface="Batang" panose="02030600000101010101" pitchFamily="18" charset="-127"/>
             </a:endParaRPr>
           </a:p>
           <a:p>
             <a:r>
-              <a:rPr lang="en-US" altLang="ko-KR" sz="1600" dirty="0">
+              <a:rPr lang="en-US" altLang="ko-KR" dirty="0">
                 <a:ln>
                   <a:solidFill>
                     <a:schemeClr val="bg1">
@@ -28172,7 +28121,17 @@
                     </a:schemeClr>
                   </a:solidFill>
                 </a:ln>
-                <a:latin typeface="Consolas" panose="020B0609020204030204" pitchFamily="49" charset="0"/>
+                <a:solidFill>
+                  <a:schemeClr val="tx2"/>
+                </a:solidFill>
+                <a:effectLst>
+                  <a:outerShdw blurRad="9525" dist="25400" dir="14640000" algn="tl" rotWithShape="0">
+                    <a:schemeClr val="bg1">
+                      <a:alpha val="30000"/>
+                    </a:schemeClr>
+                  </a:outerShdw>
+                </a:effectLst>
+                <a:latin typeface="Batang" panose="02030600000101010101" pitchFamily="18" charset="-127"/>
                 <a:ea typeface="Batang" panose="02030600000101010101" pitchFamily="18" charset="-127"/>
               </a:rPr>
               <a:t>for num in numbers:</a:t>
@@ -28180,7 +28139,7 @@
           </a:p>
           <a:p>
             <a:r>
-              <a:rPr lang="en-US" altLang="ko-KR" sz="1600" dirty="0">
+              <a:rPr lang="en-US" altLang="ko-KR" dirty="0">
                 <a:ln>
                   <a:solidFill>
                     <a:schemeClr val="bg1">
@@ -28190,7 +28149,17 @@
                     </a:schemeClr>
                   </a:solidFill>
                 </a:ln>
-                <a:latin typeface="Consolas" panose="020B0609020204030204" pitchFamily="49" charset="0"/>
+                <a:solidFill>
+                  <a:schemeClr val="tx2"/>
+                </a:solidFill>
+                <a:effectLst>
+                  <a:outerShdw blurRad="9525" dist="25400" dir="14640000" algn="tl" rotWithShape="0">
+                    <a:schemeClr val="bg1">
+                      <a:alpha val="30000"/>
+                    </a:schemeClr>
+                  </a:outerShdw>
+                </a:effectLst>
+                <a:latin typeface="Batang" panose="02030600000101010101" pitchFamily="18" charset="-127"/>
                 <a:ea typeface="Batang" panose="02030600000101010101" pitchFamily="18" charset="-127"/>
               </a:rPr>
               <a:t>    pass</a:t>
@@ -28430,193 +28399,6 @@
             <p:ph type="title"/>
           </p:nvPr>
         </p:nvSpPr>
-        <p:spPr/>
-        <p:txBody>
-          <a:bodyPr/>
-          <a:lstStyle/>
-          <a:p>
-            <a:r>
-              <a:rPr lang="en-US" altLang="ko-KR" dirty="0"/>
-              <a:t>Example: </a:t>
-            </a:r>
-            <a:r>
-              <a:rPr lang="en-US" altLang="ko-KR" b="1" i="1" dirty="0"/>
-              <a:t>continue</a:t>
-            </a:r>
-            <a:endParaRPr lang="ko-KR" altLang="en-US" b="1" i="1" dirty="0"/>
-          </a:p>
-        </p:txBody>
-      </p:sp>
-      <p:sp>
-        <p:nvSpPr>
-          <p:cNvPr id="3" name="내용 개체 틀 2"/>
-          <p:cNvSpPr>
-            <a:spLocks noGrp="1"/>
-          </p:cNvSpPr>
-          <p:nvPr>
-            <p:ph idx="1"/>
-          </p:nvPr>
-        </p:nvSpPr>
-        <p:spPr/>
-        <p:txBody>
-          <a:bodyPr>
-            <a:normAutofit/>
-          </a:bodyPr>
-          <a:lstStyle/>
-          <a:p>
-            <a:pPr marL="0" indent="0">
-              <a:buNone/>
-            </a:pPr>
-            <a:r>
-              <a:rPr lang="en-US" altLang="ko-KR" dirty="0"/>
-              <a:t>for </a:t>
-            </a:r>
-            <a:r>
-              <a:rPr lang="en-US" altLang="ko-KR" dirty="0" err="1"/>
-              <a:t>i</a:t>
-            </a:r>
-            <a:r>
-              <a:rPr lang="en-US" altLang="ko-KR" dirty="0"/>
-              <a:t> in range(1000000):</a:t>
-            </a:r>
-          </a:p>
-          <a:p>
-            <a:pPr marL="0" indent="0">
-              <a:buNone/>
-            </a:pPr>
-            <a:r>
-              <a:rPr lang="en-US" altLang="ko-KR" dirty="0"/>
-              <a:t>    s = input('Enter something: ')</a:t>
-            </a:r>
-          </a:p>
-          <a:p>
-            <a:pPr marL="0" indent="0">
-              <a:buNone/>
-            </a:pPr>
-            <a:r>
-              <a:rPr lang="en-US" altLang="ko-KR" dirty="0"/>
-              <a:t>    if s == 'quit':</a:t>
-            </a:r>
-          </a:p>
-          <a:p>
-            <a:pPr marL="0" indent="0">
-              <a:buNone/>
-            </a:pPr>
-            <a:r>
-              <a:rPr lang="en-US" altLang="ko-KR" dirty="0"/>
-              <a:t>        break</a:t>
-            </a:r>
-          </a:p>
-          <a:p>
-            <a:pPr marL="0" indent="0">
-              <a:buNone/>
-            </a:pPr>
-            <a:r>
-              <a:rPr lang="en-US" altLang="ko-KR" dirty="0"/>
-              <a:t>    if </a:t>
-            </a:r>
-            <a:r>
-              <a:rPr lang="en-US" altLang="ko-KR" dirty="0" err="1"/>
-              <a:t>len</a:t>
-            </a:r>
-            <a:r>
-              <a:rPr lang="en-US" altLang="ko-KR" dirty="0"/>
-              <a:t>(s) &lt; 3:</a:t>
-            </a:r>
-          </a:p>
-          <a:p>
-            <a:pPr marL="0" indent="0">
-              <a:buNone/>
-            </a:pPr>
-            <a:r>
-              <a:rPr lang="en-US" altLang="ko-KR" dirty="0"/>
-              <a:t>        print('Too small')</a:t>
-            </a:r>
-          </a:p>
-          <a:p>
-            <a:pPr marL="0" indent="0">
-              <a:buNone/>
-            </a:pPr>
-            <a:r>
-              <a:rPr lang="en-US" altLang="ko-KR" dirty="0"/>
-              <a:t>    else:</a:t>
-            </a:r>
-          </a:p>
-          <a:p>
-            <a:pPr marL="0" indent="0">
-              <a:buNone/>
-            </a:pPr>
-            <a:r>
-              <a:rPr lang="en-US" altLang="ko-KR" dirty="0"/>
-              <a:t>        print('Input is of sufficient length')</a:t>
-            </a:r>
-          </a:p>
-        </p:txBody>
-      </p:sp>
-      <p:sp>
-        <p:nvSpPr>
-          <p:cNvPr id="4" name="슬라이드 번호 개체 틀 3"/>
-          <p:cNvSpPr>
-            <a:spLocks noGrp="1"/>
-          </p:cNvSpPr>
-          <p:nvPr>
-            <p:ph type="sldNum" sz="quarter" idx="12"/>
-          </p:nvPr>
-        </p:nvSpPr>
-        <p:spPr/>
-        <p:txBody>
-          <a:bodyPr/>
-          <a:lstStyle/>
-          <a:p>
-            <a:fld id="{D57F1E4F-1CFF-5643-939E-217C01CDF565}" type="slidenum">
-              <a:rPr lang="en-US" smtClean="0"/>
-              <a:pPr/>
-              <a:t>145</a:t>
-            </a:fld>
-            <a:endParaRPr lang="en-US" dirty="0"/>
-          </a:p>
-        </p:txBody>
-      </p:sp>
-    </p:spTree>
-    <p:extLst>
-      <p:ext uri="{BB962C8B-B14F-4D97-AF65-F5344CB8AC3E}">
-        <p14:creationId xmlns:p14="http://schemas.microsoft.com/office/powerpoint/2010/main" val="2052794777"/>
-      </p:ext>
-    </p:extLst>
-  </p:cSld>
-  <p:clrMapOvr>
-    <a:masterClrMapping/>
-  </p:clrMapOvr>
-</p:sld>
-</file>
-
-<file path=ppt/slides/slide146.xml><?xml version="1.0" encoding="utf-8"?>
-<p:sld xmlns:a="http://schemas.openxmlformats.org/drawingml/2006/main" xmlns:r="http://schemas.openxmlformats.org/officeDocument/2006/relationships" xmlns:p="http://schemas.openxmlformats.org/presentationml/2006/main">
-  <p:cSld>
-    <p:spTree>
-      <p:nvGrpSpPr>
-        <p:cNvPr id="1" name=""/>
-        <p:cNvGrpSpPr/>
-        <p:nvPr/>
-      </p:nvGrpSpPr>
-      <p:grpSpPr>
-        <a:xfrm>
-          <a:off x="0" y="0"/>
-          <a:ext cx="0" cy="0"/>
-          <a:chOff x="0" y="0"/>
-          <a:chExt cx="0" cy="0"/>
-        </a:xfrm>
-      </p:grpSpPr>
-      <p:sp>
-        <p:nvSpPr>
-          <p:cNvPr id="2" name="제목 1"/>
-          <p:cNvSpPr>
-            <a:spLocks noGrp="1"/>
-          </p:cNvSpPr>
-          <p:nvPr>
-            <p:ph type="title"/>
-          </p:nvPr>
-        </p:nvSpPr>
         <p:spPr>
           <a:xfrm>
             <a:off x="913795" y="175588"/>
@@ -28891,7 +28673,7 @@
             <a:fld id="{D57F1E4F-1CFF-5643-939E-217C01CDF565}" type="slidenum">
               <a:rPr lang="en-US" smtClean="0"/>
               <a:pPr/>
-              <a:t>146</a:t>
+              <a:t>145</a:t>
             </a:fld>
             <a:endParaRPr lang="en-US" dirty="0"/>
           </a:p>
@@ -28962,7 +28744,7 @@
 </p:sld>
 </file>
 
-<file path=ppt/slides/slide147.xml><?xml version="1.0" encoding="utf-8"?>
+<file path=ppt/slides/slide146.xml><?xml version="1.0" encoding="utf-8"?>
 <p:sld xmlns:a="http://schemas.openxmlformats.org/drawingml/2006/main" xmlns:r="http://schemas.openxmlformats.org/officeDocument/2006/relationships" xmlns:p="http://schemas.openxmlformats.org/presentationml/2006/main">
   <p:cSld>
     <p:spTree>
@@ -29263,7 +29045,7 @@
             <a:fld id="{D57F1E4F-1CFF-5643-939E-217C01CDF565}" type="slidenum">
               <a:rPr lang="en-US" smtClean="0"/>
               <a:pPr/>
-              <a:t>147</a:t>
+              <a:t>146</a:t>
             </a:fld>
             <a:endParaRPr lang="en-US" dirty="0"/>
           </a:p>
@@ -29328,6 +29110,335 @@
 </p:sld>
 </file>
 
+<file path=ppt/slides/slide147.xml><?xml version="1.0" encoding="utf-8"?>
+<p:sld xmlns:a="http://schemas.openxmlformats.org/drawingml/2006/main" xmlns:r="http://schemas.openxmlformats.org/officeDocument/2006/relationships" xmlns:p="http://schemas.openxmlformats.org/presentationml/2006/main">
+  <p:cSld>
+    <p:spTree>
+      <p:nvGrpSpPr>
+        <p:cNvPr id="1" name=""/>
+        <p:cNvGrpSpPr/>
+        <p:nvPr/>
+      </p:nvGrpSpPr>
+      <p:grpSpPr>
+        <a:xfrm>
+          <a:off x="0" y="0"/>
+          <a:ext cx="0" cy="0"/>
+          <a:chOff x="0" y="0"/>
+          <a:chExt cx="0" cy="0"/>
+        </a:xfrm>
+      </p:grpSpPr>
+      <p:sp>
+        <p:nvSpPr>
+          <p:cNvPr id="2" name="제목 1"/>
+          <p:cNvSpPr>
+            <a:spLocks noGrp="1"/>
+          </p:cNvSpPr>
+          <p:nvPr>
+            <p:ph type="title"/>
+          </p:nvPr>
+        </p:nvSpPr>
+        <p:spPr>
+          <a:xfrm>
+            <a:off x="919119" y="175588"/>
+            <a:ext cx="10353762" cy="1261872"/>
+          </a:xfrm>
+        </p:spPr>
+        <p:txBody>
+          <a:bodyPr/>
+          <a:lstStyle/>
+          <a:p>
+            <a:r>
+              <a:rPr lang="en-US" altLang="ko-KR" dirty="0"/>
+              <a:t>Example: Symmetricity</a:t>
+            </a:r>
+            <a:endParaRPr lang="ko-KR" altLang="en-US" dirty="0"/>
+          </a:p>
+        </p:txBody>
+      </p:sp>
+      <p:sp>
+        <p:nvSpPr>
+          <p:cNvPr id="3" name="내용 개체 틀 2"/>
+          <p:cNvSpPr>
+            <a:spLocks noGrp="1"/>
+          </p:cNvSpPr>
+          <p:nvPr>
+            <p:ph sz="half" idx="1"/>
+          </p:nvPr>
+        </p:nvSpPr>
+        <p:spPr>
+          <a:xfrm>
+            <a:off x="913795" y="2076450"/>
+            <a:ext cx="5458555" cy="3622671"/>
+          </a:xfrm>
+        </p:spPr>
+        <p:txBody>
+          <a:bodyPr>
+            <a:normAutofit fontScale="92500" lnSpcReduction="20000"/>
+          </a:bodyPr>
+          <a:lstStyle/>
+          <a:p>
+            <a:pPr marL="0" indent="0">
+              <a:buNone/>
+            </a:pPr>
+            <a:r>
+              <a:rPr lang="en-US" altLang="ko-KR" dirty="0"/>
+              <a:t>for </a:t>
+            </a:r>
+            <a:r>
+              <a:rPr lang="en-US" altLang="ko-KR" dirty="0" err="1"/>
+              <a:t>i</a:t>
+            </a:r>
+            <a:r>
+              <a:rPr lang="en-US" altLang="ko-KR" dirty="0"/>
+              <a:t> in range(1000000):</a:t>
+            </a:r>
+          </a:p>
+          <a:p>
+            <a:pPr marL="0" indent="0">
+              <a:buNone/>
+            </a:pPr>
+            <a:r>
+              <a:rPr lang="en-US" altLang="ko-KR" dirty="0"/>
+              <a:t>    s = input('Enter something: ')</a:t>
+            </a:r>
+          </a:p>
+          <a:p>
+            <a:pPr marL="0" indent="0">
+              <a:buNone/>
+            </a:pPr>
+            <a:r>
+              <a:rPr lang="en-US" altLang="ko-KR" dirty="0"/>
+              <a:t>    if s == 'quit':</a:t>
+            </a:r>
+          </a:p>
+          <a:p>
+            <a:pPr marL="0" indent="0">
+              <a:buNone/>
+            </a:pPr>
+            <a:r>
+              <a:rPr lang="en-US" altLang="ko-KR" dirty="0"/>
+              <a:t>        break</a:t>
+            </a:r>
+          </a:p>
+          <a:p>
+            <a:pPr marL="0" indent="0">
+              <a:buNone/>
+            </a:pPr>
+            <a:r>
+              <a:rPr lang="en-US" altLang="ko-KR" dirty="0"/>
+              <a:t>    </a:t>
+            </a:r>
+            <a:r>
+              <a:rPr lang="en-US" altLang="ko-KR" b="1" dirty="0" err="1">
+                <a:solidFill>
+                  <a:srgbClr val="0070C0"/>
+                </a:solidFill>
+              </a:rPr>
+              <a:t>elif</a:t>
+            </a:r>
+            <a:r>
+              <a:rPr lang="en-US" altLang="ko-KR" dirty="0"/>
+              <a:t> </a:t>
+            </a:r>
+            <a:r>
+              <a:rPr lang="en-US" altLang="ko-KR" dirty="0" err="1"/>
+              <a:t>len</a:t>
+            </a:r>
+            <a:r>
+              <a:rPr lang="en-US" altLang="ko-KR" dirty="0"/>
+              <a:t>(s) &lt; 3:</a:t>
+            </a:r>
+          </a:p>
+          <a:p>
+            <a:pPr marL="0" indent="0">
+              <a:buNone/>
+            </a:pPr>
+            <a:r>
+              <a:rPr lang="en-US" altLang="ko-KR" dirty="0"/>
+              <a:t>        print('Too small')</a:t>
+            </a:r>
+          </a:p>
+          <a:p>
+            <a:pPr marL="0" indent="0">
+              <a:buNone/>
+            </a:pPr>
+            <a:r>
+              <a:rPr lang="en-US" altLang="ko-KR" dirty="0"/>
+              <a:t>    else:</a:t>
+            </a:r>
+          </a:p>
+          <a:p>
+            <a:pPr marL="0" indent="0">
+              <a:buNone/>
+            </a:pPr>
+            <a:r>
+              <a:rPr lang="en-US" altLang="ko-KR" dirty="0"/>
+              <a:t>        print('Input is of sufficient length')</a:t>
+            </a:r>
+          </a:p>
+        </p:txBody>
+      </p:sp>
+      <p:sp>
+        <p:nvSpPr>
+          <p:cNvPr id="8" name="내용 개체 틀 7"/>
+          <p:cNvSpPr>
+            <a:spLocks noGrp="1"/>
+          </p:cNvSpPr>
+          <p:nvPr>
+            <p:ph sz="half" idx="2"/>
+          </p:nvPr>
+        </p:nvSpPr>
+        <p:spPr>
+          <a:xfrm>
+            <a:off x="6410716" y="2076451"/>
+            <a:ext cx="5458555" cy="3622672"/>
+          </a:xfrm>
+        </p:spPr>
+        <p:txBody>
+          <a:bodyPr>
+            <a:normAutofit fontScale="92500" lnSpcReduction="20000"/>
+          </a:bodyPr>
+          <a:lstStyle/>
+          <a:p>
+            <a:pPr marL="0" indent="0">
+              <a:buNone/>
+            </a:pPr>
+            <a:r>
+              <a:rPr lang="en-US" altLang="ko-KR" dirty="0"/>
+              <a:t>for </a:t>
+            </a:r>
+            <a:r>
+              <a:rPr lang="en-US" altLang="ko-KR" dirty="0" err="1"/>
+              <a:t>i</a:t>
+            </a:r>
+            <a:r>
+              <a:rPr lang="en-US" altLang="ko-KR" dirty="0"/>
+              <a:t> in range(1000000):</a:t>
+            </a:r>
+          </a:p>
+          <a:p>
+            <a:pPr marL="0" indent="0">
+              <a:buNone/>
+            </a:pPr>
+            <a:r>
+              <a:rPr lang="en-US" altLang="ko-KR" dirty="0"/>
+              <a:t>    s = input('Enter something: ')</a:t>
+            </a:r>
+          </a:p>
+          <a:p>
+            <a:pPr marL="0" indent="0">
+              <a:buNone/>
+            </a:pPr>
+            <a:r>
+              <a:rPr lang="en-US" altLang="ko-KR" dirty="0"/>
+              <a:t>    if s == 'quit':</a:t>
+            </a:r>
+          </a:p>
+          <a:p>
+            <a:pPr marL="0" indent="0">
+              <a:buNone/>
+            </a:pPr>
+            <a:r>
+              <a:rPr lang="en-US" altLang="ko-KR" dirty="0"/>
+              <a:t>        break</a:t>
+            </a:r>
+          </a:p>
+          <a:p>
+            <a:pPr marL="0" indent="0">
+              <a:buNone/>
+            </a:pPr>
+            <a:r>
+              <a:rPr lang="en-US" altLang="ko-KR" dirty="0"/>
+              <a:t>    </a:t>
+            </a:r>
+            <a:r>
+              <a:rPr lang="en-US" altLang="ko-KR" b="1" dirty="0">
+                <a:solidFill>
+                  <a:srgbClr val="0070C0"/>
+                </a:solidFill>
+              </a:rPr>
+              <a:t>if</a:t>
+            </a:r>
+            <a:r>
+              <a:rPr lang="en-US" altLang="ko-KR" dirty="0"/>
+              <a:t> </a:t>
+            </a:r>
+            <a:r>
+              <a:rPr lang="en-US" altLang="ko-KR" dirty="0" err="1"/>
+              <a:t>len</a:t>
+            </a:r>
+            <a:r>
+              <a:rPr lang="en-US" altLang="ko-KR" dirty="0"/>
+              <a:t>(s) &lt; 3:</a:t>
+            </a:r>
+          </a:p>
+          <a:p>
+            <a:pPr marL="0" indent="0">
+              <a:buNone/>
+            </a:pPr>
+            <a:r>
+              <a:rPr lang="en-US" altLang="ko-KR" dirty="0"/>
+              <a:t>        print('Too small')</a:t>
+            </a:r>
+          </a:p>
+          <a:p>
+            <a:pPr marL="0" indent="0">
+              <a:buNone/>
+            </a:pPr>
+            <a:r>
+              <a:rPr lang="en-US" altLang="ko-KR" dirty="0"/>
+              <a:t>    else:</a:t>
+            </a:r>
+          </a:p>
+          <a:p>
+            <a:pPr marL="0" indent="0">
+              <a:buNone/>
+            </a:pPr>
+            <a:r>
+              <a:rPr lang="en-US" altLang="ko-KR" dirty="0"/>
+              <a:t>        print('Input is of sufficient length')</a:t>
+            </a:r>
+            <a:endParaRPr lang="ko-KR" altLang="en-US" dirty="0"/>
+          </a:p>
+        </p:txBody>
+      </p:sp>
+      <p:sp>
+        <p:nvSpPr>
+          <p:cNvPr id="4" name="슬라이드 번호 개체 틀 3"/>
+          <p:cNvSpPr>
+            <a:spLocks noGrp="1"/>
+          </p:cNvSpPr>
+          <p:nvPr>
+            <p:ph type="sldNum" sz="quarter" idx="12"/>
+          </p:nvPr>
+        </p:nvSpPr>
+        <p:spPr/>
+        <p:txBody>
+          <a:bodyPr/>
+          <a:lstStyle/>
+          <a:p>
+            <a:fld id="{D57F1E4F-1CFF-5643-939E-217C01CDF565}" type="slidenum">
+              <a:rPr lang="en-US" smtClean="0"/>
+              <a:pPr/>
+              <a:t>147</a:t>
+            </a:fld>
+            <a:endParaRPr lang="en-US" dirty="0"/>
+          </a:p>
+        </p:txBody>
+      </p:sp>
+    </p:spTree>
+    <p:extLst>
+      <p:ext uri="{BB962C8B-B14F-4D97-AF65-F5344CB8AC3E}">
+        <p14:creationId xmlns:p14="http://schemas.microsoft.com/office/powerpoint/2010/main" val="3199807573"/>
+      </p:ext>
+    </p:extLst>
+  </p:cSld>
+  <p:clrMapOvr>
+    <a:masterClrMapping/>
+  </p:clrMapOvr>
+</p:sld>
+</file>
+
 <file path=ppt/slides/slide148.xml><?xml version="1.0" encoding="utf-8"?>
 <p:sld xmlns:a="http://schemas.openxmlformats.org/drawingml/2006/main" xmlns:r="http://schemas.openxmlformats.org/officeDocument/2006/relationships" xmlns:p="http://schemas.openxmlformats.org/presentationml/2006/main">
   <p:cSld>
@@ -29355,12 +29466,7 @@
             <p:ph type="title"/>
           </p:nvPr>
         </p:nvSpPr>
-        <p:spPr>
-          <a:xfrm>
-            <a:off x="919119" y="175588"/>
-            <a:ext cx="10353762" cy="1261872"/>
-          </a:xfrm>
-        </p:spPr>
+        <p:spPr/>
         <p:txBody>
           <a:bodyPr/>
           <a:lstStyle/>
@@ -29386,8 +29492,13 @@
         <p:spPr>
           <a:xfrm>
             <a:off x="913795" y="2076450"/>
-            <a:ext cx="5458555" cy="3622671"/>
+            <a:ext cx="5422696" cy="3622671"/>
           </a:xfrm>
+          <a:ln w="38100">
+            <a:solidFill>
+              <a:srgbClr val="FF0000"/>
+            </a:solidFill>
+          </a:ln>
         </p:spPr>
         <p:txBody>
           <a:bodyPr>
@@ -29426,7 +29537,19 @@
             </a:pPr>
             <a:r>
               <a:rPr lang="en-US" altLang="ko-KR" dirty="0"/>
-              <a:t>    if s == 'quit':</a:t>
+              <a:t>    </a:t>
+            </a:r>
+            <a:r>
+              <a:rPr lang="en-US" altLang="ko-KR" b="1" dirty="0">
+                <a:solidFill>
+                  <a:srgbClr val="0070C0"/>
+                </a:solidFill>
+              </a:rPr>
+              <a:t>if</a:t>
+            </a:r>
+            <a:r>
+              <a:rPr lang="en-US" altLang="ko-KR" dirty="0"/>
+              <a:t> s == 'quit':</a:t>
             </a:r>
           </a:p>
           <a:p>
@@ -29482,7 +29605,19 @@
             </a:pPr>
             <a:r>
               <a:rPr lang="en-US" altLang="ko-KR" dirty="0"/>
-              <a:t>    else:</a:t>
+              <a:t>    </a:t>
+            </a:r>
+            <a:r>
+              <a:rPr lang="en-US" altLang="ko-KR" b="1" dirty="0">
+                <a:solidFill>
+                  <a:srgbClr val="0070C0"/>
+                </a:solidFill>
+              </a:rPr>
+              <a:t>else</a:t>
+            </a:r>
+            <a:r>
+              <a:rPr lang="en-US" altLang="ko-KR" dirty="0"/>
+              <a:t>:</a:t>
             </a:r>
           </a:p>
           <a:p>
@@ -29509,7 +29644,7 @@
         <p:spPr>
           <a:xfrm>
             <a:off x="6410716" y="2076451"/>
-            <a:ext cx="5458555" cy="3622672"/>
+            <a:ext cx="5422696" cy="3622672"/>
           </a:xfrm>
         </p:spPr>
         <p:txBody>
@@ -29541,24 +29676,6 @@
             <a:r>
               <a:rPr lang="en-US" altLang="ko-KR" dirty="0"/>
               <a:t>    s = input('Enter something: ')</a:t>
-            </a:r>
-          </a:p>
-          <a:p>
-            <a:pPr marL="0" indent="0">
-              <a:buNone/>
-            </a:pPr>
-            <a:r>
-              <a:rPr lang="en-US" altLang="ko-KR" dirty="0"/>
-              <a:t>    if s == 'quit':</a:t>
-            </a:r>
-          </a:p>
-          <a:p>
-            <a:pPr marL="0" indent="0">
-              <a:buNone/>
-            </a:pPr>
-            <a:r>
-              <a:rPr lang="en-US" altLang="ko-KR" dirty="0"/>
-              <a:t>        break</a:t>
             </a:r>
           </a:p>
           <a:p>
@@ -29579,6 +29696,36 @@
             </a:r>
             <a:r>
               <a:rPr lang="en-US" altLang="ko-KR" dirty="0"/>
+              <a:t> s == 'quit':</a:t>
+            </a:r>
+          </a:p>
+          <a:p>
+            <a:pPr marL="0" indent="0">
+              <a:buNone/>
+            </a:pPr>
+            <a:r>
+              <a:rPr lang="en-US" altLang="ko-KR" dirty="0"/>
+              <a:t>        break</a:t>
+            </a:r>
+          </a:p>
+          <a:p>
+            <a:pPr marL="0" indent="0">
+              <a:buNone/>
+            </a:pPr>
+            <a:r>
+              <a:rPr lang="en-US" altLang="ko-KR" dirty="0"/>
+              <a:t>    </a:t>
+            </a:r>
+            <a:r>
+              <a:rPr lang="en-US" altLang="ko-KR" b="1" dirty="0">
+                <a:solidFill>
+                  <a:srgbClr val="0070C0"/>
+                </a:solidFill>
+              </a:rPr>
+              <a:t>if</a:t>
+            </a:r>
+            <a:r>
+              <a:rPr lang="en-US" altLang="ko-KR" dirty="0"/>
               <a:t> </a:t>
             </a:r>
             <a:r>
@@ -29605,7 +29752,19 @@
             </a:pPr>
             <a:r>
               <a:rPr lang="en-US" altLang="ko-KR" dirty="0"/>
-              <a:t>    else:</a:t>
+              <a:t>    </a:t>
+            </a:r>
+            <a:r>
+              <a:rPr lang="en-US" altLang="ko-KR" b="1" dirty="0">
+                <a:solidFill>
+                  <a:srgbClr val="0070C0"/>
+                </a:solidFill>
+              </a:rPr>
+              <a:t>else</a:t>
+            </a:r>
+            <a:r>
+              <a:rPr lang="en-US" altLang="ko-KR" dirty="0"/>
+              <a:t>:</a:t>
             </a:r>
           </a:p>
           <a:p>
@@ -29647,7 +29806,7 @@
     </p:spTree>
     <p:extLst>
       <p:ext uri="{BB962C8B-B14F-4D97-AF65-F5344CB8AC3E}">
-        <p14:creationId xmlns:p14="http://schemas.microsoft.com/office/powerpoint/2010/main" val="3199807573"/>
+        <p14:creationId xmlns:p14="http://schemas.microsoft.com/office/powerpoint/2010/main" val="1874469313"/>
       </p:ext>
     </p:extLst>
   </p:cSld>
@@ -29676,7 +29835,7 @@
       </p:grpSpPr>
       <p:sp>
         <p:nvSpPr>
-          <p:cNvPr id="2" name="제목 1"/>
+          <p:cNvPr id="5" name="제목 4"/>
           <p:cNvSpPr>
             <a:spLocks noGrp="1"/>
           </p:cNvSpPr>
@@ -29690,8 +29849,8 @@
           <a:lstStyle/>
           <a:p>
             <a:r>
-              <a:rPr lang="en-US" altLang="ko-KR" dirty="0"/>
-              <a:t>Example: Symmetricity</a:t>
+              <a:rPr lang="en-GB" altLang="ko-KR"/>
+              <a:t>Summary</a:t>
             </a:r>
             <a:endParaRPr lang="ko-KR" altLang="en-US" dirty="0"/>
           </a:p>
@@ -29699,307 +29858,111 @@
       </p:sp>
       <p:sp>
         <p:nvSpPr>
-          <p:cNvPr id="3" name="내용 개체 틀 2"/>
-          <p:cNvSpPr>
-            <a:spLocks noGrp="1"/>
-          </p:cNvSpPr>
-          <p:nvPr>
-            <p:ph sz="half" idx="1"/>
-          </p:nvPr>
-        </p:nvSpPr>
-        <p:spPr>
-          <a:xfrm>
-            <a:off x="913795" y="2076450"/>
-            <a:ext cx="5422696" cy="3622671"/>
-          </a:xfrm>
-          <a:ln w="38100">
-            <a:solidFill>
-              <a:srgbClr val="FF0000"/>
-            </a:solidFill>
-          </a:ln>
-        </p:spPr>
-        <p:txBody>
-          <a:bodyPr>
-            <a:normAutofit fontScale="92500" lnSpcReduction="20000"/>
-          </a:bodyPr>
-          <a:lstStyle/>
-          <a:p>
-            <a:pPr marL="0" indent="0">
-              <a:buNone/>
-            </a:pPr>
-            <a:r>
-              <a:rPr lang="en-US" altLang="ko-KR" dirty="0"/>
-              <a:t>for </a:t>
-            </a:r>
-            <a:r>
-              <a:rPr lang="en-US" altLang="ko-KR" dirty="0" err="1"/>
-              <a:t>i</a:t>
-            </a:r>
-            <a:r>
-              <a:rPr lang="en-US" altLang="ko-KR" dirty="0"/>
-              <a:t> in range(1000000):</a:t>
-            </a:r>
-          </a:p>
-          <a:p>
-            <a:pPr marL="0" indent="0">
-              <a:buNone/>
-            </a:pPr>
-            <a:r>
-              <a:rPr lang="en-US" altLang="ko-KR" dirty="0"/>
-              <a:t>    s = input('Enter something: ')</a:t>
-            </a:r>
-          </a:p>
-          <a:p>
-            <a:pPr marL="0" indent="0">
-              <a:buNone/>
-            </a:pPr>
-            <a:r>
-              <a:rPr lang="en-US" altLang="ko-KR" dirty="0"/>
-              <a:t>    </a:t>
-            </a:r>
-            <a:r>
-              <a:rPr lang="en-US" altLang="ko-KR" b="1" dirty="0">
-                <a:solidFill>
-                  <a:srgbClr val="0070C0"/>
-                </a:solidFill>
-              </a:rPr>
-              <a:t>if</a:t>
-            </a:r>
-            <a:r>
-              <a:rPr lang="en-US" altLang="ko-KR" dirty="0"/>
-              <a:t> s == 'quit':</a:t>
-            </a:r>
-          </a:p>
-          <a:p>
-            <a:pPr marL="0" indent="0">
-              <a:buNone/>
-            </a:pPr>
-            <a:r>
-              <a:rPr lang="en-US" altLang="ko-KR" dirty="0"/>
-              <a:t>        break</a:t>
-            </a:r>
-          </a:p>
-          <a:p>
-            <a:pPr marL="0" indent="0">
-              <a:buNone/>
-            </a:pPr>
-            <a:r>
-              <a:rPr lang="en-US" altLang="ko-KR" dirty="0"/>
-              <a:t>    </a:t>
-            </a:r>
-            <a:r>
-              <a:rPr lang="en-US" altLang="ko-KR" b="1" dirty="0" err="1">
-                <a:solidFill>
-                  <a:srgbClr val="0070C0"/>
-                </a:solidFill>
-              </a:rPr>
-              <a:t>elif</a:t>
-            </a:r>
-            <a:r>
-              <a:rPr lang="en-US" altLang="ko-KR" dirty="0"/>
-              <a:t> </a:t>
-            </a:r>
-            <a:r>
-              <a:rPr lang="en-US" altLang="ko-KR" dirty="0" err="1"/>
-              <a:t>len</a:t>
-            </a:r>
-            <a:r>
-              <a:rPr lang="en-US" altLang="ko-KR" dirty="0"/>
-              <a:t>(s) &lt; 3:</a:t>
-            </a:r>
-          </a:p>
-          <a:p>
-            <a:pPr marL="0" indent="0">
-              <a:buNone/>
-            </a:pPr>
-            <a:r>
-              <a:rPr lang="en-US" altLang="ko-KR" dirty="0"/>
-              <a:t>        print('Too small')</a:t>
-            </a:r>
-          </a:p>
-          <a:p>
-            <a:pPr marL="0" indent="0">
-              <a:buNone/>
-            </a:pPr>
-            <a:r>
-              <a:rPr lang="en-US" altLang="ko-KR" dirty="0"/>
-              <a:t>    </a:t>
-            </a:r>
-            <a:r>
-              <a:rPr lang="en-US" altLang="ko-KR" b="1" dirty="0">
-                <a:solidFill>
-                  <a:srgbClr val="0070C0"/>
-                </a:solidFill>
-              </a:rPr>
-              <a:t>else</a:t>
-            </a:r>
-            <a:r>
-              <a:rPr lang="en-US" altLang="ko-KR" dirty="0"/>
-              <a:t>:</a:t>
-            </a:r>
-          </a:p>
-          <a:p>
-            <a:pPr marL="0" indent="0">
-              <a:buNone/>
-            </a:pPr>
-            <a:r>
-              <a:rPr lang="en-US" altLang="ko-KR" dirty="0"/>
-              <a:t>        print('Input is of sufficient length')</a:t>
-            </a:r>
-          </a:p>
-        </p:txBody>
-      </p:sp>
-      <p:sp>
-        <p:nvSpPr>
-          <p:cNvPr id="8" name="내용 개체 틀 7"/>
-          <p:cNvSpPr>
-            <a:spLocks noGrp="1"/>
-          </p:cNvSpPr>
-          <p:nvPr>
-            <p:ph sz="half" idx="2"/>
-          </p:nvPr>
-        </p:nvSpPr>
-        <p:spPr>
-          <a:xfrm>
-            <a:off x="6410716" y="2076451"/>
-            <a:ext cx="5422696" cy="3622672"/>
-          </a:xfrm>
-        </p:spPr>
-        <p:txBody>
-          <a:bodyPr>
-            <a:normAutofit fontScale="92500" lnSpcReduction="20000"/>
-          </a:bodyPr>
-          <a:lstStyle/>
-          <a:p>
-            <a:pPr marL="0" indent="0">
-              <a:buNone/>
-            </a:pPr>
-            <a:r>
-              <a:rPr lang="en-US" altLang="ko-KR" dirty="0"/>
-              <a:t>for </a:t>
-            </a:r>
-            <a:r>
-              <a:rPr lang="en-US" altLang="ko-KR" dirty="0" err="1"/>
-              <a:t>i</a:t>
-            </a:r>
-            <a:r>
-              <a:rPr lang="en-US" altLang="ko-KR" dirty="0"/>
-              <a:t> in range(1000000):</a:t>
-            </a:r>
-          </a:p>
-          <a:p>
-            <a:pPr marL="0" indent="0">
-              <a:buNone/>
-            </a:pPr>
-            <a:r>
-              <a:rPr lang="en-US" altLang="ko-KR" dirty="0"/>
-              <a:t>    s = input('Enter something: ')</a:t>
-            </a:r>
-          </a:p>
-          <a:p>
-            <a:pPr marL="0" indent="0">
-              <a:buNone/>
-            </a:pPr>
-            <a:r>
-              <a:rPr lang="en-US" altLang="ko-KR" dirty="0"/>
-              <a:t>    </a:t>
-            </a:r>
-            <a:r>
-              <a:rPr lang="en-US" altLang="ko-KR" b="1" dirty="0">
-                <a:solidFill>
-                  <a:srgbClr val="0070C0"/>
-                </a:solidFill>
-              </a:rPr>
-              <a:t>if</a:t>
-            </a:r>
-            <a:r>
-              <a:rPr lang="en-US" altLang="ko-KR" dirty="0"/>
-              <a:t> s == 'quit':</a:t>
-            </a:r>
-          </a:p>
-          <a:p>
-            <a:pPr marL="0" indent="0">
-              <a:buNone/>
-            </a:pPr>
-            <a:r>
-              <a:rPr lang="en-US" altLang="ko-KR" dirty="0"/>
-              <a:t>        break</a:t>
-            </a:r>
-          </a:p>
-          <a:p>
-            <a:pPr marL="0" indent="0">
-              <a:buNone/>
-            </a:pPr>
-            <a:r>
-              <a:rPr lang="en-US" altLang="ko-KR" dirty="0"/>
-              <a:t>    </a:t>
-            </a:r>
-            <a:r>
-              <a:rPr lang="en-US" altLang="ko-KR" b="1" dirty="0">
-                <a:solidFill>
-                  <a:srgbClr val="0070C0"/>
-                </a:solidFill>
-              </a:rPr>
-              <a:t>if</a:t>
-            </a:r>
-            <a:r>
-              <a:rPr lang="en-US" altLang="ko-KR" dirty="0"/>
-              <a:t> </a:t>
-            </a:r>
-            <a:r>
-              <a:rPr lang="en-US" altLang="ko-KR" dirty="0" err="1"/>
-              <a:t>len</a:t>
-            </a:r>
-            <a:r>
-              <a:rPr lang="en-US" altLang="ko-KR" dirty="0"/>
-              <a:t>(s) &lt; 3:</a:t>
-            </a:r>
-          </a:p>
-          <a:p>
-            <a:pPr marL="0" indent="0">
-              <a:buNone/>
-            </a:pPr>
-            <a:r>
-              <a:rPr lang="en-US" altLang="ko-KR" dirty="0"/>
-              <a:t>        print('Too small')</a:t>
-            </a:r>
-          </a:p>
-          <a:p>
-            <a:pPr marL="0" indent="0">
-              <a:buNone/>
-            </a:pPr>
-            <a:r>
-              <a:rPr lang="en-US" altLang="ko-KR" dirty="0"/>
-              <a:t>    </a:t>
-            </a:r>
-            <a:r>
-              <a:rPr lang="en-US" altLang="ko-KR" b="1" dirty="0">
-                <a:solidFill>
-                  <a:srgbClr val="0070C0"/>
-                </a:solidFill>
-              </a:rPr>
-              <a:t>else</a:t>
-            </a:r>
-            <a:r>
-              <a:rPr lang="en-US" altLang="ko-KR" dirty="0"/>
-              <a:t>:</a:t>
-            </a:r>
-          </a:p>
-          <a:p>
-            <a:pPr marL="0" indent="0">
-              <a:buNone/>
-            </a:pPr>
-            <a:r>
-              <a:rPr lang="en-US" altLang="ko-KR" dirty="0"/>
-              <a:t>        print('Input is of sufficient length')</a:t>
-            </a:r>
-            <a:endParaRPr lang="ko-KR" altLang="en-US" dirty="0"/>
-          </a:p>
-        </p:txBody>
-      </p:sp>
-      <p:sp>
-        <p:nvSpPr>
-          <p:cNvPr id="4" name="슬라이드 번호 개체 틀 3"/>
+          <p:cNvPr id="6" name="내용 개체 틀 5"/>
+          <p:cNvSpPr>
+            <a:spLocks noGrp="1"/>
+          </p:cNvSpPr>
+          <p:nvPr>
+            <p:ph idx="1"/>
+          </p:nvPr>
+        </p:nvSpPr>
+        <p:spPr/>
+        <p:txBody>
+          <a:bodyPr/>
+          <a:lstStyle/>
+          <a:p>
+            <a:r>
+              <a:rPr lang="en-US" altLang="ko-KR" sz="2400" b="1" i="1" dirty="0"/>
+              <a:t>for</a:t>
+            </a:r>
+            <a:r>
+              <a:rPr lang="en-US" altLang="ko-KR" sz="2400" b="1" dirty="0"/>
+              <a:t> Statement</a:t>
+            </a:r>
+          </a:p>
+          <a:p>
+            <a:pPr lvl="1"/>
+            <a:r>
+              <a:rPr lang="en-US" altLang="ko-KR" sz="2400" dirty="0"/>
+              <a:t>for</a:t>
+            </a:r>
+          </a:p>
+          <a:p>
+            <a:pPr lvl="2"/>
+            <a:r>
+              <a:rPr lang="en-US" altLang="ko-KR" sz="2000" dirty="0"/>
+              <a:t>Control Flow in </a:t>
+            </a:r>
+            <a:r>
+              <a:rPr lang="en-US" altLang="ko-KR" sz="2000" b="1" i="1" dirty="0"/>
+              <a:t>for</a:t>
+            </a:r>
+            <a:r>
+              <a:rPr lang="en-US" altLang="ko-KR" sz="2000" dirty="0"/>
+              <a:t> Statement</a:t>
+            </a:r>
+          </a:p>
+          <a:p>
+            <a:pPr lvl="2"/>
+            <a:r>
+              <a:rPr lang="en-US" altLang="ko-KR" sz="2000" dirty="0"/>
+              <a:t>Repetition Controls for </a:t>
+            </a:r>
+            <a:r>
+              <a:rPr lang="en-US" altLang="ko-KR" sz="2000" b="1" i="1" dirty="0" err="1"/>
+              <a:t>for</a:t>
+            </a:r>
+            <a:r>
+              <a:rPr lang="en-US" altLang="ko-KR" sz="2000" dirty="0"/>
+              <a:t> Statement</a:t>
+            </a:r>
+          </a:p>
+          <a:p>
+            <a:pPr lvl="2"/>
+            <a:r>
+              <a:rPr lang="en-US" altLang="ko-KR" sz="2000" b="1" i="1" dirty="0"/>
+              <a:t>break</a:t>
+            </a:r>
+            <a:r>
+              <a:rPr lang="en-US" altLang="ko-KR" sz="2000" dirty="0"/>
+              <a:t> Statement</a:t>
+            </a:r>
+          </a:p>
+          <a:p>
+            <a:pPr lvl="1"/>
+            <a:r>
+              <a:rPr lang="en-US" altLang="ko-KR" sz="2400" dirty="0"/>
+              <a:t>for-else</a:t>
+            </a:r>
+          </a:p>
+          <a:p>
+            <a:r>
+              <a:rPr lang="en-US" altLang="ko-KR" sz="2400" dirty="0"/>
+              <a:t>for-if</a:t>
+            </a:r>
+          </a:p>
+          <a:p>
+            <a:r>
+              <a:rPr lang="en-US" altLang="ko-KR" sz="2400" dirty="0"/>
+              <a:t>for-for (nested for)</a:t>
+            </a:r>
+          </a:p>
+          <a:p>
+            <a:r>
+              <a:rPr lang="en-US" altLang="ko-KR" sz="2400" b="1" i="1" dirty="0"/>
+              <a:t>continue/break/pass</a:t>
+            </a:r>
+            <a:r>
+              <a:rPr lang="en-US" altLang="ko-KR" sz="2400" b="1" dirty="0"/>
+              <a:t> Statement</a:t>
+            </a:r>
+            <a:endParaRPr lang="ko-KR" altLang="en-US" sz="2400" b="1" dirty="0"/>
+          </a:p>
+        </p:txBody>
+      </p:sp>
+      <p:sp>
+        <p:nvSpPr>
+          <p:cNvPr id="2" name="슬라이드 번호 개체 틀 1"/>
           <p:cNvSpPr>
             <a:spLocks noGrp="1"/>
           </p:cNvSpPr>
@@ -30024,7 +29987,7 @@
     </p:spTree>
     <p:extLst>
       <p:ext uri="{BB962C8B-B14F-4D97-AF65-F5344CB8AC3E}">
-        <p14:creationId xmlns:p14="http://schemas.microsoft.com/office/powerpoint/2010/main" val="1874469313"/>
+        <p14:creationId xmlns:p14="http://schemas.microsoft.com/office/powerpoint/2010/main" val="2315917843"/>
       </p:ext>
     </p:extLst>
   </p:cSld>
@@ -30170,1254 +30133,6 @@
 </file>
 
 <file path=ppt/slides/slide150.xml><?xml version="1.0" encoding="utf-8"?>
-<p:sld xmlns:a="http://schemas.openxmlformats.org/drawingml/2006/main" xmlns:r="http://schemas.openxmlformats.org/officeDocument/2006/relationships" xmlns:p="http://schemas.openxmlformats.org/presentationml/2006/main">
-  <p:cSld>
-    <p:spTree>
-      <p:nvGrpSpPr>
-        <p:cNvPr id="1" name=""/>
-        <p:cNvGrpSpPr/>
-        <p:nvPr/>
-      </p:nvGrpSpPr>
-      <p:grpSpPr>
-        <a:xfrm>
-          <a:off x="0" y="0"/>
-          <a:ext cx="0" cy="0"/>
-          <a:chOff x="0" y="0"/>
-          <a:chExt cx="0" cy="0"/>
-        </a:xfrm>
-      </p:grpSpPr>
-      <p:sp>
-        <p:nvSpPr>
-          <p:cNvPr id="2" name="제목 1"/>
-          <p:cNvSpPr>
-            <a:spLocks noGrp="1"/>
-          </p:cNvSpPr>
-          <p:nvPr>
-            <p:ph type="title"/>
-          </p:nvPr>
-        </p:nvSpPr>
-        <p:spPr/>
-        <p:txBody>
-          <a:bodyPr/>
-          <a:lstStyle/>
-          <a:p>
-            <a:r>
-              <a:rPr lang="en-US" altLang="ko-KR" dirty="0"/>
-              <a:t>Example: </a:t>
-            </a:r>
-            <a:r>
-              <a:rPr lang="en-US" altLang="ko-KR" b="1" i="1" dirty="0"/>
-              <a:t>continue</a:t>
-            </a:r>
-            <a:endParaRPr lang="ko-KR" altLang="en-US" b="1" i="1" dirty="0"/>
-          </a:p>
-        </p:txBody>
-      </p:sp>
-      <p:sp>
-        <p:nvSpPr>
-          <p:cNvPr id="3" name="내용 개체 틀 2"/>
-          <p:cNvSpPr>
-            <a:spLocks noGrp="1"/>
-          </p:cNvSpPr>
-          <p:nvPr>
-            <p:ph idx="1"/>
-          </p:nvPr>
-        </p:nvSpPr>
-        <p:spPr/>
-        <p:txBody>
-          <a:bodyPr>
-            <a:normAutofit/>
-          </a:bodyPr>
-          <a:lstStyle/>
-          <a:p>
-            <a:pPr marL="0" indent="0">
-              <a:buNone/>
-            </a:pPr>
-            <a:r>
-              <a:rPr lang="en-US" altLang="ko-KR" dirty="0"/>
-              <a:t>while True:</a:t>
-            </a:r>
-          </a:p>
-          <a:p>
-            <a:pPr marL="0" indent="0">
-              <a:buNone/>
-            </a:pPr>
-            <a:r>
-              <a:rPr lang="en-US" altLang="ko-KR" dirty="0"/>
-              <a:t>    s = input('Enter something: ')</a:t>
-            </a:r>
-          </a:p>
-          <a:p>
-            <a:pPr marL="0" indent="0">
-              <a:buNone/>
-            </a:pPr>
-            <a:r>
-              <a:rPr lang="en-US" altLang="ko-KR" dirty="0"/>
-              <a:t>    if s == 'quit':</a:t>
-            </a:r>
-          </a:p>
-          <a:p>
-            <a:pPr marL="0" indent="0">
-              <a:buNone/>
-            </a:pPr>
-            <a:r>
-              <a:rPr lang="en-US" altLang="ko-KR" dirty="0"/>
-              <a:t>        break</a:t>
-            </a:r>
-          </a:p>
-          <a:p>
-            <a:pPr marL="0" indent="0">
-              <a:buNone/>
-            </a:pPr>
-            <a:r>
-              <a:rPr lang="en-US" altLang="ko-KR" dirty="0"/>
-              <a:t>    if </a:t>
-            </a:r>
-            <a:r>
-              <a:rPr lang="en-US" altLang="ko-KR" dirty="0" err="1"/>
-              <a:t>len</a:t>
-            </a:r>
-            <a:r>
-              <a:rPr lang="en-US" altLang="ko-KR" dirty="0"/>
-              <a:t>(s) &lt; 3:</a:t>
-            </a:r>
-          </a:p>
-          <a:p>
-            <a:pPr marL="0" indent="0">
-              <a:buNone/>
-            </a:pPr>
-            <a:r>
-              <a:rPr lang="en-US" altLang="ko-KR" dirty="0"/>
-              <a:t>        print('Too small')</a:t>
-            </a:r>
-          </a:p>
-          <a:p>
-            <a:pPr marL="0" indent="0">
-              <a:buNone/>
-            </a:pPr>
-            <a:r>
-              <a:rPr lang="en-US" altLang="ko-KR" dirty="0"/>
-              <a:t>        continue</a:t>
-            </a:r>
-          </a:p>
-          <a:p>
-            <a:pPr marL="0" indent="0">
-              <a:buNone/>
-            </a:pPr>
-            <a:r>
-              <a:rPr lang="en-US" altLang="ko-KR" dirty="0"/>
-              <a:t>    print('Input is of sufficient length')</a:t>
-            </a:r>
-          </a:p>
-        </p:txBody>
-      </p:sp>
-      <p:sp>
-        <p:nvSpPr>
-          <p:cNvPr id="4" name="슬라이드 번호 개체 틀 3"/>
-          <p:cNvSpPr>
-            <a:spLocks noGrp="1"/>
-          </p:cNvSpPr>
-          <p:nvPr>
-            <p:ph type="sldNum" sz="quarter" idx="12"/>
-          </p:nvPr>
-        </p:nvSpPr>
-        <p:spPr/>
-        <p:txBody>
-          <a:bodyPr/>
-          <a:lstStyle/>
-          <a:p>
-            <a:fld id="{D57F1E4F-1CFF-5643-939E-217C01CDF565}" type="slidenum">
-              <a:rPr lang="en-US" smtClean="0"/>
-              <a:pPr/>
-              <a:t>150</a:t>
-            </a:fld>
-            <a:endParaRPr lang="en-US" dirty="0"/>
-          </a:p>
-        </p:txBody>
-      </p:sp>
-    </p:spTree>
-    <p:extLst>
-      <p:ext uri="{BB962C8B-B14F-4D97-AF65-F5344CB8AC3E}">
-        <p14:creationId xmlns:p14="http://schemas.microsoft.com/office/powerpoint/2010/main" val="338441243"/>
-      </p:ext>
-    </p:extLst>
-  </p:cSld>
-  <p:clrMapOvr>
-    <a:masterClrMapping/>
-  </p:clrMapOvr>
-</p:sld>
-</file>
-
-<file path=ppt/slides/slide151.xml><?xml version="1.0" encoding="utf-8"?>
-<p:sld xmlns:a="http://schemas.openxmlformats.org/drawingml/2006/main" xmlns:r="http://schemas.openxmlformats.org/officeDocument/2006/relationships" xmlns:p="http://schemas.openxmlformats.org/presentationml/2006/main">
-  <p:cSld>
-    <p:spTree>
-      <p:nvGrpSpPr>
-        <p:cNvPr id="1" name=""/>
-        <p:cNvGrpSpPr/>
-        <p:nvPr/>
-      </p:nvGrpSpPr>
-      <p:grpSpPr>
-        <a:xfrm>
-          <a:off x="0" y="0"/>
-          <a:ext cx="0" cy="0"/>
-          <a:chOff x="0" y="0"/>
-          <a:chExt cx="0" cy="0"/>
-        </a:xfrm>
-      </p:grpSpPr>
-      <p:sp>
-        <p:nvSpPr>
-          <p:cNvPr id="2" name="제목 1"/>
-          <p:cNvSpPr>
-            <a:spLocks noGrp="1"/>
-          </p:cNvSpPr>
-          <p:nvPr>
-            <p:ph type="title"/>
-          </p:nvPr>
-        </p:nvSpPr>
-        <p:spPr/>
-        <p:txBody>
-          <a:bodyPr/>
-          <a:lstStyle/>
-          <a:p>
-            <a:r>
-              <a:rPr lang="en-US" altLang="ko-KR" dirty="0"/>
-              <a:t>Example: </a:t>
-            </a:r>
-            <a:r>
-              <a:rPr lang="en-US" altLang="ko-KR" b="1" i="1" dirty="0"/>
-              <a:t>continue</a:t>
-            </a:r>
-            <a:endParaRPr lang="ko-KR" altLang="en-US" b="1" i="1" dirty="0"/>
-          </a:p>
-        </p:txBody>
-      </p:sp>
-      <p:sp>
-        <p:nvSpPr>
-          <p:cNvPr id="3" name="내용 개체 틀 2"/>
-          <p:cNvSpPr>
-            <a:spLocks noGrp="1"/>
-          </p:cNvSpPr>
-          <p:nvPr>
-            <p:ph idx="1"/>
-          </p:nvPr>
-        </p:nvSpPr>
-        <p:spPr/>
-        <p:txBody>
-          <a:bodyPr>
-            <a:normAutofit/>
-          </a:bodyPr>
-          <a:lstStyle/>
-          <a:p>
-            <a:pPr marL="0" indent="0">
-              <a:buNone/>
-            </a:pPr>
-            <a:r>
-              <a:rPr lang="en-US" altLang="ko-KR" dirty="0"/>
-              <a:t>while True:</a:t>
-            </a:r>
-          </a:p>
-          <a:p>
-            <a:pPr marL="0" indent="0">
-              <a:buNone/>
-            </a:pPr>
-            <a:r>
-              <a:rPr lang="en-US" altLang="ko-KR" dirty="0"/>
-              <a:t>    s = input('Enter something: ')</a:t>
-            </a:r>
-          </a:p>
-          <a:p>
-            <a:pPr marL="0" indent="0">
-              <a:buNone/>
-            </a:pPr>
-            <a:r>
-              <a:rPr lang="en-US" altLang="ko-KR" dirty="0"/>
-              <a:t>    if s == 'quit':</a:t>
-            </a:r>
-          </a:p>
-          <a:p>
-            <a:pPr marL="0" indent="0">
-              <a:buNone/>
-            </a:pPr>
-            <a:r>
-              <a:rPr lang="en-US" altLang="ko-KR" dirty="0"/>
-              <a:t>        break</a:t>
-            </a:r>
-          </a:p>
-          <a:p>
-            <a:pPr marL="0" indent="0">
-              <a:buNone/>
-            </a:pPr>
-            <a:r>
-              <a:rPr lang="en-US" altLang="ko-KR" dirty="0"/>
-              <a:t>    if </a:t>
-            </a:r>
-            <a:r>
-              <a:rPr lang="en-US" altLang="ko-KR" dirty="0" err="1"/>
-              <a:t>len</a:t>
-            </a:r>
-            <a:r>
-              <a:rPr lang="en-US" altLang="ko-KR" dirty="0"/>
-              <a:t>(s) &lt; 3:</a:t>
-            </a:r>
-          </a:p>
-          <a:p>
-            <a:pPr marL="0" indent="0">
-              <a:buNone/>
-            </a:pPr>
-            <a:r>
-              <a:rPr lang="en-US" altLang="ko-KR" dirty="0"/>
-              <a:t>        print('Too small')</a:t>
-            </a:r>
-          </a:p>
-          <a:p>
-            <a:pPr marL="0" indent="0">
-              <a:buNone/>
-            </a:pPr>
-            <a:r>
-              <a:rPr lang="en-US" altLang="ko-KR" dirty="0"/>
-              <a:t>    else:</a:t>
-            </a:r>
-          </a:p>
-          <a:p>
-            <a:pPr marL="0" indent="0">
-              <a:buNone/>
-            </a:pPr>
-            <a:r>
-              <a:rPr lang="en-US" altLang="ko-KR" dirty="0"/>
-              <a:t>        print('Input is of sufficient length')</a:t>
-            </a:r>
-          </a:p>
-        </p:txBody>
-      </p:sp>
-      <p:sp>
-        <p:nvSpPr>
-          <p:cNvPr id="4" name="슬라이드 번호 개체 틀 3"/>
-          <p:cNvSpPr>
-            <a:spLocks noGrp="1"/>
-          </p:cNvSpPr>
-          <p:nvPr>
-            <p:ph type="sldNum" sz="quarter" idx="12"/>
-          </p:nvPr>
-        </p:nvSpPr>
-        <p:spPr/>
-        <p:txBody>
-          <a:bodyPr/>
-          <a:lstStyle/>
-          <a:p>
-            <a:fld id="{D57F1E4F-1CFF-5643-939E-217C01CDF565}" type="slidenum">
-              <a:rPr lang="en-US" smtClean="0"/>
-              <a:pPr/>
-              <a:t>151</a:t>
-            </a:fld>
-            <a:endParaRPr lang="en-US" dirty="0"/>
-          </a:p>
-        </p:txBody>
-      </p:sp>
-    </p:spTree>
-    <p:extLst>
-      <p:ext uri="{BB962C8B-B14F-4D97-AF65-F5344CB8AC3E}">
-        <p14:creationId xmlns:p14="http://schemas.microsoft.com/office/powerpoint/2010/main" val="2246895733"/>
-      </p:ext>
-    </p:extLst>
-  </p:cSld>
-  <p:clrMapOvr>
-    <a:masterClrMapping/>
-  </p:clrMapOvr>
-</p:sld>
-</file>
-
-<file path=ppt/slides/slide152.xml><?xml version="1.0" encoding="utf-8"?>
-<p:sld xmlns:a="http://schemas.openxmlformats.org/drawingml/2006/main" xmlns:r="http://schemas.openxmlformats.org/officeDocument/2006/relationships" xmlns:p="http://schemas.openxmlformats.org/presentationml/2006/main">
-  <p:cSld>
-    <p:spTree>
-      <p:nvGrpSpPr>
-        <p:cNvPr id="1" name=""/>
-        <p:cNvGrpSpPr/>
-        <p:nvPr/>
-      </p:nvGrpSpPr>
-      <p:grpSpPr>
-        <a:xfrm>
-          <a:off x="0" y="0"/>
-          <a:ext cx="0" cy="0"/>
-          <a:chOff x="0" y="0"/>
-          <a:chExt cx="0" cy="0"/>
-        </a:xfrm>
-      </p:grpSpPr>
-      <p:sp>
-        <p:nvSpPr>
-          <p:cNvPr id="2" name="제목 1"/>
-          <p:cNvSpPr>
-            <a:spLocks noGrp="1"/>
-          </p:cNvSpPr>
-          <p:nvPr>
-            <p:ph type="title"/>
-          </p:nvPr>
-        </p:nvSpPr>
-        <p:spPr/>
-        <p:txBody>
-          <a:bodyPr/>
-          <a:lstStyle/>
-          <a:p>
-            <a:r>
-              <a:rPr lang="en-US" altLang="ko-KR" dirty="0"/>
-              <a:t>Example: </a:t>
-            </a:r>
-            <a:r>
-              <a:rPr lang="en-US" altLang="ko-KR" b="1" i="1" dirty="0"/>
-              <a:t>continue</a:t>
-            </a:r>
-            <a:endParaRPr lang="ko-KR" altLang="en-US" b="1" i="1" dirty="0"/>
-          </a:p>
-        </p:txBody>
-      </p:sp>
-      <p:sp>
-        <p:nvSpPr>
-          <p:cNvPr id="3" name="내용 개체 틀 2"/>
-          <p:cNvSpPr>
-            <a:spLocks noGrp="1"/>
-          </p:cNvSpPr>
-          <p:nvPr>
-            <p:ph sz="half" idx="1"/>
-          </p:nvPr>
-        </p:nvSpPr>
-        <p:spPr/>
-        <p:txBody>
-          <a:bodyPr>
-            <a:normAutofit fontScale="92500" lnSpcReduction="20000"/>
-          </a:bodyPr>
-          <a:lstStyle/>
-          <a:p>
-            <a:pPr marL="0" indent="0">
-              <a:buNone/>
-            </a:pPr>
-            <a:r>
-              <a:rPr lang="en-US" altLang="ko-KR" dirty="0"/>
-              <a:t>while True:</a:t>
-            </a:r>
-          </a:p>
-          <a:p>
-            <a:pPr marL="0" indent="0">
-              <a:buNone/>
-            </a:pPr>
-            <a:r>
-              <a:rPr lang="en-US" altLang="ko-KR" dirty="0"/>
-              <a:t>    s = input('Enter something: ')</a:t>
-            </a:r>
-          </a:p>
-          <a:p>
-            <a:pPr marL="0" indent="0">
-              <a:buNone/>
-            </a:pPr>
-            <a:r>
-              <a:rPr lang="en-US" altLang="ko-KR" dirty="0"/>
-              <a:t>    if s == 'quit':</a:t>
-            </a:r>
-          </a:p>
-          <a:p>
-            <a:pPr marL="0" indent="0">
-              <a:buNone/>
-            </a:pPr>
-            <a:r>
-              <a:rPr lang="en-US" altLang="ko-KR" dirty="0"/>
-              <a:t>        break</a:t>
-            </a:r>
-          </a:p>
-          <a:p>
-            <a:pPr marL="0" indent="0">
-              <a:buNone/>
-            </a:pPr>
-            <a:r>
-              <a:rPr lang="en-US" altLang="ko-KR" dirty="0"/>
-              <a:t>    if </a:t>
-            </a:r>
-            <a:r>
-              <a:rPr lang="en-US" altLang="ko-KR" dirty="0" err="1"/>
-              <a:t>len</a:t>
-            </a:r>
-            <a:r>
-              <a:rPr lang="en-US" altLang="ko-KR" dirty="0"/>
-              <a:t>(s) &lt; 3:</a:t>
-            </a:r>
-          </a:p>
-          <a:p>
-            <a:pPr marL="0" indent="0">
-              <a:buNone/>
-            </a:pPr>
-            <a:r>
-              <a:rPr lang="en-US" altLang="ko-KR" dirty="0"/>
-              <a:t>        print('Too small')</a:t>
-            </a:r>
-          </a:p>
-          <a:p>
-            <a:pPr marL="0" indent="0">
-              <a:buNone/>
-            </a:pPr>
-            <a:r>
-              <a:rPr lang="en-US" altLang="ko-KR" dirty="0"/>
-              <a:t>        </a:t>
-            </a:r>
-            <a:r>
-              <a:rPr lang="en-US" altLang="ko-KR" b="1" dirty="0">
-                <a:solidFill>
-                  <a:srgbClr val="0070C0"/>
-                </a:solidFill>
-              </a:rPr>
-              <a:t>continue</a:t>
-            </a:r>
-          </a:p>
-          <a:p>
-            <a:pPr marL="0" indent="0">
-              <a:buNone/>
-            </a:pPr>
-            <a:r>
-              <a:rPr lang="en-US" altLang="ko-KR" dirty="0"/>
-              <a:t>    print('Input is of sufficient length')</a:t>
-            </a:r>
-          </a:p>
-        </p:txBody>
-      </p:sp>
-      <p:sp>
-        <p:nvSpPr>
-          <p:cNvPr id="5" name="내용 개체 틀 4"/>
-          <p:cNvSpPr>
-            <a:spLocks noGrp="1"/>
-          </p:cNvSpPr>
-          <p:nvPr>
-            <p:ph sz="half" idx="2"/>
-          </p:nvPr>
-        </p:nvSpPr>
-        <p:spPr>
-          <a:xfrm>
-            <a:off x="6410716" y="2076451"/>
-            <a:ext cx="5458555" cy="3622672"/>
-          </a:xfrm>
-        </p:spPr>
-        <p:txBody>
-          <a:bodyPr>
-            <a:normAutofit fontScale="92500" lnSpcReduction="20000"/>
-          </a:bodyPr>
-          <a:lstStyle/>
-          <a:p>
-            <a:pPr marL="0" indent="0">
-              <a:buNone/>
-            </a:pPr>
-            <a:r>
-              <a:rPr lang="en-US" altLang="ko-KR" dirty="0"/>
-              <a:t>while True:</a:t>
-            </a:r>
-          </a:p>
-          <a:p>
-            <a:pPr marL="0" indent="0">
-              <a:buNone/>
-            </a:pPr>
-            <a:r>
-              <a:rPr lang="en-US" altLang="ko-KR" dirty="0"/>
-              <a:t>    s = input('Enter something: ')</a:t>
-            </a:r>
-          </a:p>
-          <a:p>
-            <a:pPr marL="0" indent="0">
-              <a:buNone/>
-            </a:pPr>
-            <a:r>
-              <a:rPr lang="en-US" altLang="ko-KR" dirty="0"/>
-              <a:t>    if s == 'quit':</a:t>
-            </a:r>
-          </a:p>
-          <a:p>
-            <a:pPr marL="0" indent="0">
-              <a:buNone/>
-            </a:pPr>
-            <a:r>
-              <a:rPr lang="en-US" altLang="ko-KR" dirty="0"/>
-              <a:t>        break</a:t>
-            </a:r>
-          </a:p>
-          <a:p>
-            <a:pPr marL="0" indent="0">
-              <a:buNone/>
-            </a:pPr>
-            <a:r>
-              <a:rPr lang="en-US" altLang="ko-KR" dirty="0"/>
-              <a:t>    if </a:t>
-            </a:r>
-            <a:r>
-              <a:rPr lang="en-US" altLang="ko-KR" dirty="0" err="1"/>
-              <a:t>len</a:t>
-            </a:r>
-            <a:r>
-              <a:rPr lang="en-US" altLang="ko-KR" dirty="0"/>
-              <a:t>(s) &lt; 3:</a:t>
-            </a:r>
-          </a:p>
-          <a:p>
-            <a:pPr marL="0" indent="0">
-              <a:buNone/>
-            </a:pPr>
-            <a:r>
-              <a:rPr lang="en-US" altLang="ko-KR" dirty="0"/>
-              <a:t>        print('Too small')</a:t>
-            </a:r>
-          </a:p>
-          <a:p>
-            <a:pPr marL="0" indent="0">
-              <a:buNone/>
-            </a:pPr>
-            <a:r>
-              <a:rPr lang="en-US" altLang="ko-KR" dirty="0"/>
-              <a:t>    </a:t>
-            </a:r>
-            <a:r>
-              <a:rPr lang="en-US" altLang="ko-KR" b="1" dirty="0">
-                <a:solidFill>
-                  <a:srgbClr val="0070C0"/>
-                </a:solidFill>
-              </a:rPr>
-              <a:t>else:</a:t>
-            </a:r>
-          </a:p>
-          <a:p>
-            <a:pPr marL="0" indent="0">
-              <a:buNone/>
-            </a:pPr>
-            <a:r>
-              <a:rPr lang="en-US" altLang="ko-KR" dirty="0"/>
-              <a:t>        print('Input is of sufficient length')</a:t>
-            </a:r>
-            <a:endParaRPr lang="ko-KR" altLang="en-US" dirty="0"/>
-          </a:p>
-        </p:txBody>
-      </p:sp>
-      <p:sp>
-        <p:nvSpPr>
-          <p:cNvPr id="4" name="슬라이드 번호 개체 틀 3"/>
-          <p:cNvSpPr>
-            <a:spLocks noGrp="1"/>
-          </p:cNvSpPr>
-          <p:nvPr>
-            <p:ph type="sldNum" sz="quarter" idx="12"/>
-          </p:nvPr>
-        </p:nvSpPr>
-        <p:spPr/>
-        <p:txBody>
-          <a:bodyPr/>
-          <a:lstStyle/>
-          <a:p>
-            <a:fld id="{D57F1E4F-1CFF-5643-939E-217C01CDF565}" type="slidenum">
-              <a:rPr lang="en-US" smtClean="0"/>
-              <a:pPr/>
-              <a:t>152</a:t>
-            </a:fld>
-            <a:endParaRPr lang="en-US" dirty="0"/>
-          </a:p>
-        </p:txBody>
-      </p:sp>
-      <p:sp>
-        <p:nvSpPr>
-          <p:cNvPr id="6" name="직사각형 5"/>
-          <p:cNvSpPr/>
-          <p:nvPr/>
-        </p:nvSpPr>
-        <p:spPr>
-          <a:xfrm>
-            <a:off x="6878419" y="5147936"/>
-            <a:ext cx="242462" cy="288032"/>
-          </a:xfrm>
-          <a:prstGeom prst="rect">
-            <a:avLst/>
-          </a:prstGeom>
-          <a:noFill/>
-          <a:ln w="28575">
-            <a:solidFill>
-              <a:srgbClr val="0070C0"/>
-            </a:solidFill>
-          </a:ln>
-        </p:spPr>
-        <p:style>
-          <a:lnRef idx="2">
-            <a:schemeClr val="accent1">
-              <a:shade val="50000"/>
-            </a:schemeClr>
-          </a:lnRef>
-          <a:fillRef idx="1">
-            <a:schemeClr val="accent1"/>
-          </a:fillRef>
-          <a:effectRef idx="0">
-            <a:schemeClr val="accent1"/>
-          </a:effectRef>
-          <a:fontRef idx="minor">
-            <a:schemeClr val="lt1"/>
-          </a:fontRef>
-        </p:style>
-        <p:txBody>
-          <a:bodyPr rtlCol="0" anchor="ctr"/>
-          <a:lstStyle/>
-          <a:p>
-            <a:pPr algn="ctr"/>
-            <a:endParaRPr lang="ko-KR" altLang="en-US"/>
-          </a:p>
-        </p:txBody>
-      </p:sp>
-    </p:spTree>
-    <p:extLst>
-      <p:ext uri="{BB962C8B-B14F-4D97-AF65-F5344CB8AC3E}">
-        <p14:creationId xmlns:p14="http://schemas.microsoft.com/office/powerpoint/2010/main" val="1015908990"/>
-      </p:ext>
-    </p:extLst>
-  </p:cSld>
-  <p:clrMapOvr>
-    <a:masterClrMapping/>
-  </p:clrMapOvr>
-</p:sld>
-</file>
-
-<file path=ppt/slides/slide153.xml><?xml version="1.0" encoding="utf-8"?>
-<p:sld xmlns:a="http://schemas.openxmlformats.org/drawingml/2006/main" xmlns:r="http://schemas.openxmlformats.org/officeDocument/2006/relationships" xmlns:p="http://schemas.openxmlformats.org/presentationml/2006/main">
-  <p:cSld>
-    <p:spTree>
-      <p:nvGrpSpPr>
-        <p:cNvPr id="1" name=""/>
-        <p:cNvGrpSpPr/>
-        <p:nvPr/>
-      </p:nvGrpSpPr>
-      <p:grpSpPr>
-        <a:xfrm>
-          <a:off x="0" y="0"/>
-          <a:ext cx="0" cy="0"/>
-          <a:chOff x="0" y="0"/>
-          <a:chExt cx="0" cy="0"/>
-        </a:xfrm>
-      </p:grpSpPr>
-      <p:sp>
-        <p:nvSpPr>
-          <p:cNvPr id="2" name="제목 1"/>
-          <p:cNvSpPr>
-            <a:spLocks noGrp="1"/>
-          </p:cNvSpPr>
-          <p:nvPr>
-            <p:ph type="title"/>
-          </p:nvPr>
-        </p:nvSpPr>
-        <p:spPr/>
-        <p:txBody>
-          <a:bodyPr/>
-          <a:lstStyle/>
-          <a:p>
-            <a:r>
-              <a:rPr lang="en-US" altLang="ko-KR" dirty="0"/>
-              <a:t>Example: </a:t>
-            </a:r>
-            <a:r>
-              <a:rPr lang="en-US" altLang="ko-KR" b="1" i="1" dirty="0"/>
-              <a:t>continue</a:t>
-            </a:r>
-            <a:endParaRPr lang="ko-KR" altLang="en-US" b="1" i="1" dirty="0"/>
-          </a:p>
-        </p:txBody>
-      </p:sp>
-      <p:sp>
-        <p:nvSpPr>
-          <p:cNvPr id="3" name="내용 개체 틀 2"/>
-          <p:cNvSpPr>
-            <a:spLocks noGrp="1"/>
-          </p:cNvSpPr>
-          <p:nvPr>
-            <p:ph sz="half" idx="1"/>
-          </p:nvPr>
-        </p:nvSpPr>
-        <p:spPr/>
-        <p:txBody>
-          <a:bodyPr>
-            <a:normAutofit fontScale="92500" lnSpcReduction="20000"/>
-          </a:bodyPr>
-          <a:lstStyle/>
-          <a:p>
-            <a:pPr marL="0" indent="0">
-              <a:buNone/>
-            </a:pPr>
-            <a:r>
-              <a:rPr lang="en-US" altLang="ko-KR" dirty="0"/>
-              <a:t>while True:</a:t>
-            </a:r>
-          </a:p>
-          <a:p>
-            <a:pPr marL="0" indent="0">
-              <a:buNone/>
-            </a:pPr>
-            <a:r>
-              <a:rPr lang="en-US" altLang="ko-KR" dirty="0"/>
-              <a:t>    s = input('Enter something: ')</a:t>
-            </a:r>
-          </a:p>
-          <a:p>
-            <a:pPr marL="0" indent="0">
-              <a:buNone/>
-            </a:pPr>
-            <a:r>
-              <a:rPr lang="en-US" altLang="ko-KR" dirty="0"/>
-              <a:t>    if s == 'quit':</a:t>
-            </a:r>
-          </a:p>
-          <a:p>
-            <a:pPr marL="0" indent="0">
-              <a:buNone/>
-            </a:pPr>
-            <a:r>
-              <a:rPr lang="en-US" altLang="ko-KR" dirty="0"/>
-              <a:t>        break</a:t>
-            </a:r>
-          </a:p>
-          <a:p>
-            <a:pPr marL="0" indent="0">
-              <a:buNone/>
-            </a:pPr>
-            <a:r>
-              <a:rPr lang="en-US" altLang="ko-KR" dirty="0"/>
-              <a:t>    if </a:t>
-            </a:r>
-            <a:r>
-              <a:rPr lang="en-US" altLang="ko-KR" dirty="0" err="1"/>
-              <a:t>len</a:t>
-            </a:r>
-            <a:r>
-              <a:rPr lang="en-US" altLang="ko-KR" dirty="0"/>
-              <a:t>(s) &lt; 3:</a:t>
-            </a:r>
-          </a:p>
-          <a:p>
-            <a:pPr marL="0" indent="0">
-              <a:buNone/>
-            </a:pPr>
-            <a:r>
-              <a:rPr lang="en-US" altLang="ko-KR" dirty="0"/>
-              <a:t>        print('Too small')</a:t>
-            </a:r>
-          </a:p>
-          <a:p>
-            <a:pPr marL="0" indent="0">
-              <a:buNone/>
-            </a:pPr>
-            <a:r>
-              <a:rPr lang="en-US" altLang="ko-KR" dirty="0"/>
-              <a:t>        </a:t>
-            </a:r>
-            <a:r>
-              <a:rPr lang="en-US" altLang="ko-KR" b="1" dirty="0">
-                <a:solidFill>
-                  <a:srgbClr val="0070C0"/>
-                </a:solidFill>
-              </a:rPr>
-              <a:t>continue</a:t>
-            </a:r>
-          </a:p>
-          <a:p>
-            <a:pPr marL="0" indent="0">
-              <a:buNone/>
-            </a:pPr>
-            <a:r>
-              <a:rPr lang="en-US" altLang="ko-KR" dirty="0"/>
-              <a:t>    print('Input is of sufficient length')</a:t>
-            </a:r>
-          </a:p>
-        </p:txBody>
-      </p:sp>
-      <p:sp>
-        <p:nvSpPr>
-          <p:cNvPr id="5" name="내용 개체 틀 4"/>
-          <p:cNvSpPr>
-            <a:spLocks noGrp="1"/>
-          </p:cNvSpPr>
-          <p:nvPr>
-            <p:ph sz="half" idx="2"/>
-          </p:nvPr>
-        </p:nvSpPr>
-        <p:spPr>
-          <a:xfrm>
-            <a:off x="6410716" y="2076451"/>
-            <a:ext cx="5324084" cy="3622670"/>
-          </a:xfrm>
-          <a:ln w="38100">
-            <a:solidFill>
-              <a:srgbClr val="FF0000"/>
-            </a:solidFill>
-          </a:ln>
-        </p:spPr>
-        <p:txBody>
-          <a:bodyPr>
-            <a:normAutofit fontScale="92500" lnSpcReduction="20000"/>
-          </a:bodyPr>
-          <a:lstStyle/>
-          <a:p>
-            <a:pPr marL="0" indent="0">
-              <a:buNone/>
-            </a:pPr>
-            <a:r>
-              <a:rPr lang="en-US" altLang="ko-KR" dirty="0"/>
-              <a:t>while True:</a:t>
-            </a:r>
-          </a:p>
-          <a:p>
-            <a:pPr marL="0" indent="0">
-              <a:buNone/>
-            </a:pPr>
-            <a:r>
-              <a:rPr lang="en-US" altLang="ko-KR" dirty="0"/>
-              <a:t>    s = input('Enter something: ')</a:t>
-            </a:r>
-          </a:p>
-          <a:p>
-            <a:pPr marL="0" indent="0">
-              <a:buNone/>
-            </a:pPr>
-            <a:r>
-              <a:rPr lang="en-US" altLang="ko-KR" dirty="0"/>
-              <a:t>    if s == 'quit':</a:t>
-            </a:r>
-          </a:p>
-          <a:p>
-            <a:pPr marL="0" indent="0">
-              <a:buNone/>
-            </a:pPr>
-            <a:r>
-              <a:rPr lang="en-US" altLang="ko-KR" dirty="0"/>
-              <a:t>        break</a:t>
-            </a:r>
-          </a:p>
-          <a:p>
-            <a:pPr marL="0" indent="0">
-              <a:buNone/>
-            </a:pPr>
-            <a:r>
-              <a:rPr lang="en-US" altLang="ko-KR" dirty="0"/>
-              <a:t>    if </a:t>
-            </a:r>
-            <a:r>
-              <a:rPr lang="en-US" altLang="ko-KR" dirty="0" err="1"/>
-              <a:t>len</a:t>
-            </a:r>
-            <a:r>
-              <a:rPr lang="en-US" altLang="ko-KR" dirty="0"/>
-              <a:t>(s) &lt; 3:</a:t>
-            </a:r>
-          </a:p>
-          <a:p>
-            <a:pPr marL="0" indent="0">
-              <a:buNone/>
-            </a:pPr>
-            <a:r>
-              <a:rPr lang="en-US" altLang="ko-KR" dirty="0"/>
-              <a:t>        print('Too small')</a:t>
-            </a:r>
-          </a:p>
-          <a:p>
-            <a:pPr marL="0" indent="0">
-              <a:buNone/>
-            </a:pPr>
-            <a:r>
-              <a:rPr lang="en-US" altLang="ko-KR" dirty="0"/>
-              <a:t>    </a:t>
-            </a:r>
-            <a:r>
-              <a:rPr lang="en-US" altLang="ko-KR" b="1" dirty="0">
-                <a:solidFill>
-                  <a:srgbClr val="0070C0"/>
-                </a:solidFill>
-              </a:rPr>
-              <a:t>else:</a:t>
-            </a:r>
-          </a:p>
-          <a:p>
-            <a:pPr marL="0" indent="0">
-              <a:buNone/>
-            </a:pPr>
-            <a:r>
-              <a:rPr lang="en-US" altLang="ko-KR" dirty="0"/>
-              <a:t>        print('Input is of sufficient length')</a:t>
-            </a:r>
-            <a:endParaRPr lang="ko-KR" altLang="en-US" dirty="0"/>
-          </a:p>
-        </p:txBody>
-      </p:sp>
-      <p:sp>
-        <p:nvSpPr>
-          <p:cNvPr id="4" name="슬라이드 번호 개체 틀 3"/>
-          <p:cNvSpPr>
-            <a:spLocks noGrp="1"/>
-          </p:cNvSpPr>
-          <p:nvPr>
-            <p:ph type="sldNum" sz="quarter" idx="12"/>
-          </p:nvPr>
-        </p:nvSpPr>
-        <p:spPr/>
-        <p:txBody>
-          <a:bodyPr/>
-          <a:lstStyle/>
-          <a:p>
-            <a:fld id="{D57F1E4F-1CFF-5643-939E-217C01CDF565}" type="slidenum">
-              <a:rPr lang="en-US" smtClean="0"/>
-              <a:pPr/>
-              <a:t>153</a:t>
-            </a:fld>
-            <a:endParaRPr lang="en-US" dirty="0"/>
-          </a:p>
-        </p:txBody>
-      </p:sp>
-      <p:sp>
-        <p:nvSpPr>
-          <p:cNvPr id="8" name="직사각형 7">
-            <a:extLst>
-              <a:ext uri="{FF2B5EF4-FFF2-40B4-BE49-F238E27FC236}">
-                <a16:creationId xmlns:a16="http://schemas.microsoft.com/office/drawing/2014/main" id="{05FB3CD6-6D1B-4F7D-916F-96988ADE436F}"/>
-              </a:ext>
-            </a:extLst>
-          </p:cNvPr>
-          <p:cNvSpPr/>
-          <p:nvPr/>
-        </p:nvSpPr>
-        <p:spPr>
-          <a:xfrm>
-            <a:off x="6887382" y="5112078"/>
-            <a:ext cx="242462" cy="288032"/>
-          </a:xfrm>
-          <a:prstGeom prst="rect">
-            <a:avLst/>
-          </a:prstGeom>
-          <a:noFill/>
-          <a:ln w="28575">
-            <a:solidFill>
-              <a:srgbClr val="0070C0"/>
-            </a:solidFill>
-          </a:ln>
-        </p:spPr>
-        <p:style>
-          <a:lnRef idx="2">
-            <a:schemeClr val="accent1">
-              <a:shade val="50000"/>
-            </a:schemeClr>
-          </a:lnRef>
-          <a:fillRef idx="1">
-            <a:schemeClr val="accent1"/>
-          </a:fillRef>
-          <a:effectRef idx="0">
-            <a:schemeClr val="accent1"/>
-          </a:effectRef>
-          <a:fontRef idx="minor">
-            <a:schemeClr val="lt1"/>
-          </a:fontRef>
-        </p:style>
-        <p:txBody>
-          <a:bodyPr rtlCol="0" anchor="ctr"/>
-          <a:lstStyle/>
-          <a:p>
-            <a:pPr algn="ctr"/>
-            <a:endParaRPr lang="ko-KR" altLang="en-US"/>
-          </a:p>
-        </p:txBody>
-      </p:sp>
-    </p:spTree>
-    <p:extLst>
-      <p:ext uri="{BB962C8B-B14F-4D97-AF65-F5344CB8AC3E}">
-        <p14:creationId xmlns:p14="http://schemas.microsoft.com/office/powerpoint/2010/main" val="2342731878"/>
-      </p:ext>
-    </p:extLst>
-  </p:cSld>
-  <p:clrMapOvr>
-    <a:masterClrMapping/>
-  </p:clrMapOvr>
-</p:sld>
-</file>
-
-<file path=ppt/slides/slide154.xml><?xml version="1.0" encoding="utf-8"?>
-<p:sld xmlns:a="http://schemas.openxmlformats.org/drawingml/2006/main" xmlns:r="http://schemas.openxmlformats.org/officeDocument/2006/relationships" xmlns:p="http://schemas.openxmlformats.org/presentationml/2006/main">
-  <p:cSld>
-    <p:spTree>
-      <p:nvGrpSpPr>
-        <p:cNvPr id="1" name=""/>
-        <p:cNvGrpSpPr/>
-        <p:nvPr/>
-      </p:nvGrpSpPr>
-      <p:grpSpPr>
-        <a:xfrm>
-          <a:off x="0" y="0"/>
-          <a:ext cx="0" cy="0"/>
-          <a:chOff x="0" y="0"/>
-          <a:chExt cx="0" cy="0"/>
-        </a:xfrm>
-      </p:grpSpPr>
-      <p:sp>
-        <p:nvSpPr>
-          <p:cNvPr id="5" name="제목 4"/>
-          <p:cNvSpPr>
-            <a:spLocks noGrp="1"/>
-          </p:cNvSpPr>
-          <p:nvPr>
-            <p:ph type="title"/>
-          </p:nvPr>
-        </p:nvSpPr>
-        <p:spPr/>
-        <p:txBody>
-          <a:bodyPr/>
-          <a:lstStyle/>
-          <a:p>
-            <a:r>
-              <a:rPr lang="en-GB" altLang="ko-KR"/>
-              <a:t>Summary</a:t>
-            </a:r>
-            <a:endParaRPr lang="ko-KR" altLang="en-US" dirty="0"/>
-          </a:p>
-        </p:txBody>
-      </p:sp>
-      <p:sp>
-        <p:nvSpPr>
-          <p:cNvPr id="6" name="내용 개체 틀 5"/>
-          <p:cNvSpPr>
-            <a:spLocks noGrp="1"/>
-          </p:cNvSpPr>
-          <p:nvPr>
-            <p:ph idx="1"/>
-          </p:nvPr>
-        </p:nvSpPr>
-        <p:spPr/>
-        <p:txBody>
-          <a:bodyPr/>
-          <a:lstStyle/>
-          <a:p>
-            <a:r>
-              <a:rPr lang="en-US" altLang="ko-KR" sz="2400" b="1" i="1" dirty="0"/>
-              <a:t>for</a:t>
-            </a:r>
-            <a:r>
-              <a:rPr lang="en-US" altLang="ko-KR" sz="2400" b="1" dirty="0"/>
-              <a:t> Statement</a:t>
-            </a:r>
-          </a:p>
-          <a:p>
-            <a:pPr lvl="1"/>
-            <a:r>
-              <a:rPr lang="en-US" altLang="ko-KR" sz="2400" dirty="0"/>
-              <a:t>for</a:t>
-            </a:r>
-          </a:p>
-          <a:p>
-            <a:pPr lvl="2"/>
-            <a:r>
-              <a:rPr lang="en-US" altLang="ko-KR" sz="2000" dirty="0"/>
-              <a:t>Control Flow in </a:t>
-            </a:r>
-            <a:r>
-              <a:rPr lang="en-US" altLang="ko-KR" sz="2000" b="1" i="1" dirty="0"/>
-              <a:t>for</a:t>
-            </a:r>
-            <a:r>
-              <a:rPr lang="en-US" altLang="ko-KR" sz="2000" dirty="0"/>
-              <a:t> Statement</a:t>
-            </a:r>
-          </a:p>
-          <a:p>
-            <a:pPr lvl="2"/>
-            <a:r>
-              <a:rPr lang="en-US" altLang="ko-KR" sz="2000" b="1" dirty="0">
-                <a:solidFill>
-                  <a:srgbClr val="00B0F0"/>
-                </a:solidFill>
-              </a:rPr>
-              <a:t>Repetition</a:t>
-            </a:r>
-            <a:r>
-              <a:rPr lang="en-US" altLang="ko-KR" sz="2000" dirty="0"/>
-              <a:t> Controls for </a:t>
-            </a:r>
-            <a:r>
-              <a:rPr lang="en-US" altLang="ko-KR" sz="2000" b="1" i="1" dirty="0" err="1"/>
-              <a:t>for</a:t>
-            </a:r>
-            <a:r>
-              <a:rPr lang="en-US" altLang="ko-KR" sz="2000" dirty="0"/>
-              <a:t> Statement</a:t>
-            </a:r>
-          </a:p>
-          <a:p>
-            <a:pPr lvl="2"/>
-            <a:r>
-              <a:rPr lang="en-US" altLang="ko-KR" sz="2000" b="1" i="1" dirty="0"/>
-              <a:t>break</a:t>
-            </a:r>
-            <a:r>
-              <a:rPr lang="en-US" altLang="ko-KR" sz="2000" dirty="0"/>
-              <a:t> Statement</a:t>
-            </a:r>
-          </a:p>
-          <a:p>
-            <a:pPr lvl="1"/>
-            <a:r>
-              <a:rPr lang="en-US" altLang="ko-KR" sz="2400" dirty="0"/>
-              <a:t>for-else</a:t>
-            </a:r>
-          </a:p>
-          <a:p>
-            <a:r>
-              <a:rPr lang="en-US" altLang="ko-KR" sz="2400" dirty="0"/>
-              <a:t>for-if</a:t>
-            </a:r>
-          </a:p>
-          <a:p>
-            <a:r>
-              <a:rPr lang="en-US" altLang="ko-KR" sz="2400" dirty="0"/>
-              <a:t>for-for (nested for)</a:t>
-            </a:r>
-          </a:p>
-          <a:p>
-            <a:r>
-              <a:rPr lang="en-US" altLang="ko-KR" sz="2400" b="1" i="1" dirty="0"/>
-              <a:t>continue/break/pass</a:t>
-            </a:r>
-            <a:r>
-              <a:rPr lang="en-US" altLang="ko-KR" sz="2400" b="1" dirty="0"/>
-              <a:t> Statement</a:t>
-            </a:r>
-            <a:endParaRPr lang="ko-KR" altLang="en-US" sz="2400" b="1" dirty="0"/>
-          </a:p>
-        </p:txBody>
-      </p:sp>
-      <p:sp>
-        <p:nvSpPr>
-          <p:cNvPr id="2" name="슬라이드 번호 개체 틀 1"/>
-          <p:cNvSpPr>
-            <a:spLocks noGrp="1"/>
-          </p:cNvSpPr>
-          <p:nvPr>
-            <p:ph type="sldNum" sz="quarter" idx="12"/>
-          </p:nvPr>
-        </p:nvSpPr>
-        <p:spPr/>
-        <p:txBody>
-          <a:bodyPr/>
-          <a:lstStyle/>
-          <a:p>
-            <a:fld id="{D57F1E4F-1CFF-5643-939E-217C01CDF565}" type="slidenum">
-              <a:rPr lang="en-US" smtClean="0"/>
-              <a:pPr/>
-              <a:t>154</a:t>
-            </a:fld>
-            <a:endParaRPr lang="en-US" dirty="0"/>
-          </a:p>
-        </p:txBody>
-      </p:sp>
-    </p:spTree>
-    <p:extLst>
-      <p:ext uri="{BB962C8B-B14F-4D97-AF65-F5344CB8AC3E}">
-        <p14:creationId xmlns:p14="http://schemas.microsoft.com/office/powerpoint/2010/main" val="2315917843"/>
-      </p:ext>
-    </p:extLst>
-  </p:cSld>
-  <p:clrMapOvr>
-    <a:masterClrMapping/>
-  </p:clrMapOvr>
-</p:sld>
-</file>
-
-<file path=ppt/slides/slide155.xml><?xml version="1.0" encoding="utf-8"?>
 <p:sld xmlns:a="http://schemas.openxmlformats.org/drawingml/2006/main" xmlns:r="http://schemas.openxmlformats.org/officeDocument/2006/relationships" xmlns:p="http://schemas.openxmlformats.org/presentationml/2006/main">
   <p:cSld>
     <p:spTree>
@@ -37341,16 +36056,6 @@
               </a:spcAft>
               <a:buNone/>
             </a:pPr>
-            <a:r>
-              <a:rPr lang="en-US" altLang="ko-KR" sz="1400" b="0" dirty="0">
-                <a:solidFill>
-                  <a:schemeClr val="tx1"/>
-                </a:solidFill>
-                <a:effectLst/>
-                <a:latin typeface="Consolas" panose="020B0609020204030204" pitchFamily="49" charset="0"/>
-              </a:rPr>
-              <a:t/>
-            </a:r>
             <a:br>
               <a:rPr lang="en-US" altLang="ko-KR" sz="1400" b="0" dirty="0">
                 <a:solidFill>
